--- a/Theory of Big Data 2017/Poster/BigData.pptx
+++ b/Theory of Big Data 2017/Poster/BigData.pptx
@@ -3246,6 +3246,14 @@
 <file path=ppt/slides/slide2.xml><?xml version="1.0" encoding="utf-8"?>
 <p:sld xmlns:a="http://schemas.openxmlformats.org/drawingml/2006/main" xmlns:r="http://schemas.openxmlformats.org/officeDocument/2006/relationships" xmlns:p="http://schemas.openxmlformats.org/presentationml/2006/main">
   <p:cSld>
+    <p:bg>
+      <p:bgPr>
+        <a:solidFill>
+          <a:schemeClr val="bg1"/>
+        </a:solidFill>
+        <a:effectLst/>
+      </p:bgPr>
+    </p:bg>
     <p:spTree>
       <p:nvGrpSpPr>
         <p:cNvPr id="1" name=""/>
@@ -3281,956 +3289,1234 @@
       </p:sp>
       <p:grpSp>
         <p:nvGrpSpPr>
-          <p:cNvPr id="119" name="Group 118"/>
+          <p:cNvPr id="23" name="Group 22"/>
           <p:cNvGrpSpPr/>
           <p:nvPr/>
         </p:nvGrpSpPr>
         <p:grpSpPr>
           <a:xfrm>
-            <a:off x="4266358" y="12547699"/>
-            <a:ext cx="21746416" cy="11593288"/>
-            <a:chOff x="1525074" y="12594308"/>
-            <a:chExt cx="26096389" cy="16528116"/>
+            <a:off x="367678" y="10021145"/>
+            <a:ext cx="31236126" cy="18065505"/>
+            <a:chOff x="661635" y="9702784"/>
+            <a:chExt cx="31236126" cy="18065505"/>
           </a:xfrm>
         </p:grpSpPr>
-        <mc:AlternateContent xmlns:mc="http://schemas.openxmlformats.org/markup-compatibility/2006" xmlns:a14="http://schemas.microsoft.com/office/drawing/2010/main">
-          <mc:Choice Requires="a14">
-            <p:sp>
-              <p:nvSpPr>
-                <p:cNvPr id="3" name="Oval 2"/>
-                <p:cNvSpPr/>
-                <p:nvPr/>
-              </p:nvSpPr>
-              <p:spPr>
-                <a:xfrm>
-                  <a:off x="8378504" y="16973720"/>
-                  <a:ext cx="4032448" cy="3816424"/>
-                </a:xfrm>
-                <a:prstGeom prst="ellipse">
-                  <a:avLst/>
-                </a:prstGeom>
-                <a:solidFill>
-                  <a:schemeClr val="accent1">
-                    <a:lumMod val="75000"/>
-                  </a:schemeClr>
-                </a:solidFill>
-                <a:ln w="38100">
-                  <a:solidFill>
-                    <a:schemeClr val="tx1">
-                      <a:lumMod val="50000"/>
-                    </a:schemeClr>
-                  </a:solidFill>
-                </a:ln>
-                <a:effectLst>
-                  <a:outerShdw blurRad="190500" dist="228600" dir="2700000" algn="ctr">
-                    <a:srgbClr val="000000">
-                      <a:alpha val="30000"/>
-                    </a:srgbClr>
-                  </a:outerShdw>
-                </a:effectLst>
-              </p:spPr>
-              <p:txBody>
-                <a:bodyPr lIns="288000" tIns="180000" rIns="252000" bIns="144000" spcCol="360000" rtlCol="0" anchor="ctr"/>
-                <a:lstStyle/>
-                <a:p>
-                  <a:pPr algn="ctr">
-                    <a:spcBef>
-                      <a:spcPts val="0"/>
-                    </a:spcBef>
-                  </a:pPr>
-                  <a14:m>
-                    <m:oMathPara xmlns:m="http://schemas.openxmlformats.org/officeDocument/2006/math">
-                      <m:oMathParaPr>
-                        <m:jc m:val="centerGroup"/>
-                      </m:oMathParaPr>
-                      <m:oMath xmlns:m="http://schemas.openxmlformats.org/officeDocument/2006/math">
-                        <m:sSub>
-                          <m:sSubPr>
-                            <m:ctrlPr>
-                              <a:rPr lang="en-GB" sz="4800" b="1" i="1" dirty="0" smtClean="0">
-                                <a:solidFill>
-                                  <a:schemeClr val="tx1">
-                                    <a:lumMod val="50000"/>
-                                  </a:schemeClr>
-                                </a:solidFill>
-                                <a:latin typeface="Cambria Math" panose="02040503050406030204" pitchFamily="18" charset="0"/>
-                                <a:ea typeface="Cambria Math" panose="02040503050406030204" pitchFamily="18" charset="0"/>
-                                <a:cs typeface="+mn-cs"/>
-                              </a:rPr>
-                            </m:ctrlPr>
-                          </m:sSubPr>
-                          <m:e>
-                            <m:r>
-                              <a:rPr lang="en-GB" sz="4800" b="1" i="1" dirty="0" smtClean="0">
-                                <a:solidFill>
-                                  <a:schemeClr val="tx1">
-                                    <a:lumMod val="50000"/>
-                                  </a:schemeClr>
-                                </a:solidFill>
-                                <a:latin typeface="Cambria Math" panose="02040503050406030204" pitchFamily="18" charset="0"/>
-                                <a:ea typeface="Cambria Math" panose="02040503050406030204" pitchFamily="18" charset="0"/>
-                                <a:cs typeface="+mn-cs"/>
-                              </a:rPr>
-                              <m:t>𝒚</m:t>
-                            </m:r>
-                          </m:e>
-                          <m:sub>
-                            <m:r>
-                              <a:rPr lang="en-GB" sz="4800" b="1" i="1" dirty="0" smtClean="0">
-                                <a:solidFill>
-                                  <a:schemeClr val="tx1">
-                                    <a:lumMod val="50000"/>
-                                  </a:schemeClr>
-                                </a:solidFill>
-                                <a:latin typeface="Cambria Math" panose="02040503050406030204" pitchFamily="18" charset="0"/>
-                                <a:ea typeface="Cambria Math" panose="02040503050406030204" pitchFamily="18" charset="0"/>
-                                <a:cs typeface="+mn-cs"/>
-                              </a:rPr>
-                              <m:t>𝑮𝑷𝑺</m:t>
-                            </m:r>
-                          </m:sub>
-                        </m:sSub>
-                      </m:oMath>
-                    </m:oMathPara>
-                  </a14:m>
-                  <a:endParaRPr lang="en-GB" sz="4800" b="1" dirty="0">
-                    <a:solidFill>
-                      <a:schemeClr val="tx1">
-                        <a:lumMod val="50000"/>
-                      </a:schemeClr>
-                    </a:solidFill>
-                    <a:latin typeface="Cambria Math" panose="02040503050406030204" pitchFamily="18" charset="0"/>
-                    <a:ea typeface="Cambria Math" panose="02040503050406030204" pitchFamily="18" charset="0"/>
-                    <a:cs typeface="+mn-cs"/>
-                  </a:endParaRPr>
-                </a:p>
-              </p:txBody>
-            </p:sp>
-          </mc:Choice>
-          <mc:Fallback xmlns="">
-            <p:sp>
-              <p:nvSpPr>
-                <p:cNvPr id="3" name="Oval 2"/>
-                <p:cNvSpPr>
-                  <a:spLocks noRot="1" noChangeAspect="1" noMove="1" noResize="1" noEditPoints="1" noAdjustHandles="1" noChangeArrowheads="1" noChangeShapeType="1" noTextEdit="1"/>
-                </p:cNvSpPr>
-                <p:nvPr/>
-              </p:nvSpPr>
-              <p:spPr>
-                <a:xfrm>
-                  <a:off x="8378504" y="16973720"/>
-                  <a:ext cx="4032448" cy="3816424"/>
-                </a:xfrm>
-                <a:prstGeom prst="ellipse">
-                  <a:avLst/>
-                </a:prstGeom>
-                <a:blipFill rotWithShape="0">
-                  <a:blip r:embed="rId2"/>
-                  <a:stretch>
-                    <a:fillRect/>
-                  </a:stretch>
-                </a:blipFill>
-                <a:ln w="38100">
-                  <a:solidFill>
-                    <a:schemeClr val="tx1">
-                      <a:lumMod val="50000"/>
-                    </a:schemeClr>
-                  </a:solidFill>
-                </a:ln>
-                <a:effectLst>
-                  <a:outerShdw blurRad="190500" dist="228600" dir="2700000" algn="ctr">
-                    <a:srgbClr val="000000">
-                      <a:alpha val="30000"/>
-                    </a:srgbClr>
-                  </a:outerShdw>
-                </a:effectLst>
-              </p:spPr>
-              <p:txBody>
-                <a:bodyPr/>
-                <a:lstStyle/>
-                <a:p>
-                  <a:r>
-                    <a:rPr lang="en-GB">
-                      <a:noFill/>
-                    </a:rPr>
-                    <a:t> </a:t>
-                  </a:r>
-                </a:p>
-              </p:txBody>
-            </p:sp>
-          </mc:Fallback>
-        </mc:AlternateContent>
-        <mc:AlternateContent xmlns:mc="http://schemas.openxmlformats.org/markup-compatibility/2006" xmlns:a14="http://schemas.microsoft.com/office/drawing/2010/main">
-          <mc:Choice Requires="a14">
-            <p:sp>
-              <p:nvSpPr>
-                <p:cNvPr id="4" name="Oval 3"/>
-                <p:cNvSpPr/>
-                <p:nvPr/>
-              </p:nvSpPr>
-              <p:spPr>
-                <a:xfrm>
-                  <a:off x="14332543" y="16973720"/>
-                  <a:ext cx="4032448" cy="3816424"/>
-                </a:xfrm>
-                <a:prstGeom prst="ellipse">
-                  <a:avLst/>
-                </a:prstGeom>
-                <a:solidFill>
-                  <a:schemeClr val="accent1">
-                    <a:lumMod val="75000"/>
-                  </a:schemeClr>
-                </a:solidFill>
-                <a:ln w="38100">
-                  <a:solidFill>
-                    <a:schemeClr val="tx1">
-                      <a:lumMod val="50000"/>
-                    </a:schemeClr>
-                  </a:solidFill>
-                </a:ln>
-                <a:effectLst>
-                  <a:outerShdw blurRad="190500" dist="228600" dir="2700000" algn="ctr">
-                    <a:srgbClr val="000000">
-                      <a:alpha val="30000"/>
-                    </a:srgbClr>
-                  </a:outerShdw>
-                </a:effectLst>
-              </p:spPr>
-              <p:txBody>
-                <a:bodyPr lIns="288000" tIns="180000" rIns="252000" bIns="144000" spcCol="360000" rtlCol="0" anchor="ctr"/>
-                <a:lstStyle/>
-                <a:p>
-                  <a:pPr algn="ctr">
-                    <a:spcBef>
-                      <a:spcPts val="0"/>
-                    </a:spcBef>
-                  </a:pPr>
-                  <a14:m>
-                    <m:oMathPara xmlns:m="http://schemas.openxmlformats.org/officeDocument/2006/math">
-                      <m:oMathParaPr>
-                        <m:jc m:val="centerGroup"/>
-                      </m:oMathParaPr>
-                      <m:oMath xmlns:m="http://schemas.openxmlformats.org/officeDocument/2006/math">
-                        <m:sSub>
-                          <m:sSubPr>
-                            <m:ctrlPr>
-                              <a:rPr lang="en-GB" sz="4800" b="1" i="1" dirty="0" smtClean="0">
-                                <a:solidFill>
-                                  <a:schemeClr val="tx1">
-                                    <a:lumMod val="50000"/>
-                                  </a:schemeClr>
-                                </a:solidFill>
-                                <a:latin typeface="Cambria Math" panose="02040503050406030204" pitchFamily="18" charset="0"/>
-                                <a:ea typeface="Cambria Math" panose="02040503050406030204" pitchFamily="18" charset="0"/>
-                              </a:rPr>
-                            </m:ctrlPr>
-                          </m:sSubPr>
-                          <m:e>
-                            <m:r>
-                              <a:rPr lang="en-GB" sz="4800" b="1" i="1" dirty="0" smtClean="0">
-                                <a:solidFill>
-                                  <a:schemeClr val="tx1">
-                                    <a:lumMod val="50000"/>
-                                  </a:schemeClr>
-                                </a:solidFill>
-                                <a:latin typeface="Cambria Math" panose="02040503050406030204" pitchFamily="18" charset="0"/>
-                                <a:ea typeface="Cambria Math" panose="02040503050406030204" pitchFamily="18" charset="0"/>
-                              </a:rPr>
-                              <m:t>𝒙</m:t>
-                            </m:r>
-                          </m:e>
-                          <m:sub>
-                            <m:r>
-                              <a:rPr lang="en-GB" sz="4800" b="1" i="1" dirty="0" smtClean="0">
-                                <a:solidFill>
-                                  <a:schemeClr val="tx1">
-                                    <a:lumMod val="50000"/>
-                                  </a:schemeClr>
-                                </a:solidFill>
-                                <a:latin typeface="Cambria Math" panose="02040503050406030204" pitchFamily="18" charset="0"/>
-                                <a:ea typeface="Cambria Math" panose="02040503050406030204" pitchFamily="18" charset="0"/>
-                              </a:rPr>
-                              <m:t>𝑮𝑰𝑨</m:t>
-                            </m:r>
-                            <m:r>
-                              <a:rPr lang="en-GB" sz="4800" b="1" i="1" dirty="0" smtClean="0">
-                                <a:solidFill>
-                                  <a:schemeClr val="tx1">
-                                    <a:lumMod val="50000"/>
-                                  </a:schemeClr>
-                                </a:solidFill>
-                                <a:latin typeface="Cambria Math" panose="02040503050406030204" pitchFamily="18" charset="0"/>
-                                <a:ea typeface="Cambria Math" panose="02040503050406030204" pitchFamily="18" charset="0"/>
-                              </a:rPr>
-                              <m:t>−</m:t>
-                            </m:r>
-                            <m:r>
-                              <a:rPr lang="en-GB" sz="4800" b="1" i="1" dirty="0">
-                                <a:solidFill>
-                                  <a:schemeClr val="tx1">
-                                    <a:lumMod val="50000"/>
-                                  </a:schemeClr>
-                                </a:solidFill>
-                                <a:latin typeface="Cambria Math" panose="02040503050406030204" pitchFamily="18" charset="0"/>
-                                <a:ea typeface="Cambria Math" panose="02040503050406030204" pitchFamily="18" charset="0"/>
-                              </a:rPr>
-                              <m:t>𝑮</m:t>
-                            </m:r>
-                            <m:r>
-                              <a:rPr lang="en-GB" sz="4800" b="1" i="1" dirty="0" smtClean="0">
-                                <a:solidFill>
-                                  <a:schemeClr val="tx1">
-                                    <a:lumMod val="50000"/>
-                                  </a:schemeClr>
-                                </a:solidFill>
-                                <a:latin typeface="Cambria Math" panose="02040503050406030204" pitchFamily="18" charset="0"/>
-                                <a:ea typeface="Cambria Math" panose="02040503050406030204" pitchFamily="18" charset="0"/>
-                              </a:rPr>
-                              <m:t>𝑷𝑺</m:t>
-                            </m:r>
-                          </m:sub>
-                        </m:sSub>
-                      </m:oMath>
-                    </m:oMathPara>
-                  </a14:m>
-                  <a:endParaRPr lang="en-GB" sz="4800" b="1" dirty="0">
-                    <a:solidFill>
-                      <a:schemeClr val="tx1">
-                        <a:lumMod val="50000"/>
-                      </a:schemeClr>
-                    </a:solidFill>
-                    <a:latin typeface="Cambria Math" panose="02040503050406030204" pitchFamily="18" charset="0"/>
-                    <a:ea typeface="Cambria Math" panose="02040503050406030204" pitchFamily="18" charset="0"/>
-                    <a:cs typeface="+mn-cs"/>
-                  </a:endParaRPr>
-                </a:p>
-              </p:txBody>
-            </p:sp>
-          </mc:Choice>
-          <mc:Fallback xmlns="">
-            <p:sp>
-              <p:nvSpPr>
-                <p:cNvPr id="4" name="Oval 3"/>
-                <p:cNvSpPr>
-                  <a:spLocks noRot="1" noChangeAspect="1" noMove="1" noResize="1" noEditPoints="1" noAdjustHandles="1" noChangeArrowheads="1" noChangeShapeType="1" noTextEdit="1"/>
-                </p:cNvSpPr>
-                <p:nvPr/>
-              </p:nvSpPr>
-              <p:spPr>
-                <a:xfrm>
-                  <a:off x="14332543" y="16973720"/>
-                  <a:ext cx="4032448" cy="3816424"/>
-                </a:xfrm>
-                <a:prstGeom prst="ellipse">
-                  <a:avLst/>
-                </a:prstGeom>
-                <a:blipFill rotWithShape="0">
-                  <a:blip r:embed="rId3"/>
-                  <a:stretch>
-                    <a:fillRect/>
-                  </a:stretch>
-                </a:blipFill>
-                <a:ln w="38100">
-                  <a:solidFill>
-                    <a:schemeClr val="tx1">
-                      <a:lumMod val="50000"/>
-                    </a:schemeClr>
-                  </a:solidFill>
-                </a:ln>
-                <a:effectLst>
-                  <a:outerShdw blurRad="190500" dist="228600" dir="2700000" algn="ctr">
-                    <a:srgbClr val="000000">
-                      <a:alpha val="30000"/>
-                    </a:srgbClr>
-                  </a:outerShdw>
-                </a:effectLst>
-              </p:spPr>
-              <p:txBody>
-                <a:bodyPr/>
-                <a:lstStyle/>
-                <a:p>
-                  <a:r>
-                    <a:rPr lang="en-GB">
-                      <a:noFill/>
-                    </a:rPr>
-                    <a:t> </a:t>
-                  </a:r>
-                </a:p>
-              </p:txBody>
-            </p:sp>
-          </mc:Fallback>
-        </mc:AlternateContent>
-        <mc:AlternateContent xmlns:mc="http://schemas.openxmlformats.org/markup-compatibility/2006">
-          <mc:Choice xmlns:a14="http://schemas.microsoft.com/office/drawing/2010/main" Requires="a14">
-            <p:sp>
-              <p:nvSpPr>
-                <p:cNvPr id="5" name="Oval 4"/>
-                <p:cNvSpPr/>
-                <p:nvPr/>
-              </p:nvSpPr>
-              <p:spPr>
-                <a:xfrm>
-                  <a:off x="8367796" y="22227733"/>
-                  <a:ext cx="4032448" cy="3816424"/>
-                </a:xfrm>
-                <a:prstGeom prst="ellipse">
-                  <a:avLst/>
-                </a:prstGeom>
-                <a:solidFill>
-                  <a:schemeClr val="accent1">
-                    <a:lumMod val="75000"/>
-                  </a:schemeClr>
-                </a:solidFill>
-                <a:ln w="38100">
-                  <a:solidFill>
-                    <a:schemeClr val="tx1">
-                      <a:lumMod val="50000"/>
-                    </a:schemeClr>
-                  </a:solidFill>
-                </a:ln>
-                <a:effectLst>
-                  <a:outerShdw blurRad="190500" dist="228600" dir="2700000" algn="ctr">
-                    <a:srgbClr val="000000">
-                      <a:alpha val="30000"/>
-                    </a:srgbClr>
-                  </a:outerShdw>
-                </a:effectLst>
-              </p:spPr>
-              <p:txBody>
-                <a:bodyPr lIns="288000" tIns="180000" rIns="252000" bIns="144000" spcCol="360000" rtlCol="0" anchor="ctr"/>
-                <a:lstStyle/>
-                <a:p>
-                  <a:pPr algn="ctr">
-                    <a:spcBef>
-                      <a:spcPts val="0"/>
-                    </a:spcBef>
-                  </a:pPr>
-                  <a14:m>
-                    <m:oMathPara xmlns:m="http://schemas.openxmlformats.org/officeDocument/2006/math">
-                      <m:oMathParaPr>
-                        <m:jc m:val="centerGroup"/>
-                      </m:oMathParaPr>
-                      <m:oMath xmlns:m="http://schemas.openxmlformats.org/officeDocument/2006/math">
-                        <m:sSub>
-                          <m:sSubPr>
-                            <m:ctrlPr>
-                              <a:rPr lang="en-GB" sz="4800" b="1" i="1" dirty="0" smtClean="0">
-                                <a:solidFill>
-                                  <a:schemeClr val="tx1">
-                                    <a:lumMod val="50000"/>
-                                  </a:schemeClr>
-                                </a:solidFill>
-                                <a:latin typeface="Cambria Math" panose="02040503050406030204" pitchFamily="18" charset="0"/>
-                                <a:ea typeface="Cambria Math" panose="02040503050406030204" pitchFamily="18" charset="0"/>
-                              </a:rPr>
-                            </m:ctrlPr>
-                          </m:sSubPr>
-                          <m:e>
-                            <m:r>
-                              <a:rPr lang="en-GB" sz="4800" b="1" i="1" dirty="0">
-                                <a:solidFill>
-                                  <a:schemeClr val="tx1">
-                                    <a:lumMod val="50000"/>
-                                  </a:schemeClr>
-                                </a:solidFill>
-                                <a:latin typeface="Cambria Math" panose="02040503050406030204" pitchFamily="18" charset="0"/>
-                                <a:ea typeface="Cambria Math" panose="02040503050406030204" pitchFamily="18" charset="0"/>
-                              </a:rPr>
-                              <m:t>𝒚</m:t>
-                            </m:r>
-                          </m:e>
-                          <m:sub>
-                            <m:r>
-                              <a:rPr lang="en-GB" sz="4800" b="1" i="1" dirty="0" smtClean="0">
-                                <a:solidFill>
-                                  <a:schemeClr val="tx1">
-                                    <a:lumMod val="50000"/>
-                                  </a:schemeClr>
-                                </a:solidFill>
-                                <a:latin typeface="Cambria Math" panose="02040503050406030204" pitchFamily="18" charset="0"/>
-                                <a:ea typeface="Cambria Math" panose="02040503050406030204" pitchFamily="18" charset="0"/>
-                              </a:rPr>
-                              <m:t>𝑮𝑹𝑨𝑪𝑬</m:t>
-                            </m:r>
-                          </m:sub>
-                        </m:sSub>
-                      </m:oMath>
-                    </m:oMathPara>
-                  </a14:m>
-                  <a:endParaRPr lang="en-GB" sz="4800" b="1" dirty="0">
-                    <a:solidFill>
-                      <a:schemeClr val="tx1">
-                        <a:lumMod val="50000"/>
-                      </a:schemeClr>
-                    </a:solidFill>
-                    <a:latin typeface="Cambria Math" panose="02040503050406030204" pitchFamily="18" charset="0"/>
-                    <a:ea typeface="Cambria Math" panose="02040503050406030204" pitchFamily="18" charset="0"/>
-                    <a:cs typeface="+mn-cs"/>
-                  </a:endParaRPr>
-                </a:p>
-              </p:txBody>
-            </p:sp>
-          </mc:Choice>
-          <mc:Fallback>
-            <p:sp>
-              <p:nvSpPr>
-                <p:cNvPr id="5" name="Oval 4"/>
-                <p:cNvSpPr>
-                  <a:spLocks noRot="1" noChangeAspect="1" noMove="1" noResize="1" noEditPoints="1" noAdjustHandles="1" noChangeArrowheads="1" noChangeShapeType="1" noTextEdit="1"/>
-                </p:cNvSpPr>
-                <p:nvPr/>
-              </p:nvSpPr>
-              <p:spPr>
-                <a:xfrm>
-                  <a:off x="8367796" y="22227733"/>
-                  <a:ext cx="4032448" cy="3816424"/>
-                </a:xfrm>
-                <a:prstGeom prst="ellipse">
-                  <a:avLst/>
-                </a:prstGeom>
-                <a:blipFill rotWithShape="0">
-                  <a:blip r:embed="rId4"/>
-                  <a:stretch>
-                    <a:fillRect/>
-                  </a:stretch>
-                </a:blipFill>
-                <a:ln w="38100">
-                  <a:solidFill>
-                    <a:schemeClr val="tx1">
-                      <a:lumMod val="50000"/>
-                    </a:schemeClr>
-                  </a:solidFill>
-                </a:ln>
-                <a:effectLst>
-                  <a:outerShdw blurRad="190500" dist="228600" dir="2700000" algn="ctr">
-                    <a:srgbClr val="000000">
-                      <a:alpha val="30000"/>
-                    </a:srgbClr>
-                  </a:outerShdw>
-                </a:effectLst>
-              </p:spPr>
-              <p:txBody>
-                <a:bodyPr/>
-                <a:lstStyle/>
-                <a:p>
-                  <a:r>
-                    <a:rPr lang="en-GB">
-                      <a:noFill/>
-                    </a:rPr>
-                    <a:t> </a:t>
-                  </a:r>
-                </a:p>
-              </p:txBody>
-            </p:sp>
-          </mc:Fallback>
-        </mc:AlternateContent>
-        <mc:AlternateContent xmlns:mc="http://schemas.openxmlformats.org/markup-compatibility/2006" xmlns:a14="http://schemas.microsoft.com/office/drawing/2010/main">
-          <mc:Choice Requires="a14">
-            <p:sp>
-              <p:nvSpPr>
-                <p:cNvPr id="6" name="Oval 5"/>
-                <p:cNvSpPr/>
-                <p:nvPr/>
-              </p:nvSpPr>
-              <p:spPr>
-                <a:xfrm>
-                  <a:off x="19669481" y="19550668"/>
-                  <a:ext cx="4032448" cy="3816424"/>
-                </a:xfrm>
-                <a:prstGeom prst="ellipse">
-                  <a:avLst/>
-                </a:prstGeom>
-                <a:solidFill>
-                  <a:schemeClr val="accent1">
-                    <a:lumMod val="75000"/>
-                  </a:schemeClr>
-                </a:solidFill>
-                <a:ln w="38100">
-                  <a:solidFill>
-                    <a:schemeClr val="tx1">
-                      <a:lumMod val="50000"/>
-                    </a:schemeClr>
-                  </a:solidFill>
-                </a:ln>
-                <a:effectLst>
-                  <a:outerShdw blurRad="190500" dist="228600" dir="2700000" algn="ctr">
-                    <a:srgbClr val="000000">
-                      <a:alpha val="30000"/>
-                    </a:srgbClr>
-                  </a:outerShdw>
-                </a:effectLst>
-              </p:spPr>
-              <p:txBody>
-                <a:bodyPr lIns="288000" tIns="180000" rIns="252000" bIns="144000" spcCol="360000" rtlCol="0" anchor="ctr"/>
-                <a:lstStyle/>
-                <a:p>
-                  <a:pPr algn="ctr">
-                    <a:spcBef>
-                      <a:spcPts val="0"/>
-                    </a:spcBef>
-                  </a:pPr>
-                  <a14:m>
-                    <m:oMathPara xmlns:m="http://schemas.openxmlformats.org/officeDocument/2006/math">
-                      <m:oMathParaPr>
-                        <m:jc m:val="centerGroup"/>
-                      </m:oMathParaPr>
-                      <m:oMath xmlns:m="http://schemas.openxmlformats.org/officeDocument/2006/math">
-                        <m:sSub>
-                          <m:sSubPr>
-                            <m:ctrlPr>
-                              <a:rPr lang="en-GB" sz="4800" b="1" i="1" dirty="0" smtClean="0">
-                                <a:solidFill>
-                                  <a:schemeClr val="tx1">
-                                    <a:lumMod val="50000"/>
-                                  </a:schemeClr>
-                                </a:solidFill>
-                                <a:latin typeface="Cambria Math" panose="02040503050406030204" pitchFamily="18" charset="0"/>
-                                <a:ea typeface="Cambria Math" panose="02040503050406030204" pitchFamily="18" charset="0"/>
-                              </a:rPr>
-                            </m:ctrlPr>
-                          </m:sSubPr>
-                          <m:e>
-                            <m:r>
-                              <a:rPr lang="en-GB" sz="4800" b="1" i="1" dirty="0" smtClean="0">
-                                <a:solidFill>
-                                  <a:schemeClr val="tx1">
-                                    <a:lumMod val="50000"/>
-                                  </a:schemeClr>
-                                </a:solidFill>
-                                <a:latin typeface="Cambria Math" panose="02040503050406030204" pitchFamily="18" charset="0"/>
-                                <a:ea typeface="Cambria Math" panose="02040503050406030204" pitchFamily="18" charset="0"/>
-                              </a:rPr>
-                              <m:t>𝑿</m:t>
-                            </m:r>
-                          </m:e>
-                          <m:sub>
-                            <m:r>
-                              <a:rPr lang="en-GB" sz="4800" b="1" i="1" dirty="0">
-                                <a:solidFill>
-                                  <a:schemeClr val="tx1">
-                                    <a:lumMod val="50000"/>
-                                  </a:schemeClr>
-                                </a:solidFill>
-                                <a:latin typeface="Cambria Math" panose="02040503050406030204" pitchFamily="18" charset="0"/>
-                                <a:ea typeface="Cambria Math" panose="02040503050406030204" pitchFamily="18" charset="0"/>
-                              </a:rPr>
-                              <m:t>𝑮</m:t>
-                            </m:r>
-                            <m:r>
-                              <a:rPr lang="en-GB" sz="4800" b="1" i="1" dirty="0" smtClean="0">
-                                <a:solidFill>
-                                  <a:schemeClr val="tx1">
-                                    <a:lumMod val="50000"/>
-                                  </a:schemeClr>
-                                </a:solidFill>
-                                <a:latin typeface="Cambria Math" panose="02040503050406030204" pitchFamily="18" charset="0"/>
-                                <a:ea typeface="Cambria Math" panose="02040503050406030204" pitchFamily="18" charset="0"/>
-                              </a:rPr>
-                              <m:t>𝑰𝑨</m:t>
-                            </m:r>
-                          </m:sub>
-                        </m:sSub>
-                      </m:oMath>
-                    </m:oMathPara>
-                  </a14:m>
-                  <a:endParaRPr lang="en-GB" sz="4800" b="1" dirty="0">
-                    <a:solidFill>
-                      <a:schemeClr val="tx1">
-                        <a:lumMod val="50000"/>
-                      </a:schemeClr>
-                    </a:solidFill>
-                    <a:latin typeface="Cambria Math" panose="02040503050406030204" pitchFamily="18" charset="0"/>
-                    <a:ea typeface="Cambria Math" panose="02040503050406030204" pitchFamily="18" charset="0"/>
-                    <a:cs typeface="+mn-cs"/>
-                  </a:endParaRPr>
-                </a:p>
-              </p:txBody>
-            </p:sp>
-          </mc:Choice>
-          <mc:Fallback xmlns="">
-            <p:sp>
-              <p:nvSpPr>
-                <p:cNvPr id="6" name="Oval 5"/>
-                <p:cNvSpPr>
-                  <a:spLocks noRot="1" noChangeAspect="1" noMove="1" noResize="1" noEditPoints="1" noAdjustHandles="1" noChangeArrowheads="1" noChangeShapeType="1" noTextEdit="1"/>
-                </p:cNvSpPr>
-                <p:nvPr/>
-              </p:nvSpPr>
-              <p:spPr>
-                <a:xfrm>
-                  <a:off x="19669481" y="19550668"/>
-                  <a:ext cx="4032448" cy="3816424"/>
-                </a:xfrm>
-                <a:prstGeom prst="ellipse">
-                  <a:avLst/>
-                </a:prstGeom>
-                <a:blipFill rotWithShape="0">
-                  <a:blip r:embed="rId5"/>
-                  <a:stretch>
-                    <a:fillRect/>
-                  </a:stretch>
-                </a:blipFill>
-                <a:ln w="38100">
-                  <a:solidFill>
-                    <a:schemeClr val="tx1">
-                      <a:lumMod val="50000"/>
-                    </a:schemeClr>
-                  </a:solidFill>
-                </a:ln>
-                <a:effectLst>
-                  <a:outerShdw blurRad="190500" dist="228600" dir="2700000" algn="ctr">
-                    <a:srgbClr val="000000">
-                      <a:alpha val="30000"/>
-                    </a:srgbClr>
-                  </a:outerShdw>
-                </a:effectLst>
-              </p:spPr>
-              <p:txBody>
-                <a:bodyPr/>
-                <a:lstStyle/>
-                <a:p>
-                  <a:r>
-                    <a:rPr lang="en-GB">
-                      <a:noFill/>
-                    </a:rPr>
-                    <a:t> </a:t>
-                  </a:r>
-                </a:p>
-              </p:txBody>
-            </p:sp>
-          </mc:Fallback>
-        </mc:AlternateContent>
-        <mc:AlternateContent xmlns:mc="http://schemas.openxmlformats.org/markup-compatibility/2006" xmlns:a14="http://schemas.microsoft.com/office/drawing/2010/main">
-          <mc:Choice Requires="a14">
-            <p:sp>
-              <p:nvSpPr>
-                <p:cNvPr id="7" name="Oval 6"/>
-                <p:cNvSpPr/>
-                <p:nvPr/>
-              </p:nvSpPr>
-              <p:spPr>
-                <a:xfrm>
-                  <a:off x="3327494" y="24016927"/>
-                  <a:ext cx="2499314" cy="2367819"/>
-                </a:xfrm>
-                <a:prstGeom prst="ellipse">
-                  <a:avLst/>
-                </a:prstGeom>
-                <a:solidFill>
-                  <a:schemeClr val="accent1">
-                    <a:lumMod val="75000"/>
-                  </a:schemeClr>
-                </a:solidFill>
-                <a:ln w="38100">
-                  <a:solidFill>
-                    <a:schemeClr val="tx1">
-                      <a:lumMod val="50000"/>
-                    </a:schemeClr>
-                  </a:solidFill>
-                </a:ln>
-                <a:effectLst>
-                  <a:outerShdw blurRad="190500" dist="228600" dir="2700000" algn="ctr">
-                    <a:srgbClr val="000000">
-                      <a:alpha val="30000"/>
-                    </a:srgbClr>
-                  </a:outerShdw>
-                </a:effectLst>
-              </p:spPr>
-              <p:txBody>
-                <a:bodyPr lIns="288000" tIns="180000" rIns="252000" bIns="144000" spcCol="360000" rtlCol="0" anchor="ctr"/>
-                <a:lstStyle/>
-                <a:p>
-                  <a:pPr algn="ctr">
-                    <a:spcBef>
-                      <a:spcPts val="0"/>
-                    </a:spcBef>
-                  </a:pPr>
-                  <a14:m>
-                    <m:oMathPara xmlns:m="http://schemas.openxmlformats.org/officeDocument/2006/math">
-                      <m:oMathParaPr>
-                        <m:jc m:val="centerGroup"/>
-                      </m:oMathParaPr>
-                      <m:oMath xmlns:m="http://schemas.openxmlformats.org/officeDocument/2006/math">
-                        <m:sSub>
-                          <m:sSubPr>
-                            <m:ctrlPr>
-                              <a:rPr lang="en-GB" sz="4800" b="1" i="1" smtClean="0">
-                                <a:solidFill>
-                                  <a:schemeClr val="tx1">
-                                    <a:lumMod val="50000"/>
-                                  </a:schemeClr>
-                                </a:solidFill>
-                                <a:latin typeface="Cambria Math" panose="02040503050406030204" pitchFamily="18" charset="0"/>
-                                <a:ea typeface="Cambria Math" panose="02040503050406030204" pitchFamily="18" charset="0"/>
-                              </a:rPr>
-                            </m:ctrlPr>
-                          </m:sSubPr>
-                          <m:e>
-                            <m:r>
-                              <a:rPr lang="en-GB" sz="4800" b="1" i="1">
-                                <a:solidFill>
-                                  <a:schemeClr val="tx1">
-                                    <a:lumMod val="50000"/>
-                                  </a:schemeClr>
-                                </a:solidFill>
-                                <a:latin typeface="Cambria Math" panose="02040503050406030204" pitchFamily="18" charset="0"/>
-                                <a:ea typeface="Cambria Math" panose="02040503050406030204" pitchFamily="18" charset="0"/>
-                              </a:rPr>
-                              <m:t>𝜷</m:t>
-                            </m:r>
-                          </m:e>
-                          <m:sub>
-                            <m:r>
-                              <a:rPr lang="en-GB" sz="4800" b="1" i="1" smtClean="0">
-                                <a:solidFill>
-                                  <a:schemeClr val="tx1">
-                                    <a:lumMod val="50000"/>
-                                  </a:schemeClr>
-                                </a:solidFill>
-                                <a:latin typeface="Cambria Math" panose="02040503050406030204" pitchFamily="18" charset="0"/>
-                                <a:ea typeface="Cambria Math" panose="02040503050406030204" pitchFamily="18" charset="0"/>
-                              </a:rPr>
-                              <m:t>𝟐</m:t>
-                            </m:r>
-                          </m:sub>
-                        </m:sSub>
-                      </m:oMath>
-                    </m:oMathPara>
-                  </a14:m>
-                  <a:endParaRPr lang="en-GB" sz="4800" b="1" dirty="0">
-                    <a:solidFill>
-                      <a:schemeClr val="tx1">
-                        <a:lumMod val="50000"/>
-                      </a:schemeClr>
-                    </a:solidFill>
-                    <a:latin typeface="Cambria Math" panose="02040503050406030204" pitchFamily="18" charset="0"/>
-                    <a:ea typeface="Cambria Math" panose="02040503050406030204" pitchFamily="18" charset="0"/>
-                    <a:cs typeface="+mn-cs"/>
-                  </a:endParaRPr>
-                </a:p>
-              </p:txBody>
-            </p:sp>
-          </mc:Choice>
-          <mc:Fallback xmlns="">
-            <p:sp>
-              <p:nvSpPr>
-                <p:cNvPr id="7" name="Oval 6"/>
-                <p:cNvSpPr>
-                  <a:spLocks noRot="1" noChangeAspect="1" noMove="1" noResize="1" noEditPoints="1" noAdjustHandles="1" noChangeArrowheads="1" noChangeShapeType="1" noTextEdit="1"/>
-                </p:cNvSpPr>
-                <p:nvPr/>
-              </p:nvSpPr>
-              <p:spPr>
-                <a:xfrm>
-                  <a:off x="3327494" y="24016927"/>
-                  <a:ext cx="2499314" cy="2367819"/>
-                </a:xfrm>
-                <a:prstGeom prst="ellipse">
-                  <a:avLst/>
-                </a:prstGeom>
-                <a:blipFill rotWithShape="0">
-                  <a:blip r:embed="rId6"/>
-                  <a:stretch>
-                    <a:fillRect/>
-                  </a:stretch>
-                </a:blipFill>
-                <a:ln w="38100">
-                  <a:solidFill>
-                    <a:schemeClr val="tx1">
-                      <a:lumMod val="50000"/>
-                    </a:schemeClr>
-                  </a:solidFill>
-                </a:ln>
-                <a:effectLst>
-                  <a:outerShdw blurRad="190500" dist="228600" dir="2700000" algn="ctr">
-                    <a:srgbClr val="000000">
-                      <a:alpha val="30000"/>
-                    </a:srgbClr>
-                  </a:outerShdw>
-                </a:effectLst>
-              </p:spPr>
-              <p:txBody>
-                <a:bodyPr/>
-                <a:lstStyle/>
-                <a:p>
-                  <a:r>
-                    <a:rPr lang="en-GB">
-                      <a:noFill/>
-                    </a:rPr>
-                    <a:t> </a:t>
-                  </a:r>
-                </a:p>
-              </p:txBody>
-            </p:sp>
-          </mc:Fallback>
-        </mc:AlternateContent>
-        <mc:AlternateContent xmlns:mc="http://schemas.openxmlformats.org/markup-compatibility/2006" xmlns:a14="http://schemas.microsoft.com/office/drawing/2010/main">
-          <mc:Choice Requires="a14">
-            <p:sp>
-              <p:nvSpPr>
-                <p:cNvPr id="8" name="Oval 7"/>
-                <p:cNvSpPr/>
-                <p:nvPr/>
-              </p:nvSpPr>
-              <p:spPr>
-                <a:xfrm>
-                  <a:off x="3260218" y="16904437"/>
-                  <a:ext cx="2499314" cy="2304906"/>
-                </a:xfrm>
-                <a:prstGeom prst="ellipse">
-                  <a:avLst/>
-                </a:prstGeom>
-                <a:solidFill>
-                  <a:schemeClr val="accent1">
-                    <a:lumMod val="75000"/>
-                  </a:schemeClr>
-                </a:solidFill>
-                <a:ln w="38100">
-                  <a:solidFill>
-                    <a:schemeClr val="tx1">
-                      <a:lumMod val="50000"/>
-                    </a:schemeClr>
-                  </a:solidFill>
-                </a:ln>
-                <a:effectLst>
-                  <a:outerShdw blurRad="190500" dist="228600" dir="2700000" algn="ctr">
-                    <a:srgbClr val="000000">
-                      <a:alpha val="30000"/>
-                    </a:srgbClr>
-                  </a:outerShdw>
-                </a:effectLst>
-              </p:spPr>
-              <p:txBody>
-                <a:bodyPr lIns="288000" tIns="180000" rIns="252000" bIns="144000" spcCol="360000" rtlCol="0" anchor="ctr"/>
-                <a:lstStyle/>
-                <a:p>
-                  <a:pPr algn="ctr">
-                    <a:spcBef>
-                      <a:spcPts val="0"/>
-                    </a:spcBef>
-                  </a:pPr>
-                  <a14:m>
-                    <m:oMathPara xmlns:m="http://schemas.openxmlformats.org/officeDocument/2006/math">
-                      <m:oMathParaPr>
-                        <m:jc m:val="centerGroup"/>
-                      </m:oMathParaPr>
-                      <m:oMath xmlns:m="http://schemas.openxmlformats.org/officeDocument/2006/math">
-                        <m:sSub>
-                          <m:sSubPr>
-                            <m:ctrlPr>
-                              <a:rPr lang="en-GB" sz="4800" b="1" i="1" smtClean="0">
-                                <a:solidFill>
-                                  <a:schemeClr val="tx1">
-                                    <a:lumMod val="50000"/>
-                                  </a:schemeClr>
-                                </a:solidFill>
-                                <a:latin typeface="Cambria Math" panose="02040503050406030204" pitchFamily="18" charset="0"/>
-                                <a:ea typeface="Cambria Math" panose="02040503050406030204" pitchFamily="18" charset="0"/>
-                                <a:cs typeface="+mn-cs"/>
-                              </a:rPr>
-                            </m:ctrlPr>
-                          </m:sSubPr>
-                          <m:e>
+        <p:grpSp>
+          <p:nvGrpSpPr>
+            <p:cNvPr id="29" name="Group 28"/>
+            <p:cNvGrpSpPr/>
+            <p:nvPr/>
+          </p:nvGrpSpPr>
+          <p:grpSpPr>
+            <a:xfrm>
+              <a:off x="661635" y="9956766"/>
+              <a:ext cx="31236126" cy="17032795"/>
+              <a:chOff x="-4735131" y="8769771"/>
+              <a:chExt cx="35060565" cy="19027175"/>
+            </a:xfrm>
+            <a:solidFill>
+              <a:schemeClr val="accent5">
+                <a:lumMod val="90000"/>
+              </a:schemeClr>
+            </a:solidFill>
+          </p:grpSpPr>
+          <p:pic>
+            <p:nvPicPr>
+              <p:cNvPr id="26" name="Picture 25"/>
+              <p:cNvPicPr>
+                <a:picLocks noChangeAspect="1"/>
+              </p:cNvPicPr>
+              <p:nvPr/>
+            </p:nvPicPr>
+            <p:blipFill rotWithShape="1">
+              <a:blip r:embed="rId2">
+                <a:extLst>
+                  <a:ext uri="{28A0092B-C50C-407E-A947-70E740481C1C}">
+                    <a14:useLocalDpi xmlns:a14="http://schemas.microsoft.com/office/drawing/2010/main" val="0"/>
+                  </a:ext>
+                </a:extLst>
+              </a:blip>
+              <a:srcRect l="1182"/>
+              <a:stretch/>
+            </p:blipFill>
+            <p:spPr>
+              <a:xfrm>
+                <a:off x="19908202" y="9052279"/>
+                <a:ext cx="10417232" cy="10351412"/>
+              </a:xfrm>
+              <a:prstGeom prst="rect">
+                <a:avLst/>
+              </a:prstGeom>
+              <a:grpFill/>
+            </p:spPr>
+          </p:pic>
+          <p:pic>
+            <p:nvPicPr>
+              <p:cNvPr id="27" name="Picture 26"/>
+              <p:cNvPicPr>
+                <a:picLocks noChangeAspect="1"/>
+              </p:cNvPicPr>
+              <p:nvPr/>
+            </p:nvPicPr>
+            <p:blipFill>
+              <a:blip r:embed="rId3">
+                <a:extLst>
+                  <a:ext uri="{28A0092B-C50C-407E-A947-70E740481C1C}">
+                    <a14:useLocalDpi xmlns:a14="http://schemas.microsoft.com/office/drawing/2010/main" val="0"/>
+                  </a:ext>
+                </a:extLst>
+              </a:blip>
+              <a:stretch>
+                <a:fillRect/>
+              </a:stretch>
+            </p:blipFill>
+            <p:spPr>
+              <a:xfrm>
+                <a:off x="20097143" y="19712005"/>
+                <a:ext cx="9510353" cy="8051092"/>
+              </a:xfrm>
+              <a:prstGeom prst="rect">
+                <a:avLst/>
+              </a:prstGeom>
+              <a:grpFill/>
+            </p:spPr>
+          </p:pic>
+          <p:pic>
+            <p:nvPicPr>
+              <p:cNvPr id="24" name="Picture 23"/>
+              <p:cNvPicPr>
+                <a:picLocks noChangeAspect="1"/>
+              </p:cNvPicPr>
+              <p:nvPr/>
+            </p:nvPicPr>
+            <p:blipFill rotWithShape="1">
+              <a:blip r:embed="rId4">
+                <a:extLst>
+                  <a:ext uri="{28A0092B-C50C-407E-A947-70E740481C1C}">
+                    <a14:useLocalDpi xmlns:a14="http://schemas.microsoft.com/office/drawing/2010/main" val="0"/>
+                  </a:ext>
+                </a:extLst>
+              </a:blip>
+              <a:srcRect l="15456" t="6857" r="3846" b="7159"/>
+              <a:stretch/>
+            </p:blipFill>
+            <p:spPr>
+              <a:xfrm>
+                <a:off x="-4441163" y="8769771"/>
+                <a:ext cx="16975932" cy="9043946"/>
+              </a:xfrm>
+              <a:prstGeom prst="rect">
+                <a:avLst/>
+              </a:prstGeom>
+              <a:grpFill/>
+            </p:spPr>
+          </p:pic>
+          <p:pic>
+            <p:nvPicPr>
+              <p:cNvPr id="21" name="Picture 20"/>
+              <p:cNvPicPr>
+                <a:picLocks noChangeAspect="1"/>
+              </p:cNvPicPr>
+              <p:nvPr/>
+            </p:nvPicPr>
+            <p:blipFill rotWithShape="1">
+              <a:blip r:embed="rId5">
+                <a:extLst>
+                  <a:ext uri="{28A0092B-C50C-407E-A947-70E740481C1C}">
+                    <a14:useLocalDpi xmlns:a14="http://schemas.microsoft.com/office/drawing/2010/main" val="0"/>
+                  </a:ext>
+                </a:extLst>
+              </a:blip>
+              <a:srcRect l="2120" t="1692" r="996" b="4298"/>
+              <a:stretch/>
+            </p:blipFill>
+            <p:spPr>
+              <a:xfrm>
+                <a:off x="-4735131" y="20643329"/>
+                <a:ext cx="14348184" cy="7153617"/>
+              </a:xfrm>
+              <a:prstGeom prst="rect">
+                <a:avLst/>
+              </a:prstGeom>
+              <a:grpFill/>
+            </p:spPr>
+          </p:pic>
+          <p:grpSp>
+            <p:nvGrpSpPr>
+              <p:cNvPr id="119" name="Group 118"/>
+              <p:cNvGrpSpPr/>
+              <p:nvPr/>
+            </p:nvGrpSpPr>
+            <p:grpSpPr>
+              <a:xfrm>
+                <a:off x="4266358" y="12547699"/>
+                <a:ext cx="21746416" cy="11593288"/>
+                <a:chOff x="1525074" y="12594308"/>
+                <a:chExt cx="26096389" cy="16528116"/>
+              </a:xfrm>
+              <a:grpFill/>
+            </p:grpSpPr>
+            <mc:AlternateContent xmlns:mc="http://schemas.openxmlformats.org/markup-compatibility/2006" xmlns:a14="http://schemas.microsoft.com/office/drawing/2010/main">
+              <mc:Choice Requires="a14">
+                <p:sp>
+                  <p:nvSpPr>
+                    <p:cNvPr id="3" name="Oval 2"/>
+                    <p:cNvSpPr/>
+                    <p:nvPr/>
+                  </p:nvSpPr>
+                  <p:spPr>
+                    <a:xfrm>
+                      <a:off x="8378504" y="16973720"/>
+                      <a:ext cx="4032448" cy="3816424"/>
+                    </a:xfrm>
+                    <a:prstGeom prst="ellipse">
+                      <a:avLst/>
+                    </a:prstGeom>
+                    <a:grpFill/>
+                    <a:ln w="38100">
+                      <a:solidFill>
+                        <a:schemeClr val="tx1">
+                          <a:lumMod val="50000"/>
+                        </a:schemeClr>
+                      </a:solidFill>
+                    </a:ln>
+                    <a:effectLst>
+                      <a:outerShdw blurRad="190500" dist="228600" dir="2700000" algn="ctr">
+                        <a:srgbClr val="000000">
+                          <a:alpha val="30000"/>
+                        </a:srgbClr>
+                      </a:outerShdw>
+                    </a:effectLst>
+                  </p:spPr>
+                  <p:txBody>
+                    <a:bodyPr lIns="288000" tIns="180000" rIns="252000" bIns="144000" spcCol="360000" rtlCol="0" anchor="ctr"/>
+                    <a:lstStyle/>
+                    <a:p>
+                      <a:pPr algn="ctr">
+                        <a:spcBef>
+                          <a:spcPts val="0"/>
+                        </a:spcBef>
+                      </a:pPr>
+                      <a14:m>
+                        <m:oMathPara xmlns:m="http://schemas.openxmlformats.org/officeDocument/2006/math">
+                          <m:oMathParaPr>
+                            <m:jc m:val="centerGroup"/>
+                          </m:oMathParaPr>
+                          <m:oMath xmlns:m="http://schemas.openxmlformats.org/officeDocument/2006/math">
+                            <m:sSub>
+                              <m:sSubPr>
+                                <m:ctrlPr>
+                                  <a:rPr lang="en-GB" sz="4800" b="1" i="1" dirty="0" smtClean="0">
+                                    <a:solidFill>
+                                      <a:schemeClr val="tx1">
+                                        <a:lumMod val="50000"/>
+                                      </a:schemeClr>
+                                    </a:solidFill>
+                                    <a:latin typeface="Cambria Math" panose="02040503050406030204" pitchFamily="18" charset="0"/>
+                                    <a:ea typeface="Cambria Math" panose="02040503050406030204" pitchFamily="18" charset="0"/>
+                                    <a:cs typeface="+mn-cs"/>
+                                  </a:rPr>
+                                </m:ctrlPr>
+                              </m:sSubPr>
+                              <m:e>
+                                <m:r>
+                                  <a:rPr lang="en-GB" sz="4800" b="1" i="1" dirty="0" smtClean="0">
+                                    <a:solidFill>
+                                      <a:schemeClr val="tx1">
+                                        <a:lumMod val="50000"/>
+                                      </a:schemeClr>
+                                    </a:solidFill>
+                                    <a:latin typeface="Cambria Math" panose="02040503050406030204" pitchFamily="18" charset="0"/>
+                                    <a:ea typeface="Cambria Math" panose="02040503050406030204" pitchFamily="18" charset="0"/>
+                                    <a:cs typeface="+mn-cs"/>
+                                  </a:rPr>
+                                  <m:t>𝒚</m:t>
+                                </m:r>
+                              </m:e>
+                              <m:sub>
+                                <m:r>
+                                  <a:rPr lang="en-GB" sz="4800" b="1" i="1" dirty="0" smtClean="0">
+                                    <a:solidFill>
+                                      <a:schemeClr val="tx1">
+                                        <a:lumMod val="50000"/>
+                                      </a:schemeClr>
+                                    </a:solidFill>
+                                    <a:latin typeface="Cambria Math" panose="02040503050406030204" pitchFamily="18" charset="0"/>
+                                    <a:ea typeface="Cambria Math" panose="02040503050406030204" pitchFamily="18" charset="0"/>
+                                    <a:cs typeface="+mn-cs"/>
+                                  </a:rPr>
+                                  <m:t>𝑮𝑷𝑺</m:t>
+                                </m:r>
+                              </m:sub>
+                            </m:sSub>
+                          </m:oMath>
+                        </m:oMathPara>
+                      </a14:m>
+                      <a:endParaRPr lang="en-GB" sz="4800" b="1" dirty="0">
+                        <a:solidFill>
+                          <a:schemeClr val="tx1">
+                            <a:lumMod val="50000"/>
+                          </a:schemeClr>
+                        </a:solidFill>
+                        <a:latin typeface="Cambria Math" panose="02040503050406030204" pitchFamily="18" charset="0"/>
+                        <a:ea typeface="Cambria Math" panose="02040503050406030204" pitchFamily="18" charset="0"/>
+                        <a:cs typeface="+mn-cs"/>
+                      </a:endParaRPr>
+                    </a:p>
+                  </p:txBody>
+                </p:sp>
+              </mc:Choice>
+              <mc:Fallback xmlns="">
+                <p:sp>
+                  <p:nvSpPr>
+                    <p:cNvPr id="3" name="Oval 2"/>
+                    <p:cNvSpPr>
+                      <a:spLocks noRot="1" noChangeAspect="1" noMove="1" noResize="1" noEditPoints="1" noAdjustHandles="1" noChangeArrowheads="1" noChangeShapeType="1" noTextEdit="1"/>
+                    </p:cNvSpPr>
+                    <p:nvPr/>
+                  </p:nvSpPr>
+                  <p:spPr>
+                    <a:xfrm>
+                      <a:off x="8378504" y="16973720"/>
+                      <a:ext cx="4032448" cy="3816424"/>
+                    </a:xfrm>
+                    <a:prstGeom prst="ellipse">
+                      <a:avLst/>
+                    </a:prstGeom>
+                    <a:blipFill rotWithShape="0">
+                      <a:blip r:embed="rId6"/>
+                      <a:stretch>
+                        <a:fillRect/>
+                      </a:stretch>
+                    </a:blipFill>
+                    <a:ln w="38100">
+                      <a:solidFill>
+                        <a:schemeClr val="tx1">
+                          <a:lumMod val="50000"/>
+                        </a:schemeClr>
+                      </a:solidFill>
+                    </a:ln>
+                    <a:effectLst>
+                      <a:outerShdw blurRad="190500" dist="228600" dir="2700000" algn="ctr">
+                        <a:srgbClr val="000000">
+                          <a:alpha val="30000"/>
+                        </a:srgbClr>
+                      </a:outerShdw>
+                    </a:effectLst>
+                  </p:spPr>
+                  <p:txBody>
+                    <a:bodyPr/>
+                    <a:lstStyle/>
+                    <a:p>
+                      <a:r>
+                        <a:rPr lang="en-GB">
+                          <a:noFill/>
+                        </a:rPr>
+                        <a:t> </a:t>
+                      </a:r>
+                    </a:p>
+                  </p:txBody>
+                </p:sp>
+              </mc:Fallback>
+            </mc:AlternateContent>
+            <mc:AlternateContent xmlns:mc="http://schemas.openxmlformats.org/markup-compatibility/2006" xmlns:a14="http://schemas.microsoft.com/office/drawing/2010/main">
+              <mc:Choice Requires="a14">
+                <p:sp>
+                  <p:nvSpPr>
+                    <p:cNvPr id="4" name="Oval 3"/>
+                    <p:cNvSpPr/>
+                    <p:nvPr/>
+                  </p:nvSpPr>
+                  <p:spPr>
+                    <a:xfrm>
+                      <a:off x="14332543" y="16973720"/>
+                      <a:ext cx="4032448" cy="3816424"/>
+                    </a:xfrm>
+                    <a:prstGeom prst="ellipse">
+                      <a:avLst/>
+                    </a:prstGeom>
+                    <a:grpFill/>
+                    <a:ln w="38100">
+                      <a:solidFill>
+                        <a:schemeClr val="tx1">
+                          <a:lumMod val="50000"/>
+                        </a:schemeClr>
+                      </a:solidFill>
+                    </a:ln>
+                    <a:effectLst>
+                      <a:outerShdw blurRad="190500" dist="228600" dir="2700000" algn="ctr">
+                        <a:srgbClr val="000000">
+                          <a:alpha val="30000"/>
+                        </a:srgbClr>
+                      </a:outerShdw>
+                    </a:effectLst>
+                  </p:spPr>
+                  <p:txBody>
+                    <a:bodyPr lIns="288000" tIns="180000" rIns="252000" bIns="144000" spcCol="360000" rtlCol="0" anchor="ctr"/>
+                    <a:lstStyle/>
+                    <a:p>
+                      <a:pPr algn="ctr">
+                        <a:spcBef>
+                          <a:spcPts val="0"/>
+                        </a:spcBef>
+                      </a:pPr>
+                      <a14:m>
+                        <m:oMathPara xmlns:m="http://schemas.openxmlformats.org/officeDocument/2006/math">
+                          <m:oMathParaPr>
+                            <m:jc m:val="centerGroup"/>
+                          </m:oMathParaPr>
+                          <m:oMath xmlns:m="http://schemas.openxmlformats.org/officeDocument/2006/math">
+                            <m:sSub>
+                              <m:sSubPr>
+                                <m:ctrlPr>
+                                  <a:rPr lang="en-GB" sz="4800" b="1" i="1" dirty="0" smtClean="0">
+                                    <a:solidFill>
+                                      <a:schemeClr val="tx1">
+                                        <a:lumMod val="50000"/>
+                                      </a:schemeClr>
+                                    </a:solidFill>
+                                    <a:latin typeface="Cambria Math" panose="02040503050406030204" pitchFamily="18" charset="0"/>
+                                    <a:ea typeface="Cambria Math" panose="02040503050406030204" pitchFamily="18" charset="0"/>
+                                  </a:rPr>
+                                </m:ctrlPr>
+                              </m:sSubPr>
+                              <m:e>
+                                <m:r>
+                                  <a:rPr lang="en-GB" sz="4800" b="1" i="1" dirty="0" smtClean="0">
+                                    <a:solidFill>
+                                      <a:schemeClr val="tx1">
+                                        <a:lumMod val="50000"/>
+                                      </a:schemeClr>
+                                    </a:solidFill>
+                                    <a:latin typeface="Cambria Math" panose="02040503050406030204" pitchFamily="18" charset="0"/>
+                                    <a:ea typeface="Cambria Math" panose="02040503050406030204" pitchFamily="18" charset="0"/>
+                                  </a:rPr>
+                                  <m:t>𝒙</m:t>
+                                </m:r>
+                              </m:e>
+                              <m:sub>
+                                <m:r>
+                                  <a:rPr lang="en-GB" sz="4800" b="1" i="1" dirty="0" smtClean="0">
+                                    <a:solidFill>
+                                      <a:schemeClr val="tx1">
+                                        <a:lumMod val="50000"/>
+                                      </a:schemeClr>
+                                    </a:solidFill>
+                                    <a:latin typeface="Cambria Math" panose="02040503050406030204" pitchFamily="18" charset="0"/>
+                                    <a:ea typeface="Cambria Math" panose="02040503050406030204" pitchFamily="18" charset="0"/>
+                                  </a:rPr>
+                                  <m:t>𝑮𝑰𝑨</m:t>
+                                </m:r>
+                                <m:r>
+                                  <a:rPr lang="en-GB" sz="4800" b="1" i="1" dirty="0" smtClean="0">
+                                    <a:solidFill>
+                                      <a:schemeClr val="tx1">
+                                        <a:lumMod val="50000"/>
+                                      </a:schemeClr>
+                                    </a:solidFill>
+                                    <a:latin typeface="Cambria Math" panose="02040503050406030204" pitchFamily="18" charset="0"/>
+                                    <a:ea typeface="Cambria Math" panose="02040503050406030204" pitchFamily="18" charset="0"/>
+                                  </a:rPr>
+                                  <m:t>−</m:t>
+                                </m:r>
+                                <m:r>
+                                  <a:rPr lang="en-GB" sz="4800" b="1" i="1" dirty="0">
+                                    <a:solidFill>
+                                      <a:schemeClr val="tx1">
+                                        <a:lumMod val="50000"/>
+                                      </a:schemeClr>
+                                    </a:solidFill>
+                                    <a:latin typeface="Cambria Math" panose="02040503050406030204" pitchFamily="18" charset="0"/>
+                                    <a:ea typeface="Cambria Math" panose="02040503050406030204" pitchFamily="18" charset="0"/>
+                                  </a:rPr>
+                                  <m:t>𝑮</m:t>
+                                </m:r>
+                                <m:r>
+                                  <a:rPr lang="en-GB" sz="4800" b="1" i="1" dirty="0" smtClean="0">
+                                    <a:solidFill>
+                                      <a:schemeClr val="tx1">
+                                        <a:lumMod val="50000"/>
+                                      </a:schemeClr>
+                                    </a:solidFill>
+                                    <a:latin typeface="Cambria Math" panose="02040503050406030204" pitchFamily="18" charset="0"/>
+                                    <a:ea typeface="Cambria Math" panose="02040503050406030204" pitchFamily="18" charset="0"/>
+                                  </a:rPr>
+                                  <m:t>𝑷𝑺</m:t>
+                                </m:r>
+                              </m:sub>
+                            </m:sSub>
+                          </m:oMath>
+                        </m:oMathPara>
+                      </a14:m>
+                      <a:endParaRPr lang="en-GB" sz="4800" b="1" dirty="0">
+                        <a:solidFill>
+                          <a:schemeClr val="tx1">
+                            <a:lumMod val="50000"/>
+                          </a:schemeClr>
+                        </a:solidFill>
+                        <a:latin typeface="Cambria Math" panose="02040503050406030204" pitchFamily="18" charset="0"/>
+                        <a:ea typeface="Cambria Math" panose="02040503050406030204" pitchFamily="18" charset="0"/>
+                        <a:cs typeface="+mn-cs"/>
+                      </a:endParaRPr>
+                    </a:p>
+                  </p:txBody>
+                </p:sp>
+              </mc:Choice>
+              <mc:Fallback xmlns="">
+                <p:sp>
+                  <p:nvSpPr>
+                    <p:cNvPr id="4" name="Oval 3"/>
+                    <p:cNvSpPr>
+                      <a:spLocks noRot="1" noChangeAspect="1" noMove="1" noResize="1" noEditPoints="1" noAdjustHandles="1" noChangeArrowheads="1" noChangeShapeType="1" noTextEdit="1"/>
+                    </p:cNvSpPr>
+                    <p:nvPr/>
+                  </p:nvSpPr>
+                  <p:spPr>
+                    <a:xfrm>
+                      <a:off x="14332543" y="16973720"/>
+                      <a:ext cx="4032448" cy="3816424"/>
+                    </a:xfrm>
+                    <a:prstGeom prst="ellipse">
+                      <a:avLst/>
+                    </a:prstGeom>
+                    <a:blipFill rotWithShape="0">
+                      <a:blip r:embed="rId7"/>
+                      <a:stretch>
+                        <a:fillRect/>
+                      </a:stretch>
+                    </a:blipFill>
+                    <a:ln w="38100">
+                      <a:solidFill>
+                        <a:schemeClr val="tx1">
+                          <a:lumMod val="50000"/>
+                        </a:schemeClr>
+                      </a:solidFill>
+                    </a:ln>
+                    <a:effectLst>
+                      <a:outerShdw blurRad="190500" dist="228600" dir="2700000" algn="ctr">
+                        <a:srgbClr val="000000">
+                          <a:alpha val="30000"/>
+                        </a:srgbClr>
+                      </a:outerShdw>
+                    </a:effectLst>
+                  </p:spPr>
+                  <p:txBody>
+                    <a:bodyPr/>
+                    <a:lstStyle/>
+                    <a:p>
+                      <a:r>
+                        <a:rPr lang="en-GB">
+                          <a:noFill/>
+                        </a:rPr>
+                        <a:t> </a:t>
+                      </a:r>
+                    </a:p>
+                  </p:txBody>
+                </p:sp>
+              </mc:Fallback>
+            </mc:AlternateContent>
+            <mc:AlternateContent xmlns:mc="http://schemas.openxmlformats.org/markup-compatibility/2006" xmlns:a14="http://schemas.microsoft.com/office/drawing/2010/main">
+              <mc:Choice Requires="a14">
+                <p:sp>
+                  <p:nvSpPr>
+                    <p:cNvPr id="5" name="Oval 4"/>
+                    <p:cNvSpPr/>
+                    <p:nvPr/>
+                  </p:nvSpPr>
+                  <p:spPr>
+                    <a:xfrm>
+                      <a:off x="8367796" y="22227733"/>
+                      <a:ext cx="4032448" cy="3816424"/>
+                    </a:xfrm>
+                    <a:prstGeom prst="ellipse">
+                      <a:avLst/>
+                    </a:prstGeom>
+                    <a:grpFill/>
+                    <a:ln w="38100">
+                      <a:solidFill>
+                        <a:schemeClr val="tx1">
+                          <a:lumMod val="50000"/>
+                        </a:schemeClr>
+                      </a:solidFill>
+                    </a:ln>
+                    <a:effectLst>
+                      <a:outerShdw blurRad="190500" dist="228600" dir="2700000" algn="ctr">
+                        <a:srgbClr val="000000">
+                          <a:alpha val="30000"/>
+                        </a:srgbClr>
+                      </a:outerShdw>
+                    </a:effectLst>
+                  </p:spPr>
+                  <p:txBody>
+                    <a:bodyPr lIns="288000" tIns="180000" rIns="252000" bIns="144000" spcCol="360000" rtlCol="0" anchor="ctr"/>
+                    <a:lstStyle/>
+                    <a:p>
+                      <a:pPr algn="ctr">
+                        <a:spcBef>
+                          <a:spcPts val="0"/>
+                        </a:spcBef>
+                      </a:pPr>
+                      <a14:m>
+                        <m:oMathPara xmlns:m="http://schemas.openxmlformats.org/officeDocument/2006/math">
+                          <m:oMathParaPr>
+                            <m:jc m:val="centerGroup"/>
+                          </m:oMathParaPr>
+                          <m:oMath xmlns:m="http://schemas.openxmlformats.org/officeDocument/2006/math">
+                            <m:sSub>
+                              <m:sSubPr>
+                                <m:ctrlPr>
+                                  <a:rPr lang="en-GB" sz="4800" b="1" i="1" dirty="0" smtClean="0">
+                                    <a:solidFill>
+                                      <a:schemeClr val="tx1">
+                                        <a:lumMod val="50000"/>
+                                      </a:schemeClr>
+                                    </a:solidFill>
+                                    <a:latin typeface="Cambria Math" panose="02040503050406030204" pitchFamily="18" charset="0"/>
+                                    <a:ea typeface="Cambria Math" panose="02040503050406030204" pitchFamily="18" charset="0"/>
+                                  </a:rPr>
+                                </m:ctrlPr>
+                              </m:sSubPr>
+                              <m:e>
+                                <m:r>
+                                  <a:rPr lang="en-GB" sz="4800" b="1" i="1" dirty="0">
+                                    <a:solidFill>
+                                      <a:schemeClr val="tx1">
+                                        <a:lumMod val="50000"/>
+                                      </a:schemeClr>
+                                    </a:solidFill>
+                                    <a:latin typeface="Cambria Math" panose="02040503050406030204" pitchFamily="18" charset="0"/>
+                                    <a:ea typeface="Cambria Math" panose="02040503050406030204" pitchFamily="18" charset="0"/>
+                                  </a:rPr>
+                                  <m:t>𝒚</m:t>
+                                </m:r>
+                              </m:e>
+                              <m:sub>
+                                <m:r>
+                                  <a:rPr lang="en-GB" sz="4800" b="1" i="1" dirty="0" smtClean="0">
+                                    <a:solidFill>
+                                      <a:schemeClr val="tx1">
+                                        <a:lumMod val="50000"/>
+                                      </a:schemeClr>
+                                    </a:solidFill>
+                                    <a:latin typeface="Cambria Math" panose="02040503050406030204" pitchFamily="18" charset="0"/>
+                                    <a:ea typeface="Cambria Math" panose="02040503050406030204" pitchFamily="18" charset="0"/>
+                                  </a:rPr>
+                                  <m:t>𝑮𝑹𝑨𝑪𝑬</m:t>
+                                </m:r>
+                              </m:sub>
+                            </m:sSub>
+                          </m:oMath>
+                        </m:oMathPara>
+                      </a14:m>
+                      <a:endParaRPr lang="en-GB" sz="4800" b="1" dirty="0">
+                        <a:solidFill>
+                          <a:schemeClr val="tx1">
+                            <a:lumMod val="50000"/>
+                          </a:schemeClr>
+                        </a:solidFill>
+                        <a:latin typeface="Cambria Math" panose="02040503050406030204" pitchFamily="18" charset="0"/>
+                        <a:ea typeface="Cambria Math" panose="02040503050406030204" pitchFamily="18" charset="0"/>
+                        <a:cs typeface="+mn-cs"/>
+                      </a:endParaRPr>
+                    </a:p>
+                  </p:txBody>
+                </p:sp>
+              </mc:Choice>
+              <mc:Fallback xmlns="">
+                <p:sp>
+                  <p:nvSpPr>
+                    <p:cNvPr id="5" name="Oval 4"/>
+                    <p:cNvSpPr>
+                      <a:spLocks noRot="1" noChangeAspect="1" noMove="1" noResize="1" noEditPoints="1" noAdjustHandles="1" noChangeArrowheads="1" noChangeShapeType="1" noTextEdit="1"/>
+                    </p:cNvSpPr>
+                    <p:nvPr/>
+                  </p:nvSpPr>
+                  <p:spPr>
+                    <a:xfrm>
+                      <a:off x="8367796" y="22227733"/>
+                      <a:ext cx="4032448" cy="3816424"/>
+                    </a:xfrm>
+                    <a:prstGeom prst="ellipse">
+                      <a:avLst/>
+                    </a:prstGeom>
+                    <a:blipFill rotWithShape="0">
+                      <a:blip r:embed="rId8"/>
+                      <a:stretch>
+                        <a:fillRect/>
+                      </a:stretch>
+                    </a:blipFill>
+                    <a:ln w="38100">
+                      <a:solidFill>
+                        <a:schemeClr val="tx1">
+                          <a:lumMod val="50000"/>
+                        </a:schemeClr>
+                      </a:solidFill>
+                    </a:ln>
+                    <a:effectLst>
+                      <a:outerShdw blurRad="190500" dist="228600" dir="2700000" algn="ctr">
+                        <a:srgbClr val="000000">
+                          <a:alpha val="30000"/>
+                        </a:srgbClr>
+                      </a:outerShdw>
+                    </a:effectLst>
+                  </p:spPr>
+                  <p:txBody>
+                    <a:bodyPr/>
+                    <a:lstStyle/>
+                    <a:p>
+                      <a:r>
+                        <a:rPr lang="en-GB">
+                          <a:noFill/>
+                        </a:rPr>
+                        <a:t> </a:t>
+                      </a:r>
+                    </a:p>
+                  </p:txBody>
+                </p:sp>
+              </mc:Fallback>
+            </mc:AlternateContent>
+            <mc:AlternateContent xmlns:mc="http://schemas.openxmlformats.org/markup-compatibility/2006" xmlns:a14="http://schemas.microsoft.com/office/drawing/2010/main">
+              <mc:Choice Requires="a14">
+                <p:sp>
+                  <p:nvSpPr>
+                    <p:cNvPr id="6" name="Oval 5"/>
+                    <p:cNvSpPr/>
+                    <p:nvPr/>
+                  </p:nvSpPr>
+                  <p:spPr>
+                    <a:xfrm>
+                      <a:off x="19669481" y="19550668"/>
+                      <a:ext cx="4032448" cy="3816424"/>
+                    </a:xfrm>
+                    <a:prstGeom prst="ellipse">
+                      <a:avLst/>
+                    </a:prstGeom>
+                    <a:grpFill/>
+                    <a:ln w="38100">
+                      <a:solidFill>
+                        <a:schemeClr val="tx1">
+                          <a:lumMod val="50000"/>
+                        </a:schemeClr>
+                      </a:solidFill>
+                    </a:ln>
+                    <a:effectLst>
+                      <a:outerShdw blurRad="190500" dist="228600" dir="2700000" algn="ctr">
+                        <a:srgbClr val="000000">
+                          <a:alpha val="30000"/>
+                        </a:srgbClr>
+                      </a:outerShdw>
+                    </a:effectLst>
+                  </p:spPr>
+                  <p:txBody>
+                    <a:bodyPr lIns="288000" tIns="180000" rIns="252000" bIns="144000" spcCol="360000" rtlCol="0" anchor="ctr"/>
+                    <a:lstStyle/>
+                    <a:p>
+                      <a:pPr algn="ctr">
+                        <a:spcBef>
+                          <a:spcPts val="0"/>
+                        </a:spcBef>
+                      </a:pPr>
+                      <a14:m>
+                        <m:oMathPara xmlns:m="http://schemas.openxmlformats.org/officeDocument/2006/math">
+                          <m:oMathParaPr>
+                            <m:jc m:val="centerGroup"/>
+                          </m:oMathParaPr>
+                          <m:oMath xmlns:m="http://schemas.openxmlformats.org/officeDocument/2006/math">
+                            <m:sSub>
+                              <m:sSubPr>
+                                <m:ctrlPr>
+                                  <a:rPr lang="en-GB" sz="4800" b="1" i="1" dirty="0" smtClean="0">
+                                    <a:solidFill>
+                                      <a:schemeClr val="tx1">
+                                        <a:lumMod val="50000"/>
+                                      </a:schemeClr>
+                                    </a:solidFill>
+                                    <a:latin typeface="Cambria Math" panose="02040503050406030204" pitchFamily="18" charset="0"/>
+                                    <a:ea typeface="Cambria Math" panose="02040503050406030204" pitchFamily="18" charset="0"/>
+                                  </a:rPr>
+                                </m:ctrlPr>
+                              </m:sSubPr>
+                              <m:e>
+                                <m:r>
+                                  <a:rPr lang="en-GB" sz="4800" b="1" i="1" dirty="0" smtClean="0">
+                                    <a:solidFill>
+                                      <a:schemeClr val="tx1">
+                                        <a:lumMod val="50000"/>
+                                      </a:schemeClr>
+                                    </a:solidFill>
+                                    <a:latin typeface="Cambria Math" panose="02040503050406030204" pitchFamily="18" charset="0"/>
+                                    <a:ea typeface="Cambria Math" panose="02040503050406030204" pitchFamily="18" charset="0"/>
+                                  </a:rPr>
+                                  <m:t>𝑿</m:t>
+                                </m:r>
+                              </m:e>
+                              <m:sub>
+                                <m:r>
+                                  <a:rPr lang="en-GB" sz="4800" b="1" i="1" dirty="0">
+                                    <a:solidFill>
+                                      <a:schemeClr val="tx1">
+                                        <a:lumMod val="50000"/>
+                                      </a:schemeClr>
+                                    </a:solidFill>
+                                    <a:latin typeface="Cambria Math" panose="02040503050406030204" pitchFamily="18" charset="0"/>
+                                    <a:ea typeface="Cambria Math" panose="02040503050406030204" pitchFamily="18" charset="0"/>
+                                  </a:rPr>
+                                  <m:t>𝑮</m:t>
+                                </m:r>
+                                <m:r>
+                                  <a:rPr lang="en-GB" sz="4800" b="1" i="1" dirty="0" smtClean="0">
+                                    <a:solidFill>
+                                      <a:schemeClr val="tx1">
+                                        <a:lumMod val="50000"/>
+                                      </a:schemeClr>
+                                    </a:solidFill>
+                                    <a:latin typeface="Cambria Math" panose="02040503050406030204" pitchFamily="18" charset="0"/>
+                                    <a:ea typeface="Cambria Math" panose="02040503050406030204" pitchFamily="18" charset="0"/>
+                                  </a:rPr>
+                                  <m:t>𝑰𝑨</m:t>
+                                </m:r>
+                              </m:sub>
+                            </m:sSub>
+                          </m:oMath>
+                        </m:oMathPara>
+                      </a14:m>
+                      <a:endParaRPr lang="en-GB" sz="4800" b="1" dirty="0">
+                        <a:solidFill>
+                          <a:schemeClr val="tx1">
+                            <a:lumMod val="50000"/>
+                          </a:schemeClr>
+                        </a:solidFill>
+                        <a:latin typeface="Cambria Math" panose="02040503050406030204" pitchFamily="18" charset="0"/>
+                        <a:ea typeface="Cambria Math" panose="02040503050406030204" pitchFamily="18" charset="0"/>
+                        <a:cs typeface="+mn-cs"/>
+                      </a:endParaRPr>
+                    </a:p>
+                  </p:txBody>
+                </p:sp>
+              </mc:Choice>
+              <mc:Fallback xmlns="">
+                <p:sp>
+                  <p:nvSpPr>
+                    <p:cNvPr id="6" name="Oval 5"/>
+                    <p:cNvSpPr>
+                      <a:spLocks noRot="1" noChangeAspect="1" noMove="1" noResize="1" noEditPoints="1" noAdjustHandles="1" noChangeArrowheads="1" noChangeShapeType="1" noTextEdit="1"/>
+                    </p:cNvSpPr>
+                    <p:nvPr/>
+                  </p:nvSpPr>
+                  <p:spPr>
+                    <a:xfrm>
+                      <a:off x="19669481" y="19550668"/>
+                      <a:ext cx="4032448" cy="3816424"/>
+                    </a:xfrm>
+                    <a:prstGeom prst="ellipse">
+                      <a:avLst/>
+                    </a:prstGeom>
+                    <a:blipFill rotWithShape="0">
+                      <a:blip r:embed="rId9"/>
+                      <a:stretch>
+                        <a:fillRect/>
+                      </a:stretch>
+                    </a:blipFill>
+                    <a:ln w="38100">
+                      <a:solidFill>
+                        <a:schemeClr val="tx1">
+                          <a:lumMod val="50000"/>
+                        </a:schemeClr>
+                      </a:solidFill>
+                    </a:ln>
+                    <a:effectLst>
+                      <a:outerShdw blurRad="190500" dist="228600" dir="2700000" algn="ctr">
+                        <a:srgbClr val="000000">
+                          <a:alpha val="30000"/>
+                        </a:srgbClr>
+                      </a:outerShdw>
+                    </a:effectLst>
+                  </p:spPr>
+                  <p:txBody>
+                    <a:bodyPr/>
+                    <a:lstStyle/>
+                    <a:p>
+                      <a:r>
+                        <a:rPr lang="en-GB">
+                          <a:noFill/>
+                        </a:rPr>
+                        <a:t> </a:t>
+                      </a:r>
+                    </a:p>
+                  </p:txBody>
+                </p:sp>
+              </mc:Fallback>
+            </mc:AlternateContent>
+            <mc:AlternateContent xmlns:mc="http://schemas.openxmlformats.org/markup-compatibility/2006" xmlns:a14="http://schemas.microsoft.com/office/drawing/2010/main">
+              <mc:Choice Requires="a14">
+                <p:sp>
+                  <p:nvSpPr>
+                    <p:cNvPr id="7" name="Oval 6"/>
+                    <p:cNvSpPr/>
+                    <p:nvPr/>
+                  </p:nvSpPr>
+                  <p:spPr>
+                    <a:xfrm>
+                      <a:off x="3327494" y="24016927"/>
+                      <a:ext cx="2499314" cy="2367819"/>
+                    </a:xfrm>
+                    <a:prstGeom prst="ellipse">
+                      <a:avLst/>
+                    </a:prstGeom>
+                    <a:grpFill/>
+                    <a:ln w="38100">
+                      <a:solidFill>
+                        <a:schemeClr val="tx1">
+                          <a:lumMod val="50000"/>
+                        </a:schemeClr>
+                      </a:solidFill>
+                    </a:ln>
+                    <a:effectLst>
+                      <a:outerShdw blurRad="190500" dist="228600" dir="2700000" algn="ctr">
+                        <a:srgbClr val="000000">
+                          <a:alpha val="30000"/>
+                        </a:srgbClr>
+                      </a:outerShdw>
+                    </a:effectLst>
+                  </p:spPr>
+                  <p:txBody>
+                    <a:bodyPr lIns="288000" tIns="180000" rIns="252000" bIns="144000" spcCol="360000" rtlCol="0" anchor="ctr"/>
+                    <a:lstStyle/>
+                    <a:p>
+                      <a:pPr algn="ctr">
+                        <a:spcBef>
+                          <a:spcPts val="0"/>
+                        </a:spcBef>
+                      </a:pPr>
+                      <a14:m>
+                        <m:oMathPara xmlns:m="http://schemas.openxmlformats.org/officeDocument/2006/math">
+                          <m:oMathParaPr>
+                            <m:jc m:val="centerGroup"/>
+                          </m:oMathParaPr>
+                          <m:oMath xmlns:m="http://schemas.openxmlformats.org/officeDocument/2006/math">
+                            <m:sSub>
+                              <m:sSubPr>
+                                <m:ctrlPr>
+                                  <a:rPr lang="en-GB" sz="4800" b="1" i="1" smtClean="0">
+                                    <a:solidFill>
+                                      <a:schemeClr val="tx1">
+                                        <a:lumMod val="50000"/>
+                                      </a:schemeClr>
+                                    </a:solidFill>
+                                    <a:latin typeface="Cambria Math" panose="02040503050406030204" pitchFamily="18" charset="0"/>
+                                    <a:ea typeface="Cambria Math" panose="02040503050406030204" pitchFamily="18" charset="0"/>
+                                  </a:rPr>
+                                </m:ctrlPr>
+                              </m:sSubPr>
+                              <m:e>
+                                <m:r>
+                                  <a:rPr lang="en-GB" sz="4800" b="1" i="1">
+                                    <a:solidFill>
+                                      <a:schemeClr val="tx1">
+                                        <a:lumMod val="50000"/>
+                                      </a:schemeClr>
+                                    </a:solidFill>
+                                    <a:latin typeface="Cambria Math" panose="02040503050406030204" pitchFamily="18" charset="0"/>
+                                    <a:ea typeface="Cambria Math" panose="02040503050406030204" pitchFamily="18" charset="0"/>
+                                  </a:rPr>
+                                  <m:t>𝜷</m:t>
+                                </m:r>
+                              </m:e>
+                              <m:sub>
+                                <m:r>
+                                  <a:rPr lang="en-GB" sz="4800" b="1" i="1" smtClean="0">
+                                    <a:solidFill>
+                                      <a:schemeClr val="tx1">
+                                        <a:lumMod val="50000"/>
+                                      </a:schemeClr>
+                                    </a:solidFill>
+                                    <a:latin typeface="Cambria Math" panose="02040503050406030204" pitchFamily="18" charset="0"/>
+                                    <a:ea typeface="Cambria Math" panose="02040503050406030204" pitchFamily="18" charset="0"/>
+                                  </a:rPr>
+                                  <m:t>𝟐</m:t>
+                                </m:r>
+                              </m:sub>
+                            </m:sSub>
+                          </m:oMath>
+                        </m:oMathPara>
+                      </a14:m>
+                      <a:endParaRPr lang="en-GB" sz="4800" b="1" dirty="0">
+                        <a:solidFill>
+                          <a:schemeClr val="tx1">
+                            <a:lumMod val="50000"/>
+                          </a:schemeClr>
+                        </a:solidFill>
+                        <a:latin typeface="Cambria Math" panose="02040503050406030204" pitchFamily="18" charset="0"/>
+                        <a:ea typeface="Cambria Math" panose="02040503050406030204" pitchFamily="18" charset="0"/>
+                        <a:cs typeface="+mn-cs"/>
+                      </a:endParaRPr>
+                    </a:p>
+                  </p:txBody>
+                </p:sp>
+              </mc:Choice>
+              <mc:Fallback xmlns="">
+                <p:sp>
+                  <p:nvSpPr>
+                    <p:cNvPr id="7" name="Oval 6"/>
+                    <p:cNvSpPr>
+                      <a:spLocks noRot="1" noChangeAspect="1" noMove="1" noResize="1" noEditPoints="1" noAdjustHandles="1" noChangeArrowheads="1" noChangeShapeType="1" noTextEdit="1"/>
+                    </p:cNvSpPr>
+                    <p:nvPr/>
+                  </p:nvSpPr>
+                  <p:spPr>
+                    <a:xfrm>
+                      <a:off x="3327494" y="24016927"/>
+                      <a:ext cx="2499314" cy="2367819"/>
+                    </a:xfrm>
+                    <a:prstGeom prst="ellipse">
+                      <a:avLst/>
+                    </a:prstGeom>
+                    <a:blipFill rotWithShape="0">
+                      <a:blip r:embed="rId10"/>
+                      <a:stretch>
+                        <a:fillRect/>
+                      </a:stretch>
+                    </a:blipFill>
+                    <a:ln w="38100">
+                      <a:solidFill>
+                        <a:schemeClr val="tx1">
+                          <a:lumMod val="50000"/>
+                        </a:schemeClr>
+                      </a:solidFill>
+                    </a:ln>
+                    <a:effectLst>
+                      <a:outerShdw blurRad="190500" dist="228600" dir="2700000" algn="ctr">
+                        <a:srgbClr val="000000">
+                          <a:alpha val="30000"/>
+                        </a:srgbClr>
+                      </a:outerShdw>
+                    </a:effectLst>
+                  </p:spPr>
+                  <p:txBody>
+                    <a:bodyPr/>
+                    <a:lstStyle/>
+                    <a:p>
+                      <a:r>
+                        <a:rPr lang="en-GB">
+                          <a:noFill/>
+                        </a:rPr>
+                        <a:t> </a:t>
+                      </a:r>
+                    </a:p>
+                  </p:txBody>
+                </p:sp>
+              </mc:Fallback>
+            </mc:AlternateContent>
+            <mc:AlternateContent xmlns:mc="http://schemas.openxmlformats.org/markup-compatibility/2006" xmlns:a14="http://schemas.microsoft.com/office/drawing/2010/main">
+              <mc:Choice Requires="a14">
+                <p:sp>
+                  <p:nvSpPr>
+                    <p:cNvPr id="8" name="Oval 7"/>
+                    <p:cNvSpPr/>
+                    <p:nvPr/>
+                  </p:nvSpPr>
+                  <p:spPr>
+                    <a:xfrm>
+                      <a:off x="3260218" y="16904437"/>
+                      <a:ext cx="2499314" cy="2304906"/>
+                    </a:xfrm>
+                    <a:prstGeom prst="ellipse">
+                      <a:avLst/>
+                    </a:prstGeom>
+                    <a:grpFill/>
+                    <a:ln w="38100">
+                      <a:solidFill>
+                        <a:schemeClr val="tx1">
+                          <a:lumMod val="50000"/>
+                        </a:schemeClr>
+                      </a:solidFill>
+                    </a:ln>
+                    <a:effectLst>
+                      <a:outerShdw blurRad="190500" dist="228600" dir="2700000" algn="ctr">
+                        <a:srgbClr val="000000">
+                          <a:alpha val="30000"/>
+                        </a:srgbClr>
+                      </a:outerShdw>
+                    </a:effectLst>
+                  </p:spPr>
+                  <p:txBody>
+                    <a:bodyPr lIns="288000" tIns="180000" rIns="252000" bIns="144000" spcCol="360000" rtlCol="0" anchor="ctr"/>
+                    <a:lstStyle/>
+                    <a:p>
+                      <a:pPr algn="ctr">
+                        <a:spcBef>
+                          <a:spcPts val="0"/>
+                        </a:spcBef>
+                      </a:pPr>
+                      <a14:m>
+                        <m:oMathPara xmlns:m="http://schemas.openxmlformats.org/officeDocument/2006/math">
+                          <m:oMathParaPr>
+                            <m:jc m:val="centerGroup"/>
+                          </m:oMathParaPr>
+                          <m:oMath xmlns:m="http://schemas.openxmlformats.org/officeDocument/2006/math">
+                            <m:sSub>
+                              <m:sSubPr>
+                                <m:ctrlPr>
+                                  <a:rPr lang="en-GB" sz="4800" b="1" i="1" smtClean="0">
+                                    <a:solidFill>
+                                      <a:schemeClr val="tx1">
+                                        <a:lumMod val="50000"/>
+                                      </a:schemeClr>
+                                    </a:solidFill>
+                                    <a:latin typeface="Cambria Math" panose="02040503050406030204" pitchFamily="18" charset="0"/>
+                                    <a:ea typeface="Cambria Math" panose="02040503050406030204" pitchFamily="18" charset="0"/>
+                                    <a:cs typeface="+mn-cs"/>
+                                  </a:rPr>
+                                </m:ctrlPr>
+                              </m:sSubPr>
+                              <m:e>
+                                <m:r>
+                                  <a:rPr lang="en-GB" sz="4800" b="1" i="1" smtClean="0">
+                                    <a:solidFill>
+                                      <a:schemeClr val="tx1">
+                                        <a:lumMod val="50000"/>
+                                      </a:schemeClr>
+                                    </a:solidFill>
+                                    <a:latin typeface="Cambria Math" panose="02040503050406030204" pitchFamily="18" charset="0"/>
+                                    <a:ea typeface="Cambria Math" panose="02040503050406030204" pitchFamily="18" charset="0"/>
+                                    <a:cs typeface="+mn-cs"/>
+                                  </a:rPr>
+                                  <m:t>𝜷</m:t>
+                                </m:r>
+                              </m:e>
+                              <m:sub>
+                                <m:r>
+                                  <a:rPr lang="en-GB" sz="4800" b="1" i="1" smtClean="0">
+                                    <a:solidFill>
+                                      <a:schemeClr val="tx1">
+                                        <a:lumMod val="50000"/>
+                                      </a:schemeClr>
+                                    </a:solidFill>
+                                    <a:latin typeface="Cambria Math" panose="02040503050406030204" pitchFamily="18" charset="0"/>
+                                    <a:ea typeface="Cambria Math" panose="02040503050406030204" pitchFamily="18" charset="0"/>
+                                    <a:cs typeface="+mn-cs"/>
+                                  </a:rPr>
+                                  <m:t>𝟏</m:t>
+                                </m:r>
+                              </m:sub>
+                            </m:sSub>
+                          </m:oMath>
+                        </m:oMathPara>
+                      </a14:m>
+                      <a:endParaRPr lang="en-GB" sz="4800" b="1" dirty="0">
+                        <a:solidFill>
+                          <a:schemeClr val="tx1">
+                            <a:lumMod val="50000"/>
+                          </a:schemeClr>
+                        </a:solidFill>
+                        <a:latin typeface="Cambria Math" panose="02040503050406030204" pitchFamily="18" charset="0"/>
+                        <a:ea typeface="Cambria Math" panose="02040503050406030204" pitchFamily="18" charset="0"/>
+                        <a:cs typeface="+mn-cs"/>
+                      </a:endParaRPr>
+                    </a:p>
+                  </p:txBody>
+                </p:sp>
+              </mc:Choice>
+              <mc:Fallback xmlns="">
+                <p:sp>
+                  <p:nvSpPr>
+                    <p:cNvPr id="8" name="Oval 7"/>
+                    <p:cNvSpPr>
+                      <a:spLocks noRot="1" noChangeAspect="1" noMove="1" noResize="1" noEditPoints="1" noAdjustHandles="1" noChangeArrowheads="1" noChangeShapeType="1" noTextEdit="1"/>
+                    </p:cNvSpPr>
+                    <p:nvPr/>
+                  </p:nvSpPr>
+                  <p:spPr>
+                    <a:xfrm>
+                      <a:off x="3260218" y="16904437"/>
+                      <a:ext cx="2499314" cy="2304906"/>
+                    </a:xfrm>
+                    <a:prstGeom prst="ellipse">
+                      <a:avLst/>
+                    </a:prstGeom>
+                    <a:blipFill rotWithShape="0">
+                      <a:blip r:embed="rId11"/>
+                      <a:stretch>
+                        <a:fillRect/>
+                      </a:stretch>
+                    </a:blipFill>
+                    <a:ln w="38100">
+                      <a:solidFill>
+                        <a:schemeClr val="tx1">
+                          <a:lumMod val="50000"/>
+                        </a:schemeClr>
+                      </a:solidFill>
+                    </a:ln>
+                    <a:effectLst>
+                      <a:outerShdw blurRad="190500" dist="228600" dir="2700000" algn="ctr">
+                        <a:srgbClr val="000000">
+                          <a:alpha val="30000"/>
+                        </a:srgbClr>
+                      </a:outerShdw>
+                    </a:effectLst>
+                  </p:spPr>
+                  <p:txBody>
+                    <a:bodyPr/>
+                    <a:lstStyle/>
+                    <a:p>
+                      <a:r>
+                        <a:rPr lang="en-GB">
+                          <a:noFill/>
+                        </a:rPr>
+                        <a:t> </a:t>
+                      </a:r>
+                    </a:p>
+                  </p:txBody>
+                </p:sp>
+              </mc:Fallback>
+            </mc:AlternateContent>
+            <mc:AlternateContent xmlns:mc="http://schemas.openxmlformats.org/markup-compatibility/2006" xmlns:a14="http://schemas.microsoft.com/office/drawing/2010/main">
+              <mc:Choice Requires="a14">
+                <p:sp>
+                  <p:nvSpPr>
+                    <p:cNvPr id="9" name="Oval 8"/>
+                    <p:cNvSpPr/>
+                    <p:nvPr/>
+                  </p:nvSpPr>
+                  <p:spPr>
+                    <a:xfrm>
+                      <a:off x="20217397" y="15492441"/>
+                      <a:ext cx="2936616" cy="2705485"/>
+                    </a:xfrm>
+                    <a:prstGeom prst="ellipse">
+                      <a:avLst/>
+                    </a:prstGeom>
+                    <a:grpFill/>
+                    <a:ln w="38100">
+                      <a:solidFill>
+                        <a:schemeClr val="tx1">
+                          <a:lumMod val="50000"/>
+                        </a:schemeClr>
+                      </a:solidFill>
+                    </a:ln>
+                    <a:effectLst>
+                      <a:outerShdw blurRad="190500" dist="228600" dir="2700000" algn="ctr">
+                        <a:srgbClr val="000000">
+                          <a:alpha val="30000"/>
+                        </a:srgbClr>
+                      </a:outerShdw>
+                    </a:effectLst>
+                  </p:spPr>
+                  <p:txBody>
+                    <a:bodyPr lIns="288000" tIns="180000" rIns="252000" bIns="144000" spcCol="360000" rtlCol="0" anchor="ctr"/>
+                    <a:lstStyle/>
+                    <a:p>
+                      <a:pPr algn="ctr">
+                        <a:spcBef>
+                          <a:spcPts val="0"/>
+                        </a:spcBef>
+                      </a:pPr>
+                      <a14:m>
+                        <m:oMathPara xmlns:m="http://schemas.openxmlformats.org/officeDocument/2006/math">
+                          <m:oMathParaPr>
+                            <m:jc m:val="centerGroup"/>
+                          </m:oMathParaPr>
+                          <m:oMath xmlns:m="http://schemas.openxmlformats.org/officeDocument/2006/math">
                             <m:r>
                               <a:rPr lang="en-GB" sz="4800" b="1" i="1" smtClean="0">
                                 <a:solidFill>
@@ -4242,2519 +4528,2536 @@
                                 <a:ea typeface="Cambria Math" panose="02040503050406030204" pitchFamily="18" charset="0"/>
                                 <a:cs typeface="+mn-cs"/>
                               </a:rPr>
-                              <m:t>𝜷</m:t>
+                              <m:t>𝜽</m:t>
                             </m:r>
-                          </m:e>
-                          <m:sub>
-                            <m:r>
-                              <a:rPr lang="en-GB" sz="4800" b="1" i="1" smtClean="0">
-                                <a:solidFill>
-                                  <a:schemeClr val="tx1">
-                                    <a:lumMod val="50000"/>
-                                  </a:schemeClr>
-                                </a:solidFill>
-                                <a:latin typeface="Cambria Math" panose="02040503050406030204" pitchFamily="18" charset="0"/>
-                                <a:ea typeface="Cambria Math" panose="02040503050406030204" pitchFamily="18" charset="0"/>
-                                <a:cs typeface="+mn-cs"/>
-                              </a:rPr>
-                              <m:t>𝟏</m:t>
-                            </m:r>
-                          </m:sub>
-                        </m:sSub>
-                      </m:oMath>
-                    </m:oMathPara>
-                  </a14:m>
-                  <a:endParaRPr lang="en-GB" sz="4800" b="1" dirty="0">
-                    <a:solidFill>
-                      <a:schemeClr val="tx1">
-                        <a:lumMod val="50000"/>
-                      </a:schemeClr>
-                    </a:solidFill>
-                    <a:latin typeface="Cambria Math" panose="02040503050406030204" pitchFamily="18" charset="0"/>
-                    <a:ea typeface="Cambria Math" panose="02040503050406030204" pitchFamily="18" charset="0"/>
-                    <a:cs typeface="+mn-cs"/>
-                  </a:endParaRPr>
-                </a:p>
-              </p:txBody>
-            </p:sp>
-          </mc:Choice>
-          <mc:Fallback xmlns="">
-            <p:sp>
-              <p:nvSpPr>
-                <p:cNvPr id="8" name="Oval 7"/>
-                <p:cNvSpPr>
-                  <a:spLocks noRot="1" noChangeAspect="1" noMove="1" noResize="1" noEditPoints="1" noAdjustHandles="1" noChangeArrowheads="1" noChangeShapeType="1" noTextEdit="1"/>
-                </p:cNvSpPr>
+                          </m:oMath>
+                        </m:oMathPara>
+                      </a14:m>
+                      <a:endParaRPr lang="en-GB" sz="4800" b="1" dirty="0">
+                        <a:solidFill>
+                          <a:schemeClr val="tx1">
+                            <a:lumMod val="50000"/>
+                          </a:schemeClr>
+                        </a:solidFill>
+                        <a:latin typeface="Cambria Math" panose="02040503050406030204" pitchFamily="18" charset="0"/>
+                        <a:ea typeface="Cambria Math" panose="02040503050406030204" pitchFamily="18" charset="0"/>
+                        <a:cs typeface="+mn-cs"/>
+                      </a:endParaRPr>
+                    </a:p>
+                  </p:txBody>
+                </p:sp>
+              </mc:Choice>
+              <mc:Fallback xmlns="">
+                <p:sp>
+                  <p:nvSpPr>
+                    <p:cNvPr id="9" name="Oval 8"/>
+                    <p:cNvSpPr>
+                      <a:spLocks noRot="1" noChangeAspect="1" noMove="1" noResize="1" noEditPoints="1" noAdjustHandles="1" noChangeArrowheads="1" noChangeShapeType="1" noTextEdit="1"/>
+                    </p:cNvSpPr>
+                    <p:nvPr/>
+                  </p:nvSpPr>
+                  <p:spPr>
+                    <a:xfrm>
+                      <a:off x="20217397" y="15492441"/>
+                      <a:ext cx="2936616" cy="2705485"/>
+                    </a:xfrm>
+                    <a:prstGeom prst="ellipse">
+                      <a:avLst/>
+                    </a:prstGeom>
+                    <a:blipFill rotWithShape="0">
+                      <a:blip r:embed="rId12"/>
+                      <a:stretch>
+                        <a:fillRect/>
+                      </a:stretch>
+                    </a:blipFill>
+                    <a:ln w="38100">
+                      <a:solidFill>
+                        <a:schemeClr val="tx1">
+                          <a:lumMod val="50000"/>
+                        </a:schemeClr>
+                      </a:solidFill>
+                    </a:ln>
+                    <a:effectLst>
+                      <a:outerShdw blurRad="190500" dist="228600" dir="2700000" algn="ctr">
+                        <a:srgbClr val="000000">
+                          <a:alpha val="30000"/>
+                        </a:srgbClr>
+                      </a:outerShdw>
+                    </a:effectLst>
+                  </p:spPr>
+                  <p:txBody>
+                    <a:bodyPr/>
+                    <a:lstStyle/>
+                    <a:p>
+                      <a:r>
+                        <a:rPr lang="en-GB">
+                          <a:noFill/>
+                        </a:rPr>
+                        <a:t> </a:t>
+                      </a:r>
+                    </a:p>
+                  </p:txBody>
+                </p:sp>
+              </mc:Fallback>
+            </mc:AlternateContent>
+            <mc:AlternateContent xmlns:mc="http://schemas.openxmlformats.org/markup-compatibility/2006" xmlns:a14="http://schemas.microsoft.com/office/drawing/2010/main">
+              <mc:Choice Requires="a14">
+                <p:sp>
+                  <p:nvSpPr>
+                    <p:cNvPr id="10" name="Rectangle 9"/>
+                    <p:cNvSpPr/>
+                    <p:nvPr/>
+                  </p:nvSpPr>
+                  <p:spPr>
+                    <a:xfrm>
+                      <a:off x="1525074" y="20755468"/>
+                      <a:ext cx="2616622" cy="1570067"/>
+                    </a:xfrm>
+                    <a:prstGeom prst="rect">
+                      <a:avLst/>
+                    </a:prstGeom>
+                    <a:grpFill/>
+                    <a:ln w="38100">
+                      <a:solidFill>
+                        <a:schemeClr val="tx1">
+                          <a:lumMod val="50000"/>
+                        </a:schemeClr>
+                      </a:solidFill>
+                    </a:ln>
+                    <a:effectLst>
+                      <a:outerShdw blurRad="190500" dist="228600" dir="2700000" algn="ctr">
+                        <a:srgbClr val="000000">
+                          <a:alpha val="30000"/>
+                        </a:srgbClr>
+                      </a:outerShdw>
+                    </a:effectLst>
+                  </p:spPr>
+                  <p:txBody>
+                    <a:bodyPr lIns="288000" tIns="180000" rIns="252000" bIns="144000" spcCol="360000" rtlCol="0" anchor="ctr"/>
+                    <a:lstStyle/>
+                    <a:p>
+                      <a:pPr algn="ctr">
+                        <a:spcBef>
+                          <a:spcPts val="0"/>
+                        </a:spcBef>
+                      </a:pPr>
+                      <a14:m>
+                        <m:oMathPara xmlns:m="http://schemas.openxmlformats.org/officeDocument/2006/math">
+                          <m:oMathParaPr>
+                            <m:jc m:val="centerGroup"/>
+                          </m:oMathParaPr>
+                          <m:oMath xmlns:m="http://schemas.openxmlformats.org/officeDocument/2006/math">
+                            <m:sSubSup>
+                              <m:sSubSupPr>
+                                <m:ctrlPr>
+                                  <a:rPr lang="en-GB" sz="4800" b="1" i="1" smtClean="0">
+                                    <a:solidFill>
+                                      <a:schemeClr val="tx1">
+                                        <a:lumMod val="50000"/>
+                                      </a:schemeClr>
+                                    </a:solidFill>
+                                    <a:latin typeface="Cambria Math" panose="02040503050406030204" pitchFamily="18" charset="0"/>
+                                    <a:ea typeface="Cambria Math" panose="02040503050406030204" pitchFamily="18" charset="0"/>
+                                    <a:cs typeface="+mn-cs"/>
+                                  </a:rPr>
+                                </m:ctrlPr>
+                              </m:sSubSupPr>
+                              <m:e>
+                                <m:r>
+                                  <a:rPr lang="en-GB" sz="4800" b="1" i="1" smtClean="0">
+                                    <a:solidFill>
+                                      <a:schemeClr val="tx1">
+                                        <a:lumMod val="50000"/>
+                                      </a:schemeClr>
+                                    </a:solidFill>
+                                    <a:latin typeface="Cambria Math" panose="02040503050406030204" pitchFamily="18" charset="0"/>
+                                    <a:ea typeface="Cambria Math" panose="02040503050406030204" pitchFamily="18" charset="0"/>
+                                    <a:cs typeface="+mn-cs"/>
+                                  </a:rPr>
+                                  <m:t>𝝈</m:t>
+                                </m:r>
+                              </m:e>
+                              <m:sub>
+                                <m:r>
+                                  <a:rPr lang="en-GB" sz="4800" b="1" i="1" smtClean="0">
+                                    <a:solidFill>
+                                      <a:schemeClr val="tx1">
+                                        <a:lumMod val="50000"/>
+                                      </a:schemeClr>
+                                    </a:solidFill>
+                                    <a:latin typeface="Cambria Math" panose="02040503050406030204" pitchFamily="18" charset="0"/>
+                                    <a:ea typeface="Cambria Math" panose="02040503050406030204" pitchFamily="18" charset="0"/>
+                                    <a:cs typeface="+mn-cs"/>
+                                  </a:rPr>
+                                  <m:t>𝜷</m:t>
+                                </m:r>
+                              </m:sub>
+                              <m:sup>
+                                <m:r>
+                                  <a:rPr lang="en-GB" sz="4800" b="1" i="1" smtClean="0">
+                                    <a:solidFill>
+                                      <a:schemeClr val="tx1">
+                                        <a:lumMod val="50000"/>
+                                      </a:schemeClr>
+                                    </a:solidFill>
+                                    <a:latin typeface="Cambria Math" panose="02040503050406030204" pitchFamily="18" charset="0"/>
+                                    <a:ea typeface="Cambria Math" panose="02040503050406030204" pitchFamily="18" charset="0"/>
+                                    <a:cs typeface="+mn-cs"/>
+                                  </a:rPr>
+                                  <m:t>𝟐</m:t>
+                                </m:r>
+                              </m:sup>
+                            </m:sSubSup>
+                          </m:oMath>
+                        </m:oMathPara>
+                      </a14:m>
+                      <a:endParaRPr lang="en-GB" sz="4800" b="1" dirty="0">
+                        <a:solidFill>
+                          <a:schemeClr val="tx1">
+                            <a:lumMod val="50000"/>
+                          </a:schemeClr>
+                        </a:solidFill>
+                        <a:latin typeface="Cambria Math" panose="02040503050406030204" pitchFamily="18" charset="0"/>
+                        <a:ea typeface="Cambria Math" panose="02040503050406030204" pitchFamily="18" charset="0"/>
+                        <a:cs typeface="+mn-cs"/>
+                      </a:endParaRPr>
+                    </a:p>
+                  </p:txBody>
+                </p:sp>
+              </mc:Choice>
+              <mc:Fallback xmlns="">
+                <p:sp>
+                  <p:nvSpPr>
+                    <p:cNvPr id="10" name="Rectangle 9"/>
+                    <p:cNvSpPr>
+                      <a:spLocks noRot="1" noChangeAspect="1" noMove="1" noResize="1" noEditPoints="1" noAdjustHandles="1" noChangeArrowheads="1" noChangeShapeType="1" noTextEdit="1"/>
+                    </p:cNvSpPr>
+                    <p:nvPr/>
+                  </p:nvSpPr>
+                  <p:spPr>
+                    <a:xfrm>
+                      <a:off x="1525074" y="20755468"/>
+                      <a:ext cx="2616622" cy="1570067"/>
+                    </a:xfrm>
+                    <a:prstGeom prst="rect">
+                      <a:avLst/>
+                    </a:prstGeom>
+                    <a:blipFill rotWithShape="0">
+                      <a:blip r:embed="rId13"/>
+                      <a:stretch>
+                        <a:fillRect/>
+                      </a:stretch>
+                    </a:blipFill>
+                    <a:ln w="38100">
+                      <a:solidFill>
+                        <a:schemeClr val="tx1">
+                          <a:lumMod val="50000"/>
+                        </a:schemeClr>
+                      </a:solidFill>
+                    </a:ln>
+                    <a:effectLst>
+                      <a:outerShdw blurRad="190500" dist="228600" dir="2700000" algn="ctr">
+                        <a:srgbClr val="000000">
+                          <a:alpha val="30000"/>
+                        </a:srgbClr>
+                      </a:outerShdw>
+                    </a:effectLst>
+                  </p:spPr>
+                  <p:txBody>
+                    <a:bodyPr/>
+                    <a:lstStyle/>
+                    <a:p>
+                      <a:r>
+                        <a:rPr lang="en-GB">
+                          <a:noFill/>
+                        </a:rPr>
+                        <a:t> </a:t>
+                      </a:r>
+                    </a:p>
+                  </p:txBody>
+                </p:sp>
+              </mc:Fallback>
+            </mc:AlternateContent>
+            <mc:AlternateContent xmlns:mc="http://schemas.openxmlformats.org/markup-compatibility/2006" xmlns:a14="http://schemas.microsoft.com/office/drawing/2010/main">
+              <mc:Choice Requires="a14">
+                <p:sp>
+                  <p:nvSpPr>
+                    <p:cNvPr id="11" name="Rectangle 10"/>
+                    <p:cNvSpPr/>
+                    <p:nvPr/>
+                  </p:nvSpPr>
+                  <p:spPr>
+                    <a:xfrm>
+                      <a:off x="4951789" y="20841483"/>
+                      <a:ext cx="2616622" cy="1539754"/>
+                    </a:xfrm>
+                    <a:prstGeom prst="rect">
+                      <a:avLst/>
+                    </a:prstGeom>
+                    <a:grpFill/>
+                    <a:ln w="38100">
+                      <a:solidFill>
+                        <a:schemeClr val="tx1">
+                          <a:lumMod val="50000"/>
+                        </a:schemeClr>
+                      </a:solidFill>
+                    </a:ln>
+                    <a:effectLst>
+                      <a:outerShdw blurRad="190500" dist="228600" dir="2700000" algn="ctr">
+                        <a:srgbClr val="000000">
+                          <a:alpha val="30000"/>
+                        </a:srgbClr>
+                      </a:outerShdw>
+                    </a:effectLst>
+                  </p:spPr>
+                  <p:txBody>
+                    <a:bodyPr lIns="288000" tIns="180000" rIns="252000" bIns="144000" spcCol="360000" rtlCol="0" anchor="ctr"/>
+                    <a:lstStyle/>
+                    <a:p>
+                      <a:pPr algn="ctr">
+                        <a:spcBef>
+                          <a:spcPts val="0"/>
+                        </a:spcBef>
+                      </a:pPr>
+                      <a14:m>
+                        <m:oMathPara xmlns:m="http://schemas.openxmlformats.org/officeDocument/2006/math">
+                          <m:oMathParaPr>
+                            <m:jc m:val="centerGroup"/>
+                          </m:oMathParaPr>
+                          <m:oMath xmlns:m="http://schemas.openxmlformats.org/officeDocument/2006/math">
+                            <m:sSub>
+                              <m:sSubPr>
+                                <m:ctrlPr>
+                                  <a:rPr lang="en-GB" sz="4800" b="1" i="1" smtClean="0">
+                                    <a:solidFill>
+                                      <a:schemeClr val="tx1">
+                                        <a:lumMod val="50000"/>
+                                      </a:schemeClr>
+                                    </a:solidFill>
+                                    <a:latin typeface="Cambria Math" panose="02040503050406030204" pitchFamily="18" charset="0"/>
+                                    <a:ea typeface="Cambria Math" panose="02040503050406030204" pitchFamily="18" charset="0"/>
+                                  </a:rPr>
+                                </m:ctrlPr>
+                              </m:sSubPr>
+                              <m:e>
+                                <m:r>
+                                  <a:rPr lang="en-GB" sz="4800" b="1" i="1" smtClean="0">
+                                    <a:solidFill>
+                                      <a:schemeClr val="tx1">
+                                        <a:lumMod val="50000"/>
+                                      </a:schemeClr>
+                                    </a:solidFill>
+                                    <a:latin typeface="Cambria Math" panose="02040503050406030204" pitchFamily="18" charset="0"/>
+                                    <a:ea typeface="Cambria Math" panose="02040503050406030204" pitchFamily="18" charset="0"/>
+                                  </a:rPr>
+                                  <m:t>𝝁</m:t>
+                                </m:r>
+                              </m:e>
+                              <m:sub>
+                                <m:r>
+                                  <a:rPr lang="en-GB" sz="4800" b="1" i="1">
+                                    <a:solidFill>
+                                      <a:schemeClr val="tx1">
+                                        <a:lumMod val="50000"/>
+                                      </a:schemeClr>
+                                    </a:solidFill>
+                                    <a:latin typeface="Cambria Math" panose="02040503050406030204" pitchFamily="18" charset="0"/>
+                                    <a:ea typeface="Cambria Math" panose="02040503050406030204" pitchFamily="18" charset="0"/>
+                                  </a:rPr>
+                                  <m:t>𝜷</m:t>
+                                </m:r>
+                              </m:sub>
+                            </m:sSub>
+                          </m:oMath>
+                        </m:oMathPara>
+                      </a14:m>
+                      <a:endParaRPr lang="en-GB" sz="4800" b="1" dirty="0">
+                        <a:solidFill>
+                          <a:schemeClr val="tx1">
+                            <a:lumMod val="50000"/>
+                          </a:schemeClr>
+                        </a:solidFill>
+                        <a:latin typeface="Cambria Math" panose="02040503050406030204" pitchFamily="18" charset="0"/>
+                        <a:ea typeface="Cambria Math" panose="02040503050406030204" pitchFamily="18" charset="0"/>
+                        <a:cs typeface="+mn-cs"/>
+                      </a:endParaRPr>
+                    </a:p>
+                  </p:txBody>
+                </p:sp>
+              </mc:Choice>
+              <mc:Fallback xmlns="">
+                <p:sp>
+                  <p:nvSpPr>
+                    <p:cNvPr id="11" name="Rectangle 10"/>
+                    <p:cNvSpPr>
+                      <a:spLocks noRot="1" noChangeAspect="1" noMove="1" noResize="1" noEditPoints="1" noAdjustHandles="1" noChangeArrowheads="1" noChangeShapeType="1" noTextEdit="1"/>
+                    </p:cNvSpPr>
+                    <p:nvPr/>
+                  </p:nvSpPr>
+                  <p:spPr>
+                    <a:xfrm>
+                      <a:off x="4951789" y="20841483"/>
+                      <a:ext cx="2616622" cy="1539754"/>
+                    </a:xfrm>
+                    <a:prstGeom prst="rect">
+                      <a:avLst/>
+                    </a:prstGeom>
+                    <a:blipFill rotWithShape="0">
+                      <a:blip r:embed="rId14"/>
+                      <a:stretch>
+                        <a:fillRect/>
+                      </a:stretch>
+                    </a:blipFill>
+                    <a:ln w="38100">
+                      <a:solidFill>
+                        <a:schemeClr val="tx1">
+                          <a:lumMod val="50000"/>
+                        </a:schemeClr>
+                      </a:solidFill>
+                    </a:ln>
+                    <a:effectLst>
+                      <a:outerShdw blurRad="190500" dist="228600" dir="2700000" algn="ctr">
+                        <a:srgbClr val="000000">
+                          <a:alpha val="30000"/>
+                        </a:srgbClr>
+                      </a:outerShdw>
+                    </a:effectLst>
+                  </p:spPr>
+                  <p:txBody>
+                    <a:bodyPr/>
+                    <a:lstStyle/>
+                    <a:p>
+                      <a:r>
+                        <a:rPr lang="en-GB">
+                          <a:noFill/>
+                        </a:rPr>
+                        <a:t> </a:t>
+                      </a:r>
+                    </a:p>
+                  </p:txBody>
+                </p:sp>
+              </mc:Fallback>
+            </mc:AlternateContent>
+            <mc:AlternateContent xmlns:mc="http://schemas.openxmlformats.org/markup-compatibility/2006" xmlns:a14="http://schemas.microsoft.com/office/drawing/2010/main">
+              <mc:Choice Requires="a14">
+                <p:sp>
+                  <p:nvSpPr>
+                    <p:cNvPr id="12" name="Rectangle 11"/>
+                    <p:cNvSpPr/>
+                    <p:nvPr/>
+                  </p:nvSpPr>
+                  <p:spPr>
+                    <a:xfrm>
+                      <a:off x="8722141" y="13696182"/>
+                      <a:ext cx="3370546" cy="1387331"/>
+                    </a:xfrm>
+                    <a:prstGeom prst="rect">
+                      <a:avLst/>
+                    </a:prstGeom>
+                    <a:grpFill/>
+                    <a:ln w="38100">
+                      <a:solidFill>
+                        <a:schemeClr val="tx1">
+                          <a:lumMod val="50000"/>
+                        </a:schemeClr>
+                      </a:solidFill>
+                    </a:ln>
+                    <a:effectLst>
+                      <a:outerShdw blurRad="190500" dist="228600" dir="2700000" algn="ctr">
+                        <a:srgbClr val="000000">
+                          <a:alpha val="30000"/>
+                        </a:srgbClr>
+                      </a:outerShdw>
+                    </a:effectLst>
+                  </p:spPr>
+                  <p:txBody>
+                    <a:bodyPr lIns="288000" tIns="180000" rIns="252000" bIns="144000" spcCol="360000" rtlCol="0" anchor="ctr"/>
+                    <a:lstStyle/>
+                    <a:p>
+                      <a:pPr algn="ctr">
+                        <a:spcBef>
+                          <a:spcPts val="0"/>
+                        </a:spcBef>
+                      </a:pPr>
+                      <a14:m>
+                        <m:oMathPara xmlns:m="http://schemas.openxmlformats.org/officeDocument/2006/math">
+                          <m:oMathParaPr>
+                            <m:jc m:val="centerGroup"/>
+                          </m:oMathParaPr>
+                          <m:oMath xmlns:m="http://schemas.openxmlformats.org/officeDocument/2006/math">
+                            <m:sSub>
+                              <m:sSubPr>
+                                <m:ctrlPr>
+                                  <a:rPr lang="en-GB" sz="4800" b="1" i="1" smtClean="0">
+                                    <a:solidFill>
+                                      <a:schemeClr val="tx1">
+                                        <a:lumMod val="50000"/>
+                                      </a:schemeClr>
+                                    </a:solidFill>
+                                    <a:latin typeface="Cambria Math" panose="02040503050406030204" pitchFamily="18" charset="0"/>
+                                    <a:ea typeface="Cambria Math" panose="02040503050406030204" pitchFamily="18" charset="0"/>
+                                    <a:cs typeface="+mn-cs"/>
+                                  </a:rPr>
+                                </m:ctrlPr>
+                              </m:sSubPr>
+                              <m:e>
+                                <m:r>
+                                  <a:rPr lang="el-GR" sz="4800" b="1" i="1" smtClean="0">
+                                    <a:solidFill>
+                                      <a:schemeClr val="tx1">
+                                        <a:lumMod val="50000"/>
+                                      </a:schemeClr>
+                                    </a:solidFill>
+                                    <a:latin typeface="Cambria Math" panose="02040503050406030204" pitchFamily="18" charset="0"/>
+                                    <a:ea typeface="Cambria Math" panose="02040503050406030204" pitchFamily="18" charset="0"/>
+                                    <a:cs typeface="+mn-cs"/>
+                                  </a:rPr>
+                                  <m:t>𝜮</m:t>
+                                </m:r>
+                              </m:e>
+                              <m:sub>
+                                <m:r>
+                                  <a:rPr lang="en-GB" sz="4800" b="1" i="1" smtClean="0">
+                                    <a:solidFill>
+                                      <a:schemeClr val="tx1">
+                                        <a:lumMod val="50000"/>
+                                      </a:schemeClr>
+                                    </a:solidFill>
+                                    <a:latin typeface="Cambria Math" panose="02040503050406030204" pitchFamily="18" charset="0"/>
+                                    <a:ea typeface="Cambria Math" panose="02040503050406030204" pitchFamily="18" charset="0"/>
+                                    <a:cs typeface="+mn-cs"/>
+                                  </a:rPr>
+                                  <m:t>𝑮𝑷𝑺</m:t>
+                                </m:r>
+                              </m:sub>
+                            </m:sSub>
+                          </m:oMath>
+                        </m:oMathPara>
+                      </a14:m>
+                      <a:endParaRPr lang="en-GB" sz="4800" b="1" dirty="0">
+                        <a:solidFill>
+                          <a:schemeClr val="tx1">
+                            <a:lumMod val="50000"/>
+                          </a:schemeClr>
+                        </a:solidFill>
+                        <a:latin typeface="Cambria Math" panose="02040503050406030204" pitchFamily="18" charset="0"/>
+                        <a:ea typeface="Cambria Math" panose="02040503050406030204" pitchFamily="18" charset="0"/>
+                        <a:cs typeface="+mn-cs"/>
+                      </a:endParaRPr>
+                    </a:p>
+                  </p:txBody>
+                </p:sp>
+              </mc:Choice>
+              <mc:Fallback xmlns="">
+                <p:sp>
+                  <p:nvSpPr>
+                    <p:cNvPr id="12" name="Rectangle 11"/>
+                    <p:cNvSpPr>
+                      <a:spLocks noRot="1" noChangeAspect="1" noMove="1" noResize="1" noEditPoints="1" noAdjustHandles="1" noChangeArrowheads="1" noChangeShapeType="1" noTextEdit="1"/>
+                    </p:cNvSpPr>
+                    <p:nvPr/>
+                  </p:nvSpPr>
+                  <p:spPr>
+                    <a:xfrm>
+                      <a:off x="8722141" y="13696182"/>
+                      <a:ext cx="3370546" cy="1387331"/>
+                    </a:xfrm>
+                    <a:prstGeom prst="rect">
+                      <a:avLst/>
+                    </a:prstGeom>
+                    <a:blipFill rotWithShape="0">
+                      <a:blip r:embed="rId15"/>
+                      <a:stretch>
+                        <a:fillRect/>
+                      </a:stretch>
+                    </a:blipFill>
+                    <a:ln w="38100">
+                      <a:solidFill>
+                        <a:schemeClr val="tx1">
+                          <a:lumMod val="50000"/>
+                        </a:schemeClr>
+                      </a:solidFill>
+                    </a:ln>
+                    <a:effectLst>
+                      <a:outerShdw blurRad="190500" dist="228600" dir="2700000" algn="ctr">
+                        <a:srgbClr val="000000">
+                          <a:alpha val="30000"/>
+                        </a:srgbClr>
+                      </a:outerShdw>
+                    </a:effectLst>
+                  </p:spPr>
+                  <p:txBody>
+                    <a:bodyPr/>
+                    <a:lstStyle/>
+                    <a:p>
+                      <a:r>
+                        <a:rPr lang="en-GB">
+                          <a:noFill/>
+                        </a:rPr>
+                        <a:t> </a:t>
+                      </a:r>
+                    </a:p>
+                  </p:txBody>
+                </p:sp>
+              </mc:Fallback>
+            </mc:AlternateContent>
+            <mc:AlternateContent xmlns:mc="http://schemas.openxmlformats.org/markup-compatibility/2006" xmlns:a14="http://schemas.microsoft.com/office/drawing/2010/main">
+              <mc:Choice Requires="a14">
+                <p:sp>
+                  <p:nvSpPr>
+                    <p:cNvPr id="13" name="Rectangle 12"/>
+                    <p:cNvSpPr/>
+                    <p:nvPr/>
+                  </p:nvSpPr>
+                  <p:spPr>
+                    <a:xfrm>
+                      <a:off x="8709455" y="27730906"/>
+                      <a:ext cx="3370546" cy="1391517"/>
+                    </a:xfrm>
+                    <a:prstGeom prst="rect">
+                      <a:avLst/>
+                    </a:prstGeom>
+                    <a:grpFill/>
+                    <a:ln w="38100">
+                      <a:solidFill>
+                        <a:schemeClr val="tx1">
+                          <a:lumMod val="50000"/>
+                        </a:schemeClr>
+                      </a:solidFill>
+                    </a:ln>
+                    <a:effectLst>
+                      <a:outerShdw blurRad="190500" dist="228600" dir="2700000" algn="ctr">
+                        <a:srgbClr val="000000">
+                          <a:alpha val="30000"/>
+                        </a:srgbClr>
+                      </a:outerShdw>
+                    </a:effectLst>
+                  </p:spPr>
+                  <p:txBody>
+                    <a:bodyPr lIns="288000" tIns="180000" rIns="252000" bIns="144000" spcCol="360000" rtlCol="0" anchor="ctr"/>
+                    <a:lstStyle/>
+                    <a:p>
+                      <a:pPr algn="ctr">
+                        <a:spcBef>
+                          <a:spcPts val="0"/>
+                        </a:spcBef>
+                      </a:pPr>
+                      <a14:m>
+                        <m:oMathPara xmlns:m="http://schemas.openxmlformats.org/officeDocument/2006/math">
+                          <m:oMathParaPr>
+                            <m:jc m:val="centerGroup"/>
+                          </m:oMathParaPr>
+                          <m:oMath xmlns:m="http://schemas.openxmlformats.org/officeDocument/2006/math">
+                            <m:sSub>
+                              <m:sSubPr>
+                                <m:ctrlPr>
+                                  <a:rPr lang="en-GB" sz="4800" b="1" i="1" smtClean="0">
+                                    <a:solidFill>
+                                      <a:schemeClr val="tx1">
+                                        <a:lumMod val="50000"/>
+                                      </a:schemeClr>
+                                    </a:solidFill>
+                                    <a:latin typeface="Cambria Math" panose="02040503050406030204" pitchFamily="18" charset="0"/>
+                                    <a:ea typeface="Cambria Math" panose="02040503050406030204" pitchFamily="18" charset="0"/>
+                                  </a:rPr>
+                                </m:ctrlPr>
+                              </m:sSubPr>
+                              <m:e>
+                                <m:r>
+                                  <a:rPr lang="el-GR" sz="4800" b="1" i="1">
+                                    <a:solidFill>
+                                      <a:schemeClr val="tx1">
+                                        <a:lumMod val="50000"/>
+                                      </a:schemeClr>
+                                    </a:solidFill>
+                                    <a:latin typeface="Cambria Math" panose="02040503050406030204" pitchFamily="18" charset="0"/>
+                                    <a:ea typeface="Cambria Math" panose="02040503050406030204" pitchFamily="18" charset="0"/>
+                                  </a:rPr>
+                                  <m:t>𝜮</m:t>
+                                </m:r>
+                              </m:e>
+                              <m:sub>
+                                <m:r>
+                                  <a:rPr lang="en-GB" sz="4800" b="1" i="1" smtClean="0">
+                                    <a:solidFill>
+                                      <a:schemeClr val="tx1">
+                                        <a:lumMod val="50000"/>
+                                      </a:schemeClr>
+                                    </a:solidFill>
+                                    <a:latin typeface="Cambria Math" panose="02040503050406030204" pitchFamily="18" charset="0"/>
+                                    <a:ea typeface="Cambria Math" panose="02040503050406030204" pitchFamily="18" charset="0"/>
+                                  </a:rPr>
+                                  <m:t>𝑮𝑹𝑨𝑪𝑬</m:t>
+                                </m:r>
+                              </m:sub>
+                            </m:sSub>
+                          </m:oMath>
+                        </m:oMathPara>
+                      </a14:m>
+                      <a:endParaRPr lang="en-GB" sz="4800" b="1" dirty="0">
+                        <a:solidFill>
+                          <a:schemeClr val="tx1">
+                            <a:lumMod val="50000"/>
+                          </a:schemeClr>
+                        </a:solidFill>
+                        <a:latin typeface="Cambria Math" panose="02040503050406030204" pitchFamily="18" charset="0"/>
+                        <a:ea typeface="Cambria Math" panose="02040503050406030204" pitchFamily="18" charset="0"/>
+                        <a:cs typeface="+mn-cs"/>
+                      </a:endParaRPr>
+                    </a:p>
+                  </p:txBody>
+                </p:sp>
+              </mc:Choice>
+              <mc:Fallback xmlns="">
+                <p:sp>
+                  <p:nvSpPr>
+                    <p:cNvPr id="13" name="Rectangle 12"/>
+                    <p:cNvSpPr>
+                      <a:spLocks noRot="1" noChangeAspect="1" noMove="1" noResize="1" noEditPoints="1" noAdjustHandles="1" noChangeArrowheads="1" noChangeShapeType="1" noTextEdit="1"/>
+                    </p:cNvSpPr>
+                    <p:nvPr/>
+                  </p:nvSpPr>
+                  <p:spPr>
+                    <a:xfrm>
+                      <a:off x="8709455" y="27730906"/>
+                      <a:ext cx="3370546" cy="1391517"/>
+                    </a:xfrm>
+                    <a:prstGeom prst="rect">
+                      <a:avLst/>
+                    </a:prstGeom>
+                    <a:blipFill rotWithShape="0">
+                      <a:blip r:embed="rId16"/>
+                      <a:stretch>
+                        <a:fillRect/>
+                      </a:stretch>
+                    </a:blipFill>
+                    <a:ln w="38100">
+                      <a:solidFill>
+                        <a:schemeClr val="tx1">
+                          <a:lumMod val="50000"/>
+                        </a:schemeClr>
+                      </a:solidFill>
+                    </a:ln>
+                    <a:effectLst>
+                      <a:outerShdw blurRad="190500" dist="228600" dir="2700000" algn="ctr">
+                        <a:srgbClr val="000000">
+                          <a:alpha val="30000"/>
+                        </a:srgbClr>
+                      </a:outerShdw>
+                    </a:effectLst>
+                  </p:spPr>
+                  <p:txBody>
+                    <a:bodyPr/>
+                    <a:lstStyle/>
+                    <a:p>
+                      <a:r>
+                        <a:rPr lang="en-GB">
+                          <a:noFill/>
+                        </a:rPr>
+                        <a:t> </a:t>
+                      </a:r>
+                    </a:p>
+                  </p:txBody>
+                </p:sp>
+              </mc:Fallback>
+            </mc:AlternateContent>
+            <mc:AlternateContent xmlns:mc="http://schemas.openxmlformats.org/markup-compatibility/2006" xmlns:a14="http://schemas.microsoft.com/office/drawing/2010/main">
+              <mc:Choice Requires="a14">
+                <p:sp>
+                  <p:nvSpPr>
+                    <p:cNvPr id="14" name="Rectangle 13"/>
+                    <p:cNvSpPr/>
+                    <p:nvPr/>
+                  </p:nvSpPr>
+                  <p:spPr>
+                    <a:xfrm>
+                      <a:off x="14660364" y="13696182"/>
+                      <a:ext cx="3376806" cy="1387331"/>
+                    </a:xfrm>
+                    <a:prstGeom prst="rect">
+                      <a:avLst/>
+                    </a:prstGeom>
+                    <a:grpFill/>
+                    <a:ln w="38100">
+                      <a:solidFill>
+                        <a:schemeClr val="tx1">
+                          <a:lumMod val="50000"/>
+                        </a:schemeClr>
+                      </a:solidFill>
+                    </a:ln>
+                    <a:effectLst>
+                      <a:outerShdw blurRad="190500" dist="228600" dir="2700000" algn="ctr">
+                        <a:srgbClr val="000000">
+                          <a:alpha val="30000"/>
+                        </a:srgbClr>
+                      </a:outerShdw>
+                    </a:effectLst>
+                  </p:spPr>
+                  <p:txBody>
+                    <a:bodyPr lIns="288000" tIns="180000" rIns="252000" bIns="144000" spcCol="360000" rtlCol="0" anchor="ctr"/>
+                    <a:lstStyle/>
+                    <a:p>
+                      <a:pPr algn="ctr">
+                        <a:spcBef>
+                          <a:spcPts val="0"/>
+                        </a:spcBef>
+                      </a:pPr>
+                      <a14:m>
+                        <m:oMathPara xmlns:m="http://schemas.openxmlformats.org/officeDocument/2006/math">
+                          <m:oMathParaPr>
+                            <m:jc m:val="centerGroup"/>
+                          </m:oMathParaPr>
+                          <m:oMath xmlns:m="http://schemas.openxmlformats.org/officeDocument/2006/math">
+                            <m:sSub>
+                              <m:sSubPr>
+                                <m:ctrlPr>
+                                  <a:rPr lang="en-GB" sz="4800" b="1" i="1" smtClean="0">
+                                    <a:solidFill>
+                                      <a:schemeClr val="tx1">
+                                        <a:lumMod val="50000"/>
+                                      </a:schemeClr>
+                                    </a:solidFill>
+                                    <a:latin typeface="Cambria Math" panose="02040503050406030204" pitchFamily="18" charset="0"/>
+                                    <a:ea typeface="Cambria Math" panose="02040503050406030204" pitchFamily="18" charset="0"/>
+                                    <a:cs typeface="+mn-cs"/>
+                                  </a:rPr>
+                                </m:ctrlPr>
+                              </m:sSubPr>
+                              <m:e>
+                                <m:r>
+                                  <a:rPr lang="en-GB" sz="4800" b="1" i="1" smtClean="0">
+                                    <a:solidFill>
+                                      <a:schemeClr val="tx1">
+                                        <a:lumMod val="50000"/>
+                                      </a:schemeClr>
+                                    </a:solidFill>
+                                    <a:latin typeface="Cambria Math" panose="02040503050406030204" pitchFamily="18" charset="0"/>
+                                    <a:ea typeface="Cambria Math" panose="02040503050406030204" pitchFamily="18" charset="0"/>
+                                    <a:cs typeface="+mn-cs"/>
+                                  </a:rPr>
+                                  <m:t>𝓐</m:t>
+                                </m:r>
+                              </m:e>
+                              <m:sub>
+                                <m:r>
+                                  <a:rPr lang="en-GB" sz="4800" b="1" i="1" smtClean="0">
+                                    <a:solidFill>
+                                      <a:schemeClr val="tx1">
+                                        <a:lumMod val="50000"/>
+                                      </a:schemeClr>
+                                    </a:solidFill>
+                                    <a:latin typeface="Cambria Math" panose="02040503050406030204" pitchFamily="18" charset="0"/>
+                                    <a:ea typeface="Cambria Math" panose="02040503050406030204" pitchFamily="18" charset="0"/>
+                                    <a:cs typeface="+mn-cs"/>
+                                  </a:rPr>
+                                  <m:t>𝑮𝑷𝑺</m:t>
+                                </m:r>
+                              </m:sub>
+                            </m:sSub>
+                          </m:oMath>
+                        </m:oMathPara>
+                      </a14:m>
+                      <a:endParaRPr lang="en-GB" sz="4800" b="1" dirty="0">
+                        <a:solidFill>
+                          <a:schemeClr val="tx1">
+                            <a:lumMod val="50000"/>
+                          </a:schemeClr>
+                        </a:solidFill>
+                        <a:latin typeface="Cambria Math" panose="02040503050406030204" pitchFamily="18" charset="0"/>
+                        <a:ea typeface="Cambria Math" panose="02040503050406030204" pitchFamily="18" charset="0"/>
+                        <a:cs typeface="+mn-cs"/>
+                      </a:endParaRPr>
+                    </a:p>
+                  </p:txBody>
+                </p:sp>
+              </mc:Choice>
+              <mc:Fallback xmlns="">
+                <p:sp>
+                  <p:nvSpPr>
+                    <p:cNvPr id="14" name="Rectangle 13"/>
+                    <p:cNvSpPr>
+                      <a:spLocks noRot="1" noChangeAspect="1" noMove="1" noResize="1" noEditPoints="1" noAdjustHandles="1" noChangeArrowheads="1" noChangeShapeType="1" noTextEdit="1"/>
+                    </p:cNvSpPr>
+                    <p:nvPr/>
+                  </p:nvSpPr>
+                  <p:spPr>
+                    <a:xfrm>
+                      <a:off x="14660364" y="13696182"/>
+                      <a:ext cx="3376806" cy="1387331"/>
+                    </a:xfrm>
+                    <a:prstGeom prst="rect">
+                      <a:avLst/>
+                    </a:prstGeom>
+                    <a:blipFill rotWithShape="0">
+                      <a:blip r:embed="rId17"/>
+                      <a:stretch>
+                        <a:fillRect/>
+                      </a:stretch>
+                    </a:blipFill>
+                    <a:ln w="38100">
+                      <a:solidFill>
+                        <a:schemeClr val="tx1">
+                          <a:lumMod val="50000"/>
+                        </a:schemeClr>
+                      </a:solidFill>
+                    </a:ln>
+                    <a:effectLst>
+                      <a:outerShdw blurRad="190500" dist="228600" dir="2700000" algn="ctr">
+                        <a:srgbClr val="000000">
+                          <a:alpha val="30000"/>
+                        </a:srgbClr>
+                      </a:outerShdw>
+                    </a:effectLst>
+                  </p:spPr>
+                  <p:txBody>
+                    <a:bodyPr/>
+                    <a:lstStyle/>
+                    <a:p>
+                      <a:r>
+                        <a:rPr lang="en-GB">
+                          <a:noFill/>
+                        </a:rPr>
+                        <a:t> </a:t>
+                      </a:r>
+                    </a:p>
+                  </p:txBody>
+                </p:sp>
+              </mc:Fallback>
+            </mc:AlternateContent>
+            <mc:AlternateContent xmlns:mc="http://schemas.openxmlformats.org/markup-compatibility/2006" xmlns:a14="http://schemas.microsoft.com/office/drawing/2010/main">
+              <mc:Choice Requires="a14">
+                <p:sp>
+                  <p:nvSpPr>
+                    <p:cNvPr id="15" name="Rectangle 14"/>
+                    <p:cNvSpPr/>
+                    <p:nvPr/>
+                  </p:nvSpPr>
+                  <p:spPr>
+                    <a:xfrm>
+                      <a:off x="14703448" y="27744563"/>
+                      <a:ext cx="3376806" cy="1377861"/>
+                    </a:xfrm>
+                    <a:prstGeom prst="rect">
+                      <a:avLst/>
+                    </a:prstGeom>
+                    <a:grpFill/>
+                    <a:ln w="38100">
+                      <a:solidFill>
+                        <a:schemeClr val="tx1">
+                          <a:lumMod val="50000"/>
+                        </a:schemeClr>
+                      </a:solidFill>
+                    </a:ln>
+                    <a:effectLst>
+                      <a:outerShdw blurRad="190500" dist="228600" dir="2700000" algn="ctr">
+                        <a:srgbClr val="000000">
+                          <a:alpha val="30000"/>
+                        </a:srgbClr>
+                      </a:outerShdw>
+                    </a:effectLst>
+                  </p:spPr>
+                  <p:txBody>
+                    <a:bodyPr lIns="288000" tIns="180000" rIns="252000" bIns="144000" spcCol="360000" rtlCol="0" anchor="ctr"/>
+                    <a:lstStyle/>
+                    <a:p>
+                      <a:pPr algn="ctr">
+                        <a:spcBef>
+                          <a:spcPts val="0"/>
+                        </a:spcBef>
+                      </a:pPr>
+                      <a14:m>
+                        <m:oMathPara xmlns:m="http://schemas.openxmlformats.org/officeDocument/2006/math">
+                          <m:oMathParaPr>
+                            <m:jc m:val="centerGroup"/>
+                          </m:oMathParaPr>
+                          <m:oMath xmlns:m="http://schemas.openxmlformats.org/officeDocument/2006/math">
+                            <m:sSub>
+                              <m:sSubPr>
+                                <m:ctrlPr>
+                                  <a:rPr lang="en-GB" sz="4800" b="1" i="1" smtClean="0">
+                                    <a:solidFill>
+                                      <a:schemeClr val="tx1">
+                                        <a:lumMod val="50000"/>
+                                      </a:schemeClr>
+                                    </a:solidFill>
+                                    <a:latin typeface="Cambria Math" panose="02040503050406030204" pitchFamily="18" charset="0"/>
+                                    <a:ea typeface="Cambria Math" panose="02040503050406030204" pitchFamily="18" charset="0"/>
+                                  </a:rPr>
+                                </m:ctrlPr>
+                              </m:sSubPr>
+                              <m:e>
+                                <m:r>
+                                  <a:rPr lang="en-GB" sz="4800" b="1" i="1">
+                                    <a:solidFill>
+                                      <a:schemeClr val="tx1">
+                                        <a:lumMod val="50000"/>
+                                      </a:schemeClr>
+                                    </a:solidFill>
+                                    <a:latin typeface="Cambria Math" panose="02040503050406030204" pitchFamily="18" charset="0"/>
+                                    <a:ea typeface="Cambria Math" panose="02040503050406030204" pitchFamily="18" charset="0"/>
+                                  </a:rPr>
+                                  <m:t>𝓐</m:t>
+                                </m:r>
+                              </m:e>
+                              <m:sub>
+                                <m:r>
+                                  <a:rPr lang="en-GB" sz="4800" b="1" i="1">
+                                    <a:solidFill>
+                                      <a:schemeClr val="tx1">
+                                        <a:lumMod val="50000"/>
+                                      </a:schemeClr>
+                                    </a:solidFill>
+                                    <a:latin typeface="Cambria Math" panose="02040503050406030204" pitchFamily="18" charset="0"/>
+                                    <a:ea typeface="Cambria Math" panose="02040503050406030204" pitchFamily="18" charset="0"/>
+                                  </a:rPr>
+                                  <m:t>𝑮</m:t>
+                                </m:r>
+                                <m:r>
+                                  <a:rPr lang="en-GB" sz="4800" b="1" i="1" smtClean="0">
+                                    <a:solidFill>
+                                      <a:schemeClr val="tx1">
+                                        <a:lumMod val="50000"/>
+                                      </a:schemeClr>
+                                    </a:solidFill>
+                                    <a:latin typeface="Cambria Math" panose="02040503050406030204" pitchFamily="18" charset="0"/>
+                                    <a:ea typeface="Cambria Math" panose="02040503050406030204" pitchFamily="18" charset="0"/>
+                                  </a:rPr>
+                                  <m:t>𝑹𝑨𝑪𝑬</m:t>
+                                </m:r>
+                              </m:sub>
+                            </m:sSub>
+                          </m:oMath>
+                        </m:oMathPara>
+                      </a14:m>
+                      <a:endParaRPr lang="en-GB" sz="4800" b="1" dirty="0">
+                        <a:solidFill>
+                          <a:schemeClr val="tx1">
+                            <a:lumMod val="50000"/>
+                          </a:schemeClr>
+                        </a:solidFill>
+                        <a:latin typeface="Cambria Math" panose="02040503050406030204" pitchFamily="18" charset="0"/>
+                        <a:ea typeface="Cambria Math" panose="02040503050406030204" pitchFamily="18" charset="0"/>
+                        <a:cs typeface="+mn-cs"/>
+                      </a:endParaRPr>
+                    </a:p>
+                  </p:txBody>
+                </p:sp>
+              </mc:Choice>
+              <mc:Fallback xmlns="">
+                <p:sp>
+                  <p:nvSpPr>
+                    <p:cNvPr id="15" name="Rectangle 14"/>
+                    <p:cNvSpPr>
+                      <a:spLocks noRot="1" noChangeAspect="1" noMove="1" noResize="1" noEditPoints="1" noAdjustHandles="1" noChangeArrowheads="1" noChangeShapeType="1" noTextEdit="1"/>
+                    </p:cNvSpPr>
+                    <p:nvPr/>
+                  </p:nvSpPr>
+                  <p:spPr>
+                    <a:xfrm>
+                      <a:off x="14703448" y="27744563"/>
+                      <a:ext cx="3376806" cy="1377861"/>
+                    </a:xfrm>
+                    <a:prstGeom prst="rect">
+                      <a:avLst/>
+                    </a:prstGeom>
+                    <a:blipFill rotWithShape="0">
+                      <a:blip r:embed="rId18"/>
+                      <a:stretch>
+                        <a:fillRect/>
+                      </a:stretch>
+                    </a:blipFill>
+                    <a:ln w="38100">
+                      <a:solidFill>
+                        <a:schemeClr val="tx1">
+                          <a:lumMod val="50000"/>
+                        </a:schemeClr>
+                      </a:solidFill>
+                    </a:ln>
+                    <a:effectLst>
+                      <a:outerShdw blurRad="190500" dist="228600" dir="2700000" algn="ctr">
+                        <a:srgbClr val="000000">
+                          <a:alpha val="30000"/>
+                        </a:srgbClr>
+                      </a:outerShdw>
+                    </a:effectLst>
+                  </p:spPr>
+                  <p:txBody>
+                    <a:bodyPr/>
+                    <a:lstStyle/>
+                    <a:p>
+                      <a:r>
+                        <a:rPr lang="en-GB">
+                          <a:noFill/>
+                        </a:rPr>
+                        <a:t> </a:t>
+                      </a:r>
+                    </a:p>
+                  </p:txBody>
+                </p:sp>
+              </mc:Fallback>
+            </mc:AlternateContent>
+            <mc:AlternateContent xmlns:mc="http://schemas.openxmlformats.org/markup-compatibility/2006" xmlns:a14="http://schemas.microsoft.com/office/drawing/2010/main">
+              <mc:Choice Requires="a14">
+                <p:sp>
+                  <p:nvSpPr>
+                    <p:cNvPr id="16" name="Oval 15"/>
+                    <p:cNvSpPr/>
+                    <p:nvPr/>
+                  </p:nvSpPr>
+                  <p:spPr>
+                    <a:xfrm>
+                      <a:off x="14332543" y="22227733"/>
+                      <a:ext cx="4032448" cy="3816424"/>
+                    </a:xfrm>
+                    <a:prstGeom prst="ellipse">
+                      <a:avLst/>
+                    </a:prstGeom>
+                    <a:grpFill/>
+                    <a:ln w="38100">
+                      <a:solidFill>
+                        <a:schemeClr val="tx1">
+                          <a:lumMod val="50000"/>
+                        </a:schemeClr>
+                      </a:solidFill>
+                    </a:ln>
+                    <a:effectLst>
+                      <a:outerShdw blurRad="190500" dist="228600" dir="2700000" algn="ctr">
+                        <a:srgbClr val="000000">
+                          <a:alpha val="30000"/>
+                        </a:srgbClr>
+                      </a:outerShdw>
+                    </a:effectLst>
+                  </p:spPr>
+                  <p:txBody>
+                    <a:bodyPr lIns="288000" tIns="180000" rIns="252000" bIns="144000" spcCol="360000" rtlCol="0" anchor="ctr"/>
+                    <a:lstStyle/>
+                    <a:p>
+                      <a:pPr algn="ctr">
+                        <a:spcBef>
+                          <a:spcPts val="0"/>
+                        </a:spcBef>
+                      </a:pPr>
+                      <a14:m>
+                        <m:oMathPara xmlns:m="http://schemas.openxmlformats.org/officeDocument/2006/math">
+                          <m:oMathParaPr>
+                            <m:jc m:val="centerGroup"/>
+                          </m:oMathParaPr>
+                          <m:oMath xmlns:m="http://schemas.openxmlformats.org/officeDocument/2006/math">
+                            <m:sSub>
+                              <m:sSubPr>
+                                <m:ctrlPr>
+                                  <a:rPr lang="en-GB" sz="4800" b="1" i="1" dirty="0" smtClean="0">
+                                    <a:solidFill>
+                                      <a:schemeClr val="tx1">
+                                        <a:lumMod val="50000"/>
+                                      </a:schemeClr>
+                                    </a:solidFill>
+                                    <a:latin typeface="Cambria Math" panose="02040503050406030204" pitchFamily="18" charset="0"/>
+                                    <a:ea typeface="Cambria Math" panose="02040503050406030204" pitchFamily="18" charset="0"/>
+                                  </a:rPr>
+                                </m:ctrlPr>
+                              </m:sSubPr>
+                              <m:e>
+                                <m:r>
+                                  <a:rPr lang="en-GB" sz="4800" b="1" i="1" dirty="0" smtClean="0">
+                                    <a:solidFill>
+                                      <a:schemeClr val="tx1">
+                                        <a:lumMod val="50000"/>
+                                      </a:schemeClr>
+                                    </a:solidFill>
+                                    <a:latin typeface="Cambria Math" panose="02040503050406030204" pitchFamily="18" charset="0"/>
+                                    <a:ea typeface="Cambria Math" panose="02040503050406030204" pitchFamily="18" charset="0"/>
+                                  </a:rPr>
+                                  <m:t>𝒙</m:t>
+                                </m:r>
+                              </m:e>
+                              <m:sub>
+                                <m:r>
+                                  <a:rPr lang="en-GB" sz="4800" b="1" i="1" dirty="0" smtClean="0">
+                                    <a:solidFill>
+                                      <a:schemeClr val="tx1">
+                                        <a:lumMod val="50000"/>
+                                      </a:schemeClr>
+                                    </a:solidFill>
+                                    <a:latin typeface="Cambria Math" panose="02040503050406030204" pitchFamily="18" charset="0"/>
+                                    <a:ea typeface="Cambria Math" panose="02040503050406030204" pitchFamily="18" charset="0"/>
+                                  </a:rPr>
+                                  <m:t>𝑮𝑰𝑨</m:t>
+                                </m:r>
+                                <m:r>
+                                  <a:rPr lang="en-GB" sz="4800" b="1" i="1" dirty="0" smtClean="0">
+                                    <a:solidFill>
+                                      <a:schemeClr val="tx1">
+                                        <a:lumMod val="50000"/>
+                                      </a:schemeClr>
+                                    </a:solidFill>
+                                    <a:latin typeface="Cambria Math" panose="02040503050406030204" pitchFamily="18" charset="0"/>
+                                    <a:ea typeface="Cambria Math" panose="02040503050406030204" pitchFamily="18" charset="0"/>
+                                  </a:rPr>
+                                  <m:t>−</m:t>
+                                </m:r>
+                                <m:r>
+                                  <a:rPr lang="en-GB" sz="4800" b="1" i="1" dirty="0" smtClean="0">
+                                    <a:solidFill>
+                                      <a:schemeClr val="tx1">
+                                        <a:lumMod val="50000"/>
+                                      </a:schemeClr>
+                                    </a:solidFill>
+                                    <a:latin typeface="Cambria Math" panose="02040503050406030204" pitchFamily="18" charset="0"/>
+                                    <a:ea typeface="Cambria Math" panose="02040503050406030204" pitchFamily="18" charset="0"/>
+                                  </a:rPr>
+                                  <m:t>𝑮𝑹𝑨𝑪𝑬</m:t>
+                                </m:r>
+                              </m:sub>
+                            </m:sSub>
+                          </m:oMath>
+                        </m:oMathPara>
+                      </a14:m>
+                      <a:endParaRPr lang="en-GB" sz="4800" b="1" dirty="0">
+                        <a:solidFill>
+                          <a:schemeClr val="tx1">
+                            <a:lumMod val="50000"/>
+                          </a:schemeClr>
+                        </a:solidFill>
+                        <a:latin typeface="Cambria Math" panose="02040503050406030204" pitchFamily="18" charset="0"/>
+                        <a:ea typeface="Cambria Math" panose="02040503050406030204" pitchFamily="18" charset="0"/>
+                        <a:cs typeface="+mn-cs"/>
+                      </a:endParaRPr>
+                    </a:p>
+                  </p:txBody>
+                </p:sp>
+              </mc:Choice>
+              <mc:Fallback xmlns="">
+                <p:sp>
+                  <p:nvSpPr>
+                    <p:cNvPr id="16" name="Oval 15"/>
+                    <p:cNvSpPr>
+                      <a:spLocks noRot="1" noChangeAspect="1" noMove="1" noResize="1" noEditPoints="1" noAdjustHandles="1" noChangeArrowheads="1" noChangeShapeType="1" noTextEdit="1"/>
+                    </p:cNvSpPr>
+                    <p:nvPr/>
+                  </p:nvSpPr>
+                  <p:spPr>
+                    <a:xfrm>
+                      <a:off x="14332543" y="22227733"/>
+                      <a:ext cx="4032448" cy="3816424"/>
+                    </a:xfrm>
+                    <a:prstGeom prst="ellipse">
+                      <a:avLst/>
+                    </a:prstGeom>
+                    <a:blipFill rotWithShape="0">
+                      <a:blip r:embed="rId19"/>
+                      <a:stretch>
+                        <a:fillRect/>
+                      </a:stretch>
+                    </a:blipFill>
+                    <a:ln w="38100">
+                      <a:solidFill>
+                        <a:schemeClr val="tx1">
+                          <a:lumMod val="50000"/>
+                        </a:schemeClr>
+                      </a:solidFill>
+                    </a:ln>
+                    <a:effectLst>
+                      <a:outerShdw blurRad="190500" dist="228600" dir="2700000" algn="ctr">
+                        <a:srgbClr val="000000">
+                          <a:alpha val="30000"/>
+                        </a:srgbClr>
+                      </a:outerShdw>
+                    </a:effectLst>
+                  </p:spPr>
+                  <p:txBody>
+                    <a:bodyPr/>
+                    <a:lstStyle/>
+                    <a:p>
+                      <a:r>
+                        <a:rPr lang="en-GB">
+                          <a:noFill/>
+                        </a:rPr>
+                        <a:t> </a:t>
+                      </a:r>
+                    </a:p>
+                  </p:txBody>
+                </p:sp>
+              </mc:Fallback>
+            </mc:AlternateContent>
+            <mc:AlternateContent xmlns:mc="http://schemas.openxmlformats.org/markup-compatibility/2006" xmlns:a14="http://schemas.microsoft.com/office/drawing/2010/main">
+              <mc:Choice Requires="a14">
+                <p:sp>
+                  <p:nvSpPr>
+                    <p:cNvPr id="17" name="Rectangle 16"/>
+                    <p:cNvSpPr/>
+                    <p:nvPr/>
+                  </p:nvSpPr>
+                  <p:spPr>
+                    <a:xfrm>
+                      <a:off x="22700406" y="24538443"/>
+                      <a:ext cx="3052120" cy="1449536"/>
+                    </a:xfrm>
+                    <a:prstGeom prst="rect">
+                      <a:avLst/>
+                    </a:prstGeom>
+                    <a:grpFill/>
+                    <a:ln w="38100">
+                      <a:solidFill>
+                        <a:schemeClr val="tx1">
+                          <a:lumMod val="50000"/>
+                        </a:schemeClr>
+                      </a:solidFill>
+                    </a:ln>
+                    <a:effectLst>
+                      <a:outerShdw blurRad="190500" dist="228600" dir="2700000" algn="ctr">
+                        <a:srgbClr val="000000">
+                          <a:alpha val="30000"/>
+                        </a:srgbClr>
+                      </a:outerShdw>
+                    </a:effectLst>
+                  </p:spPr>
+                  <p:txBody>
+                    <a:bodyPr lIns="288000" tIns="180000" rIns="252000" bIns="144000" spcCol="360000" rtlCol="0" anchor="ctr"/>
+                    <a:lstStyle/>
+                    <a:p>
+                      <a:pPr algn="ctr">
+                        <a:spcBef>
+                          <a:spcPts val="0"/>
+                        </a:spcBef>
+                      </a:pPr>
+                      <a14:m>
+                        <m:oMathPara xmlns:m="http://schemas.openxmlformats.org/officeDocument/2006/math">
+                          <m:oMathParaPr>
+                            <m:jc m:val="centerGroup"/>
+                          </m:oMathParaPr>
+                          <m:oMath xmlns:m="http://schemas.openxmlformats.org/officeDocument/2006/math">
+                            <m:sSub>
+                              <m:sSubPr>
+                                <m:ctrlPr>
+                                  <a:rPr lang="en-GB" sz="4800" b="1" i="1" smtClean="0">
+                                    <a:solidFill>
+                                      <a:schemeClr val="tx1">
+                                        <a:lumMod val="50000"/>
+                                      </a:schemeClr>
+                                    </a:solidFill>
+                                    <a:latin typeface="Cambria Math" panose="02040503050406030204" pitchFamily="18" charset="0"/>
+                                    <a:ea typeface="Cambria Math" panose="02040503050406030204" pitchFamily="18" charset="0"/>
+                                  </a:rPr>
+                                </m:ctrlPr>
+                              </m:sSubPr>
+                              <m:e>
+                                <m:r>
+                                  <a:rPr lang="en-GB" sz="4800" b="1" i="1">
+                                    <a:solidFill>
+                                      <a:schemeClr val="tx1">
+                                        <a:lumMod val="50000"/>
+                                      </a:schemeClr>
+                                    </a:solidFill>
+                                    <a:latin typeface="Cambria Math" panose="02040503050406030204" pitchFamily="18" charset="0"/>
+                                    <a:ea typeface="Cambria Math" panose="02040503050406030204" pitchFamily="18" charset="0"/>
+                                  </a:rPr>
+                                  <m:t>𝝁</m:t>
+                                </m:r>
+                              </m:e>
+                              <m:sub>
+                                <m:r>
+                                  <a:rPr lang="en-GB" sz="4800" b="1" i="1" smtClean="0">
+                                    <a:solidFill>
+                                      <a:schemeClr val="tx1">
+                                        <a:lumMod val="50000"/>
+                                      </a:schemeClr>
+                                    </a:solidFill>
+                                    <a:latin typeface="Cambria Math" panose="02040503050406030204" pitchFamily="18" charset="0"/>
+                                    <a:ea typeface="Cambria Math" panose="02040503050406030204" pitchFamily="18" charset="0"/>
+                                  </a:rPr>
+                                  <m:t>𝑮𝑰𝑨</m:t>
+                                </m:r>
+                              </m:sub>
+                            </m:sSub>
+                          </m:oMath>
+                        </m:oMathPara>
+                      </a14:m>
+                      <a:endParaRPr lang="en-GB" sz="4800" b="1" dirty="0">
+                        <a:solidFill>
+                          <a:schemeClr val="tx1">
+                            <a:lumMod val="50000"/>
+                          </a:schemeClr>
+                        </a:solidFill>
+                        <a:latin typeface="Cambria Math" panose="02040503050406030204" pitchFamily="18" charset="0"/>
+                        <a:ea typeface="Cambria Math" panose="02040503050406030204" pitchFamily="18" charset="0"/>
+                        <a:cs typeface="+mn-cs"/>
+                      </a:endParaRPr>
+                    </a:p>
+                  </p:txBody>
+                </p:sp>
+              </mc:Choice>
+              <mc:Fallback xmlns="">
+                <p:sp>
+                  <p:nvSpPr>
+                    <p:cNvPr id="17" name="Rectangle 16"/>
+                    <p:cNvSpPr>
+                      <a:spLocks noRot="1" noChangeAspect="1" noMove="1" noResize="1" noEditPoints="1" noAdjustHandles="1" noChangeArrowheads="1" noChangeShapeType="1" noTextEdit="1"/>
+                    </p:cNvSpPr>
+                    <p:nvPr/>
+                  </p:nvSpPr>
+                  <p:spPr>
+                    <a:xfrm>
+                      <a:off x="22700406" y="24538443"/>
+                      <a:ext cx="3052120" cy="1449536"/>
+                    </a:xfrm>
+                    <a:prstGeom prst="rect">
+                      <a:avLst/>
+                    </a:prstGeom>
+                    <a:blipFill rotWithShape="0">
+                      <a:blip r:embed="rId20"/>
+                      <a:stretch>
+                        <a:fillRect/>
+                      </a:stretch>
+                    </a:blipFill>
+                    <a:ln w="38100">
+                      <a:solidFill>
+                        <a:schemeClr val="tx1">
+                          <a:lumMod val="50000"/>
+                        </a:schemeClr>
+                      </a:solidFill>
+                    </a:ln>
+                    <a:effectLst>
+                      <a:outerShdw blurRad="190500" dist="228600" dir="2700000" algn="ctr">
+                        <a:srgbClr val="000000">
+                          <a:alpha val="30000"/>
+                        </a:srgbClr>
+                      </a:outerShdw>
+                    </a:effectLst>
+                  </p:spPr>
+                  <p:txBody>
+                    <a:bodyPr/>
+                    <a:lstStyle/>
+                    <a:p>
+                      <a:r>
+                        <a:rPr lang="en-GB">
+                          <a:noFill/>
+                        </a:rPr>
+                        <a:t> </a:t>
+                      </a:r>
+                    </a:p>
+                  </p:txBody>
+                </p:sp>
+              </mc:Fallback>
+            </mc:AlternateContent>
+            <mc:AlternateContent xmlns:mc="http://schemas.openxmlformats.org/markup-compatibility/2006" xmlns:a14="http://schemas.microsoft.com/office/drawing/2010/main">
+              <mc:Choice Requires="a14">
+                <p:sp>
+                  <p:nvSpPr>
+                    <p:cNvPr id="18" name="Rectangle 17"/>
+                    <p:cNvSpPr/>
+                    <p:nvPr/>
+                  </p:nvSpPr>
+                  <p:spPr>
+                    <a:xfrm>
+                      <a:off x="20159645" y="12594308"/>
+                      <a:ext cx="3052120" cy="1447424"/>
+                    </a:xfrm>
+                    <a:prstGeom prst="rect">
+                      <a:avLst/>
+                    </a:prstGeom>
+                    <a:grpFill/>
+                    <a:ln w="38100">
+                      <a:solidFill>
+                        <a:schemeClr val="tx1">
+                          <a:lumMod val="50000"/>
+                        </a:schemeClr>
+                      </a:solidFill>
+                    </a:ln>
+                    <a:effectLst>
+                      <a:outerShdw blurRad="190500" dist="228600" dir="2700000" algn="ctr">
+                        <a:srgbClr val="000000">
+                          <a:alpha val="30000"/>
+                        </a:srgbClr>
+                      </a:outerShdw>
+                    </a:effectLst>
+                  </p:spPr>
+                  <p:txBody>
+                    <a:bodyPr lIns="288000" tIns="180000" rIns="252000" bIns="144000" spcCol="360000" rtlCol="0" anchor="ctr"/>
+                    <a:lstStyle/>
+                    <a:p>
+                      <a:pPr algn="ctr">
+                        <a:spcBef>
+                          <a:spcPts val="0"/>
+                        </a:spcBef>
+                      </a:pPr>
+                      <a14:m>
+                        <m:oMathPara xmlns:m="http://schemas.openxmlformats.org/officeDocument/2006/math">
+                          <m:oMathParaPr>
+                            <m:jc m:val="centerGroup"/>
+                          </m:oMathParaPr>
+                          <m:oMath xmlns:m="http://schemas.openxmlformats.org/officeDocument/2006/math">
+                            <m:sSub>
+                              <m:sSubPr>
+                                <m:ctrlPr>
+                                  <a:rPr lang="en-GB" sz="4800" b="1" i="1" smtClean="0">
+                                    <a:solidFill>
+                                      <a:schemeClr val="tx1">
+                                        <a:lumMod val="50000"/>
+                                      </a:schemeClr>
+                                    </a:solidFill>
+                                    <a:latin typeface="Cambria Math" panose="02040503050406030204" pitchFamily="18" charset="0"/>
+                                    <a:ea typeface="Cambria Math" panose="02040503050406030204" pitchFamily="18" charset="0"/>
+                                  </a:rPr>
+                                </m:ctrlPr>
+                              </m:sSubPr>
+                              <m:e>
+                                <m:r>
+                                  <a:rPr lang="en-GB" sz="4800" b="1" i="1">
+                                    <a:solidFill>
+                                      <a:schemeClr val="tx1">
+                                        <a:lumMod val="50000"/>
+                                      </a:schemeClr>
+                                    </a:solidFill>
+                                    <a:latin typeface="Cambria Math" panose="02040503050406030204" pitchFamily="18" charset="0"/>
+                                    <a:ea typeface="Cambria Math" panose="02040503050406030204" pitchFamily="18" charset="0"/>
+                                  </a:rPr>
+                                  <m:t>𝝁</m:t>
+                                </m:r>
+                              </m:e>
+                              <m:sub>
+                                <m:r>
+                                  <a:rPr lang="en-GB" sz="4800" b="1" i="1" smtClean="0">
+                                    <a:solidFill>
+                                      <a:schemeClr val="tx1">
+                                        <a:lumMod val="50000"/>
+                                      </a:schemeClr>
+                                    </a:solidFill>
+                                    <a:latin typeface="Cambria Math" panose="02040503050406030204" pitchFamily="18" charset="0"/>
+                                    <a:ea typeface="Cambria Math" panose="02040503050406030204" pitchFamily="18" charset="0"/>
+                                  </a:rPr>
+                                  <m:t>𝜽</m:t>
+                                </m:r>
+                              </m:sub>
+                            </m:sSub>
+                          </m:oMath>
+                        </m:oMathPara>
+                      </a14:m>
+                      <a:endParaRPr lang="en-GB" sz="4800" b="1" dirty="0">
+                        <a:solidFill>
+                          <a:schemeClr val="tx1">
+                            <a:lumMod val="50000"/>
+                          </a:schemeClr>
+                        </a:solidFill>
+                        <a:latin typeface="Cambria Math" panose="02040503050406030204" pitchFamily="18" charset="0"/>
+                        <a:ea typeface="Cambria Math" panose="02040503050406030204" pitchFamily="18" charset="0"/>
+                        <a:cs typeface="+mn-cs"/>
+                      </a:endParaRPr>
+                    </a:p>
+                  </p:txBody>
+                </p:sp>
+              </mc:Choice>
+              <mc:Fallback xmlns="">
+                <p:sp>
+                  <p:nvSpPr>
+                    <p:cNvPr id="18" name="Rectangle 17"/>
+                    <p:cNvSpPr>
+                      <a:spLocks noRot="1" noChangeAspect="1" noMove="1" noResize="1" noEditPoints="1" noAdjustHandles="1" noChangeArrowheads="1" noChangeShapeType="1" noTextEdit="1"/>
+                    </p:cNvSpPr>
+                    <p:nvPr/>
+                  </p:nvSpPr>
+                  <p:spPr>
+                    <a:xfrm>
+                      <a:off x="20159645" y="12594308"/>
+                      <a:ext cx="3052120" cy="1447424"/>
+                    </a:xfrm>
+                    <a:prstGeom prst="rect">
+                      <a:avLst/>
+                    </a:prstGeom>
+                    <a:blipFill rotWithShape="0">
+                      <a:blip r:embed="rId21"/>
+                      <a:stretch>
+                        <a:fillRect/>
+                      </a:stretch>
+                    </a:blipFill>
+                    <a:ln w="38100">
+                      <a:solidFill>
+                        <a:schemeClr val="tx1">
+                          <a:lumMod val="50000"/>
+                        </a:schemeClr>
+                      </a:solidFill>
+                    </a:ln>
+                    <a:effectLst>
+                      <a:outerShdw blurRad="190500" dist="228600" dir="2700000" algn="ctr">
+                        <a:srgbClr val="000000">
+                          <a:alpha val="30000"/>
+                        </a:srgbClr>
+                      </a:outerShdw>
+                    </a:effectLst>
+                  </p:spPr>
+                  <p:txBody>
+                    <a:bodyPr/>
+                    <a:lstStyle/>
+                    <a:p>
+                      <a:r>
+                        <a:rPr lang="en-GB">
+                          <a:noFill/>
+                        </a:rPr>
+                        <a:t> </a:t>
+                      </a:r>
+                    </a:p>
+                  </p:txBody>
+                </p:sp>
+              </mc:Fallback>
+            </mc:AlternateContent>
+            <mc:AlternateContent xmlns:mc="http://schemas.openxmlformats.org/markup-compatibility/2006" xmlns:a14="http://schemas.microsoft.com/office/drawing/2010/main">
+              <mc:Choice Requires="a14">
+                <p:sp>
+                  <p:nvSpPr>
+                    <p:cNvPr id="19" name="Rectangle 18"/>
+                    <p:cNvSpPr/>
+                    <p:nvPr/>
+                  </p:nvSpPr>
+                  <p:spPr>
+                    <a:xfrm>
+                      <a:off x="24739810" y="16136272"/>
+                      <a:ext cx="2881653" cy="1417822"/>
+                    </a:xfrm>
+                    <a:prstGeom prst="rect">
+                      <a:avLst/>
+                    </a:prstGeom>
+                    <a:grpFill/>
+                    <a:ln w="38100">
+                      <a:solidFill>
+                        <a:schemeClr val="tx1">
+                          <a:lumMod val="50000"/>
+                        </a:schemeClr>
+                      </a:solidFill>
+                    </a:ln>
+                    <a:effectLst>
+                      <a:outerShdw blurRad="190500" dist="228600" dir="2700000" algn="ctr">
+                        <a:srgbClr val="000000">
+                          <a:alpha val="30000"/>
+                        </a:srgbClr>
+                      </a:outerShdw>
+                    </a:effectLst>
+                  </p:spPr>
+                  <p:txBody>
+                    <a:bodyPr lIns="288000" tIns="180000" rIns="252000" bIns="144000" spcCol="360000" rtlCol="0" anchor="ctr"/>
+                    <a:lstStyle/>
+                    <a:p>
+                      <a:pPr algn="ctr">
+                        <a:spcBef>
+                          <a:spcPts val="0"/>
+                        </a:spcBef>
+                      </a:pPr>
+                      <a14:m>
+                        <m:oMathPara xmlns:m="http://schemas.openxmlformats.org/officeDocument/2006/math">
+                          <m:oMathParaPr>
+                            <m:jc m:val="centerGroup"/>
+                          </m:oMathParaPr>
+                          <m:oMath xmlns:m="http://schemas.openxmlformats.org/officeDocument/2006/math">
+                            <m:sSubSup>
+                              <m:sSubSupPr>
+                                <m:ctrlPr>
+                                  <a:rPr lang="en-GB" sz="4800" b="1" i="1" smtClean="0">
+                                    <a:solidFill>
+                                      <a:schemeClr val="tx1">
+                                        <a:lumMod val="50000"/>
+                                      </a:schemeClr>
+                                    </a:solidFill>
+                                    <a:latin typeface="Cambria Math" panose="02040503050406030204" pitchFamily="18" charset="0"/>
+                                    <a:ea typeface="Cambria Math" panose="02040503050406030204" pitchFamily="18" charset="0"/>
+                                  </a:rPr>
+                                </m:ctrlPr>
+                              </m:sSubSupPr>
+                              <m:e>
+                                <m:r>
+                                  <a:rPr lang="en-GB" sz="4800" b="1" i="1">
+                                    <a:solidFill>
+                                      <a:schemeClr val="tx1">
+                                        <a:lumMod val="50000"/>
+                                      </a:schemeClr>
+                                    </a:solidFill>
+                                    <a:latin typeface="Cambria Math" panose="02040503050406030204" pitchFamily="18" charset="0"/>
+                                    <a:ea typeface="Cambria Math" panose="02040503050406030204" pitchFamily="18" charset="0"/>
+                                  </a:rPr>
+                                  <m:t>𝝈</m:t>
+                                </m:r>
+                              </m:e>
+                              <m:sub>
+                                <m:r>
+                                  <a:rPr lang="en-GB" sz="4800" b="1" i="1" smtClean="0">
+                                    <a:solidFill>
+                                      <a:schemeClr val="tx1">
+                                        <a:lumMod val="50000"/>
+                                      </a:schemeClr>
+                                    </a:solidFill>
+                                    <a:latin typeface="Cambria Math" panose="02040503050406030204" pitchFamily="18" charset="0"/>
+                                    <a:ea typeface="Cambria Math" panose="02040503050406030204" pitchFamily="18" charset="0"/>
+                                  </a:rPr>
+                                  <m:t>𝜽</m:t>
+                                </m:r>
+                              </m:sub>
+                              <m:sup>
+                                <m:r>
+                                  <a:rPr lang="en-GB" sz="4800" b="1" i="1">
+                                    <a:solidFill>
+                                      <a:schemeClr val="tx1">
+                                        <a:lumMod val="50000"/>
+                                      </a:schemeClr>
+                                    </a:solidFill>
+                                    <a:latin typeface="Cambria Math" panose="02040503050406030204" pitchFamily="18" charset="0"/>
+                                    <a:ea typeface="Cambria Math" panose="02040503050406030204" pitchFamily="18" charset="0"/>
+                                  </a:rPr>
+                                  <m:t>𝟐</m:t>
+                                </m:r>
+                              </m:sup>
+                            </m:sSubSup>
+                          </m:oMath>
+                        </m:oMathPara>
+                      </a14:m>
+                      <a:endParaRPr lang="en-GB" sz="4800" b="1" dirty="0">
+                        <a:solidFill>
+                          <a:schemeClr val="tx1">
+                            <a:lumMod val="50000"/>
+                          </a:schemeClr>
+                        </a:solidFill>
+                        <a:latin typeface="Cambria Math" panose="02040503050406030204" pitchFamily="18" charset="0"/>
+                        <a:ea typeface="Cambria Math" panose="02040503050406030204" pitchFamily="18" charset="0"/>
+                        <a:cs typeface="+mn-cs"/>
+                      </a:endParaRPr>
+                    </a:p>
+                  </p:txBody>
+                </p:sp>
+              </mc:Choice>
+              <mc:Fallback xmlns="">
+                <p:sp>
+                  <p:nvSpPr>
+                    <p:cNvPr id="19" name="Rectangle 18"/>
+                    <p:cNvSpPr>
+                      <a:spLocks noRot="1" noChangeAspect="1" noMove="1" noResize="1" noEditPoints="1" noAdjustHandles="1" noChangeArrowheads="1" noChangeShapeType="1" noTextEdit="1"/>
+                    </p:cNvSpPr>
+                    <p:nvPr/>
+                  </p:nvSpPr>
+                  <p:spPr>
+                    <a:xfrm>
+                      <a:off x="24739810" y="16136272"/>
+                      <a:ext cx="2881653" cy="1417822"/>
+                    </a:xfrm>
+                    <a:prstGeom prst="rect">
+                      <a:avLst/>
+                    </a:prstGeom>
+                    <a:blipFill rotWithShape="0">
+                      <a:blip r:embed="rId22"/>
+                      <a:stretch>
+                        <a:fillRect/>
+                      </a:stretch>
+                    </a:blipFill>
+                    <a:ln w="38100">
+                      <a:solidFill>
+                        <a:schemeClr val="tx1">
+                          <a:lumMod val="50000"/>
+                        </a:schemeClr>
+                      </a:solidFill>
+                    </a:ln>
+                    <a:effectLst>
+                      <a:outerShdw blurRad="190500" dist="228600" dir="2700000" algn="ctr">
+                        <a:srgbClr val="000000">
+                          <a:alpha val="30000"/>
+                        </a:srgbClr>
+                      </a:outerShdw>
+                    </a:effectLst>
+                  </p:spPr>
+                  <p:txBody>
+                    <a:bodyPr/>
+                    <a:lstStyle/>
+                    <a:p>
+                      <a:r>
+                        <a:rPr lang="en-GB">
+                          <a:noFill/>
+                        </a:rPr>
+                        <a:t> </a:t>
+                      </a:r>
+                    </a:p>
+                  </p:txBody>
+                </p:sp>
+              </mc:Fallback>
+            </mc:AlternateContent>
+            <p:cxnSp>
+              <p:nvCxnSpPr>
+                <p:cNvPr id="22" name="Straight Arrow Connector 21"/>
+                <p:cNvCxnSpPr>
+                  <a:stCxn id="9" idx="6"/>
+                  <a:endCxn id="19" idx="1"/>
+                </p:cNvCxnSpPr>
                 <p:nvPr/>
-              </p:nvSpPr>
-              <p:spPr>
-                <a:xfrm>
-                  <a:off x="3260218" y="16904437"/>
-                  <a:ext cx="2499314" cy="2304906"/>
+              </p:nvCxnSpPr>
+              <p:spPr bwMode="auto">
+                <a:xfrm flipV="1">
+                  <a:off x="23154013" y="16845183"/>
+                  <a:ext cx="1585797" cy="1"/>
                 </a:xfrm>
-                <a:prstGeom prst="ellipse">
+                <a:prstGeom prst="straightConnector1">
                   <a:avLst/>
                 </a:prstGeom>
-                <a:blipFill rotWithShape="0">
-                  <a:blip r:embed="rId7"/>
-                  <a:stretch>
-                    <a:fillRect/>
-                  </a:stretch>
-                </a:blipFill>
-                <a:ln w="38100">
+                <a:grpFill/>
+                <a:ln w="57150" cap="flat" cmpd="sng" algn="ctr">
                   <a:solidFill>
                     <a:schemeClr val="tx1">
                       <a:lumMod val="50000"/>
                     </a:schemeClr>
                   </a:solidFill>
+                  <a:prstDash val="solid"/>
+                  <a:round/>
+                  <a:headEnd type="triangle" w="lg" len="lg"/>
+                  <a:tailEnd type="none" w="med" len="med"/>
                 </a:ln>
-                <a:effectLst>
-                  <a:outerShdw blurRad="190500" dist="228600" dir="2700000" algn="ctr">
-                    <a:srgbClr val="000000">
-                      <a:alpha val="30000"/>
-                    </a:srgbClr>
-                  </a:outerShdw>
-                </a:effectLst>
+                <a:effectLst/>
               </p:spPr>
-              <p:txBody>
-                <a:bodyPr/>
-                <a:lstStyle/>
-                <a:p>
-                  <a:r>
-                    <a:rPr lang="en-GB">
-                      <a:noFill/>
-                    </a:rPr>
-                    <a:t> </a:t>
-                  </a:r>
-                </a:p>
-              </p:txBody>
-            </p:sp>
-          </mc:Fallback>
-        </mc:AlternateContent>
-        <mc:AlternateContent xmlns:mc="http://schemas.openxmlformats.org/markup-compatibility/2006" xmlns:a14="http://schemas.microsoft.com/office/drawing/2010/main">
-          <mc:Choice Requires="a14">
-            <p:sp>
-              <p:nvSpPr>
-                <p:cNvPr id="9" name="Oval 8"/>
-                <p:cNvSpPr/>
+            </p:cxnSp>
+            <p:cxnSp>
+              <p:nvCxnSpPr>
+                <p:cNvPr id="28" name="Straight Arrow Connector 27"/>
+                <p:cNvCxnSpPr>
+                  <a:stCxn id="18" idx="2"/>
+                  <a:endCxn id="9" idx="0"/>
+                </p:cNvCxnSpPr>
                 <p:nvPr/>
-              </p:nvSpPr>
-              <p:spPr>
+              </p:nvCxnSpPr>
+              <p:spPr bwMode="auto">
                 <a:xfrm>
-                  <a:off x="20217397" y="15492441"/>
-                  <a:ext cx="2936616" cy="2705485"/>
+                  <a:off x="21685705" y="14041732"/>
+                  <a:ext cx="0" cy="1450709"/>
                 </a:xfrm>
-                <a:prstGeom prst="ellipse">
+                <a:prstGeom prst="straightConnector1">
                   <a:avLst/>
                 </a:prstGeom>
-                <a:solidFill>
-                  <a:schemeClr val="accent1">
-                    <a:lumMod val="75000"/>
-                  </a:schemeClr>
-                </a:solidFill>
-                <a:ln w="38100">
+                <a:grpFill/>
+                <a:ln w="57150" cap="flat" cmpd="sng" algn="ctr">
                   <a:solidFill>
                     <a:schemeClr val="tx1">
                       <a:lumMod val="50000"/>
                     </a:schemeClr>
                   </a:solidFill>
+                  <a:prstDash val="solid"/>
+                  <a:round/>
+                  <a:headEnd type="none" w="lg" len="lg"/>
+                  <a:tailEnd type="triangle" w="lg" len="lg"/>
                 </a:ln>
-                <a:effectLst>
-                  <a:outerShdw blurRad="190500" dist="228600" dir="2700000" algn="ctr">
-                    <a:srgbClr val="000000">
-                      <a:alpha val="30000"/>
-                    </a:srgbClr>
-                  </a:outerShdw>
-                </a:effectLst>
+                <a:effectLst/>
               </p:spPr>
-              <p:txBody>
-                <a:bodyPr lIns="288000" tIns="180000" rIns="252000" bIns="144000" spcCol="360000" rtlCol="0" anchor="ctr"/>
-                <a:lstStyle/>
-                <a:p>
-                  <a:pPr algn="ctr">
-                    <a:spcBef>
-                      <a:spcPts val="0"/>
-                    </a:spcBef>
-                  </a:pPr>
-                  <a14:m>
-                    <m:oMathPara xmlns:m="http://schemas.openxmlformats.org/officeDocument/2006/math">
-                      <m:oMathParaPr>
-                        <m:jc m:val="centerGroup"/>
-                      </m:oMathParaPr>
-                      <m:oMath xmlns:m="http://schemas.openxmlformats.org/officeDocument/2006/math">
-                        <m:r>
-                          <a:rPr lang="en-GB" sz="4800" b="1" i="1" smtClean="0">
-                            <a:solidFill>
-                              <a:schemeClr val="tx1">
-                                <a:lumMod val="50000"/>
-                              </a:schemeClr>
-                            </a:solidFill>
-                            <a:latin typeface="Cambria Math" panose="02040503050406030204" pitchFamily="18" charset="0"/>
-                            <a:ea typeface="Cambria Math" panose="02040503050406030204" pitchFamily="18" charset="0"/>
-                            <a:cs typeface="+mn-cs"/>
-                          </a:rPr>
-                          <m:t>𝜽</m:t>
-                        </m:r>
-                      </m:oMath>
-                    </m:oMathPara>
-                  </a14:m>
-                  <a:endParaRPr lang="en-GB" sz="4800" b="1" dirty="0">
-                    <a:solidFill>
-                      <a:schemeClr val="tx1">
-                        <a:lumMod val="50000"/>
-                      </a:schemeClr>
-                    </a:solidFill>
-                    <a:latin typeface="Cambria Math" panose="02040503050406030204" pitchFamily="18" charset="0"/>
-                    <a:ea typeface="Cambria Math" panose="02040503050406030204" pitchFamily="18" charset="0"/>
-                    <a:cs typeface="+mn-cs"/>
-                  </a:endParaRPr>
-                </a:p>
-              </p:txBody>
-            </p:sp>
-          </mc:Choice>
-          <mc:Fallback xmlns="">
-            <p:sp>
-              <p:nvSpPr>
-                <p:cNvPr id="9" name="Oval 8"/>
-                <p:cNvSpPr>
-                  <a:spLocks noRot="1" noChangeAspect="1" noMove="1" noResize="1" noEditPoints="1" noAdjustHandles="1" noChangeArrowheads="1" noChangeShapeType="1" noTextEdit="1"/>
-                </p:cNvSpPr>
+            </p:cxnSp>
+            <p:cxnSp>
+              <p:nvCxnSpPr>
+                <p:cNvPr id="33" name="Straight Arrow Connector 32"/>
+                <p:cNvCxnSpPr>
+                  <a:stCxn id="6" idx="5"/>
+                  <a:endCxn id="17" idx="0"/>
+                </p:cNvCxnSpPr>
                 <p:nvPr/>
-              </p:nvSpPr>
-              <p:spPr>
+              </p:nvCxnSpPr>
+              <p:spPr bwMode="auto">
                 <a:xfrm>
-                  <a:off x="20217397" y="15492441"/>
-                  <a:ext cx="2936616" cy="2705485"/>
+                  <a:off x="23111391" y="22808190"/>
+                  <a:ext cx="1115075" cy="1730253"/>
                 </a:xfrm>
-                <a:prstGeom prst="ellipse">
+                <a:prstGeom prst="straightConnector1">
                   <a:avLst/>
                 </a:prstGeom>
-                <a:blipFill rotWithShape="0">
-                  <a:blip r:embed="rId8"/>
-                  <a:stretch>
-                    <a:fillRect/>
-                  </a:stretch>
-                </a:blipFill>
-                <a:ln w="38100">
+                <a:grpFill/>
+                <a:ln w="57150" cap="flat" cmpd="sng" algn="ctr">
                   <a:solidFill>
                     <a:schemeClr val="tx1">
                       <a:lumMod val="50000"/>
                     </a:schemeClr>
                   </a:solidFill>
+                  <a:prstDash val="solid"/>
+                  <a:round/>
+                  <a:headEnd type="triangle" w="lg" len="lg"/>
+                  <a:tailEnd type="none" w="med" len="med"/>
                 </a:ln>
-                <a:effectLst>
-                  <a:outerShdw blurRad="190500" dist="228600" dir="2700000" algn="ctr">
-                    <a:srgbClr val="000000">
-                      <a:alpha val="30000"/>
-                    </a:srgbClr>
-                  </a:outerShdw>
-                </a:effectLst>
+                <a:effectLst/>
               </p:spPr>
-              <p:txBody>
-                <a:bodyPr/>
-                <a:lstStyle/>
-                <a:p>
-                  <a:r>
-                    <a:rPr lang="en-GB">
-                      <a:noFill/>
-                    </a:rPr>
-                    <a:t> </a:t>
-                  </a:r>
-                </a:p>
-              </p:txBody>
-            </p:sp>
-          </mc:Fallback>
-        </mc:AlternateContent>
-        <mc:AlternateContent xmlns:mc="http://schemas.openxmlformats.org/markup-compatibility/2006" xmlns:a14="http://schemas.microsoft.com/office/drawing/2010/main">
-          <mc:Choice Requires="a14">
-            <p:sp>
-              <p:nvSpPr>
-                <p:cNvPr id="10" name="Rectangle 9"/>
-                <p:cNvSpPr/>
+            </p:cxnSp>
+            <p:cxnSp>
+              <p:nvCxnSpPr>
+                <p:cNvPr id="37" name="Straight Arrow Connector 36"/>
+                <p:cNvCxnSpPr>
+                  <a:stCxn id="6" idx="0"/>
+                  <a:endCxn id="9" idx="4"/>
+                </p:cNvCxnSpPr>
                 <p:nvPr/>
-              </p:nvSpPr>
-              <p:spPr>
-                <a:xfrm>
-                  <a:off x="1525074" y="20755468"/>
-                  <a:ext cx="2616622" cy="1570067"/>
+              </p:nvCxnSpPr>
+              <p:spPr bwMode="auto">
+                <a:xfrm flipV="1">
+                  <a:off x="21685705" y="18197926"/>
+                  <a:ext cx="0" cy="1352742"/>
                 </a:xfrm>
-                <a:prstGeom prst="rect">
+                <a:prstGeom prst="straightConnector1">
                   <a:avLst/>
                 </a:prstGeom>
-                <a:solidFill>
-                  <a:schemeClr val="accent1">
-                    <a:lumMod val="75000"/>
-                  </a:schemeClr>
-                </a:solidFill>
-                <a:ln w="38100">
+                <a:grpFill/>
+                <a:ln w="57150" cap="flat" cmpd="sng" algn="ctr">
                   <a:solidFill>
                     <a:schemeClr val="tx1">
                       <a:lumMod val="50000"/>
                     </a:schemeClr>
                   </a:solidFill>
+                  <a:prstDash val="solid"/>
+                  <a:round/>
+                  <a:headEnd type="triangle" w="lg" len="lg"/>
+                  <a:tailEnd type="none" w="med" len="med"/>
                 </a:ln>
-                <a:effectLst>
-                  <a:outerShdw blurRad="190500" dist="228600" dir="2700000" algn="ctr">
-                    <a:srgbClr val="000000">
-                      <a:alpha val="30000"/>
-                    </a:srgbClr>
-                  </a:outerShdw>
-                </a:effectLst>
+                <a:effectLst/>
               </p:spPr>
-              <p:txBody>
-                <a:bodyPr lIns="288000" tIns="180000" rIns="252000" bIns="144000" spcCol="360000" rtlCol="0" anchor="ctr"/>
-                <a:lstStyle/>
-                <a:p>
-                  <a:pPr algn="ctr">
-                    <a:spcBef>
-                      <a:spcPts val="0"/>
-                    </a:spcBef>
-                  </a:pPr>
-                  <a14:m>
-                    <m:oMathPara xmlns:m="http://schemas.openxmlformats.org/officeDocument/2006/math">
-                      <m:oMathParaPr>
-                        <m:jc m:val="centerGroup"/>
-                      </m:oMathParaPr>
-                      <m:oMath xmlns:m="http://schemas.openxmlformats.org/officeDocument/2006/math">
-                        <m:sSubSup>
-                          <m:sSubSupPr>
-                            <m:ctrlPr>
-                              <a:rPr lang="en-GB" sz="4800" b="1" i="1" smtClean="0">
-                                <a:solidFill>
-                                  <a:schemeClr val="tx1">
-                                    <a:lumMod val="50000"/>
-                                  </a:schemeClr>
-                                </a:solidFill>
-                                <a:latin typeface="Cambria Math" panose="02040503050406030204" pitchFamily="18" charset="0"/>
-                                <a:ea typeface="Cambria Math" panose="02040503050406030204" pitchFamily="18" charset="0"/>
-                                <a:cs typeface="+mn-cs"/>
-                              </a:rPr>
-                            </m:ctrlPr>
-                          </m:sSubSupPr>
-                          <m:e>
-                            <m:r>
-                              <a:rPr lang="en-GB" sz="4800" b="1" i="1" smtClean="0">
-                                <a:solidFill>
-                                  <a:schemeClr val="tx1">
-                                    <a:lumMod val="50000"/>
-                                  </a:schemeClr>
-                                </a:solidFill>
-                                <a:latin typeface="Cambria Math" panose="02040503050406030204" pitchFamily="18" charset="0"/>
-                                <a:ea typeface="Cambria Math" panose="02040503050406030204" pitchFamily="18" charset="0"/>
-                                <a:cs typeface="+mn-cs"/>
-                              </a:rPr>
-                              <m:t>𝝈</m:t>
-                            </m:r>
-                          </m:e>
-                          <m:sub>
-                            <m:r>
-                              <a:rPr lang="en-GB" sz="4800" b="1" i="1" smtClean="0">
-                                <a:solidFill>
-                                  <a:schemeClr val="tx1">
-                                    <a:lumMod val="50000"/>
-                                  </a:schemeClr>
-                                </a:solidFill>
-                                <a:latin typeface="Cambria Math" panose="02040503050406030204" pitchFamily="18" charset="0"/>
-                                <a:ea typeface="Cambria Math" panose="02040503050406030204" pitchFamily="18" charset="0"/>
-                                <a:cs typeface="+mn-cs"/>
-                              </a:rPr>
-                              <m:t>𝜷</m:t>
-                            </m:r>
-                          </m:sub>
-                          <m:sup>
-                            <m:r>
-                              <a:rPr lang="en-GB" sz="4800" b="1" i="1" smtClean="0">
-                                <a:solidFill>
-                                  <a:schemeClr val="tx1">
-                                    <a:lumMod val="50000"/>
-                                  </a:schemeClr>
-                                </a:solidFill>
-                                <a:latin typeface="Cambria Math" panose="02040503050406030204" pitchFamily="18" charset="0"/>
-                                <a:ea typeface="Cambria Math" panose="02040503050406030204" pitchFamily="18" charset="0"/>
-                                <a:cs typeface="+mn-cs"/>
-                              </a:rPr>
-                              <m:t>𝟐</m:t>
-                            </m:r>
-                          </m:sup>
-                        </m:sSubSup>
-                      </m:oMath>
-                    </m:oMathPara>
-                  </a14:m>
-                  <a:endParaRPr lang="en-GB" sz="4800" b="1" dirty="0">
-                    <a:solidFill>
-                      <a:schemeClr val="tx1">
-                        <a:lumMod val="50000"/>
-                      </a:schemeClr>
-                    </a:solidFill>
-                    <a:latin typeface="Cambria Math" panose="02040503050406030204" pitchFamily="18" charset="0"/>
-                    <a:ea typeface="Cambria Math" panose="02040503050406030204" pitchFamily="18" charset="0"/>
-                    <a:cs typeface="+mn-cs"/>
-                  </a:endParaRPr>
-                </a:p>
-              </p:txBody>
-            </p:sp>
-          </mc:Choice>
-          <mc:Fallback xmlns="">
-            <p:sp>
-              <p:nvSpPr>
-                <p:cNvPr id="10" name="Rectangle 9"/>
-                <p:cNvSpPr>
-                  <a:spLocks noRot="1" noChangeAspect="1" noMove="1" noResize="1" noEditPoints="1" noAdjustHandles="1" noChangeArrowheads="1" noChangeShapeType="1" noTextEdit="1"/>
-                </p:cNvSpPr>
+            </p:cxnSp>
+            <p:cxnSp>
+              <p:nvCxnSpPr>
+                <p:cNvPr id="51" name="Straight Arrow Connector 50"/>
+                <p:cNvCxnSpPr>
+                  <a:stCxn id="4" idx="6"/>
+                  <a:endCxn id="6" idx="1"/>
+                </p:cNvCxnSpPr>
                 <p:nvPr/>
-              </p:nvSpPr>
-              <p:spPr>
+              </p:nvCxnSpPr>
+              <p:spPr bwMode="auto">
                 <a:xfrm>
-                  <a:off x="1525074" y="20755468"/>
-                  <a:ext cx="2616622" cy="1570067"/>
+                  <a:off x="18364991" y="18881933"/>
+                  <a:ext cx="1895029" cy="1227637"/>
                 </a:xfrm>
-                <a:prstGeom prst="rect">
+                <a:prstGeom prst="straightConnector1">
                   <a:avLst/>
                 </a:prstGeom>
-                <a:blipFill rotWithShape="0">
-                  <a:blip r:embed="rId9"/>
-                  <a:stretch>
-                    <a:fillRect/>
-                  </a:stretch>
-                </a:blipFill>
-                <a:ln w="38100">
+                <a:grpFill/>
+                <a:ln w="57150" cap="flat" cmpd="sng" algn="ctr">
                   <a:solidFill>
                     <a:schemeClr val="tx1">
                       <a:lumMod val="50000"/>
                     </a:schemeClr>
                   </a:solidFill>
+                  <a:prstDash val="solid"/>
+                  <a:round/>
+                  <a:headEnd type="triangle" w="lg" len="lg"/>
+                  <a:tailEnd type="none" w="med" len="med"/>
                 </a:ln>
-                <a:effectLst>
-                  <a:outerShdw blurRad="190500" dist="228600" dir="2700000" algn="ctr">
-                    <a:srgbClr val="000000">
-                      <a:alpha val="30000"/>
-                    </a:srgbClr>
-                  </a:outerShdw>
-                </a:effectLst>
+                <a:effectLst/>
               </p:spPr>
-              <p:txBody>
-                <a:bodyPr/>
-                <a:lstStyle/>
-                <a:p>
-                  <a:r>
-                    <a:rPr lang="en-GB">
-                      <a:noFill/>
-                    </a:rPr>
-                    <a:t> </a:t>
-                  </a:r>
-                </a:p>
-              </p:txBody>
-            </p:sp>
-          </mc:Fallback>
-        </mc:AlternateContent>
-        <mc:AlternateContent xmlns:mc="http://schemas.openxmlformats.org/markup-compatibility/2006" xmlns:a14="http://schemas.microsoft.com/office/drawing/2010/main">
-          <mc:Choice Requires="a14">
-            <p:sp>
-              <p:nvSpPr>
-                <p:cNvPr id="11" name="Rectangle 10"/>
-                <p:cNvSpPr/>
+            </p:cxnSp>
+            <p:cxnSp>
+              <p:nvCxnSpPr>
+                <p:cNvPr id="54" name="Straight Arrow Connector 53"/>
+                <p:cNvCxnSpPr>
+                  <a:stCxn id="16" idx="6"/>
+                </p:cNvCxnSpPr>
                 <p:nvPr/>
-              </p:nvSpPr>
-              <p:spPr>
-                <a:xfrm>
-                  <a:off x="4951789" y="20841483"/>
-                  <a:ext cx="2616622" cy="1539754"/>
+              </p:nvCxnSpPr>
+              <p:spPr bwMode="auto">
+                <a:xfrm flipV="1">
+                  <a:off x="18364991" y="22815055"/>
+                  <a:ext cx="1930792" cy="1320890"/>
                 </a:xfrm>
-                <a:prstGeom prst="rect">
+                <a:prstGeom prst="straightConnector1">
                   <a:avLst/>
                 </a:prstGeom>
-                <a:solidFill>
-                  <a:schemeClr val="accent1">
-                    <a:lumMod val="75000"/>
-                  </a:schemeClr>
-                </a:solidFill>
-                <a:ln w="38100">
+                <a:grpFill/>
+                <a:ln w="57150" cap="flat" cmpd="sng" algn="ctr">
                   <a:solidFill>
                     <a:schemeClr val="tx1">
                       <a:lumMod val="50000"/>
                     </a:schemeClr>
                   </a:solidFill>
+                  <a:prstDash val="solid"/>
+                  <a:round/>
+                  <a:headEnd type="triangle" w="lg" len="lg"/>
+                  <a:tailEnd type="none" w="med" len="med"/>
                 </a:ln>
-                <a:effectLst>
-                  <a:outerShdw blurRad="190500" dist="228600" dir="2700000" algn="ctr">
-                    <a:srgbClr val="000000">
-                      <a:alpha val="30000"/>
-                    </a:srgbClr>
-                  </a:outerShdw>
-                </a:effectLst>
+                <a:effectLst/>
               </p:spPr>
-              <p:txBody>
-                <a:bodyPr lIns="288000" tIns="180000" rIns="252000" bIns="144000" spcCol="360000" rtlCol="0" anchor="ctr"/>
-                <a:lstStyle/>
-                <a:p>
-                  <a:pPr algn="ctr">
-                    <a:spcBef>
-                      <a:spcPts val="0"/>
-                    </a:spcBef>
-                  </a:pPr>
-                  <a14:m>
-                    <m:oMathPara xmlns:m="http://schemas.openxmlformats.org/officeDocument/2006/math">
-                      <m:oMathParaPr>
-                        <m:jc m:val="centerGroup"/>
-                      </m:oMathParaPr>
-                      <m:oMath xmlns:m="http://schemas.openxmlformats.org/officeDocument/2006/math">
-                        <m:sSub>
-                          <m:sSubPr>
-                            <m:ctrlPr>
-                              <a:rPr lang="en-GB" sz="4800" b="1" i="1" smtClean="0">
-                                <a:solidFill>
-                                  <a:schemeClr val="tx1">
-                                    <a:lumMod val="50000"/>
-                                  </a:schemeClr>
-                                </a:solidFill>
-                                <a:latin typeface="Cambria Math" panose="02040503050406030204" pitchFamily="18" charset="0"/>
-                                <a:ea typeface="Cambria Math" panose="02040503050406030204" pitchFamily="18" charset="0"/>
-                              </a:rPr>
-                            </m:ctrlPr>
-                          </m:sSubPr>
-                          <m:e>
-                            <m:r>
-                              <a:rPr lang="en-GB" sz="4800" b="1" i="1" smtClean="0">
-                                <a:solidFill>
-                                  <a:schemeClr val="tx1">
-                                    <a:lumMod val="50000"/>
-                                  </a:schemeClr>
-                                </a:solidFill>
-                                <a:latin typeface="Cambria Math" panose="02040503050406030204" pitchFamily="18" charset="0"/>
-                                <a:ea typeface="Cambria Math" panose="02040503050406030204" pitchFamily="18" charset="0"/>
-                              </a:rPr>
-                              <m:t>𝝁</m:t>
-                            </m:r>
-                          </m:e>
-                          <m:sub>
-                            <m:r>
-                              <a:rPr lang="en-GB" sz="4800" b="1" i="1">
-                                <a:solidFill>
-                                  <a:schemeClr val="tx1">
-                                    <a:lumMod val="50000"/>
-                                  </a:schemeClr>
-                                </a:solidFill>
-                                <a:latin typeface="Cambria Math" panose="02040503050406030204" pitchFamily="18" charset="0"/>
-                                <a:ea typeface="Cambria Math" panose="02040503050406030204" pitchFamily="18" charset="0"/>
-                              </a:rPr>
-                              <m:t>𝜷</m:t>
-                            </m:r>
-                          </m:sub>
-                        </m:sSub>
-                      </m:oMath>
-                    </m:oMathPara>
-                  </a14:m>
-                  <a:endParaRPr lang="en-GB" sz="4800" b="1" dirty="0">
-                    <a:solidFill>
-                      <a:schemeClr val="tx1">
-                        <a:lumMod val="50000"/>
-                      </a:schemeClr>
-                    </a:solidFill>
-                    <a:latin typeface="Cambria Math" panose="02040503050406030204" pitchFamily="18" charset="0"/>
-                    <a:ea typeface="Cambria Math" panose="02040503050406030204" pitchFamily="18" charset="0"/>
-                    <a:cs typeface="+mn-cs"/>
-                  </a:endParaRPr>
-                </a:p>
-              </p:txBody>
-            </p:sp>
-          </mc:Choice>
-          <mc:Fallback xmlns="">
-            <p:sp>
-              <p:nvSpPr>
-                <p:cNvPr id="11" name="Rectangle 10"/>
-                <p:cNvSpPr>
-                  <a:spLocks noRot="1" noChangeAspect="1" noMove="1" noResize="1" noEditPoints="1" noAdjustHandles="1" noChangeArrowheads="1" noChangeShapeType="1" noTextEdit="1"/>
-                </p:cNvSpPr>
+            </p:cxnSp>
+            <p:cxnSp>
+              <p:nvCxnSpPr>
+                <p:cNvPr id="57" name="Straight Arrow Connector 56"/>
+                <p:cNvCxnSpPr>
+                  <a:stCxn id="4" idx="0"/>
+                  <a:endCxn id="14" idx="2"/>
+                </p:cNvCxnSpPr>
                 <p:nvPr/>
-              </p:nvSpPr>
-              <p:spPr>
-                <a:xfrm>
-                  <a:off x="4951789" y="20841483"/>
-                  <a:ext cx="2616622" cy="1539754"/>
+              </p:nvCxnSpPr>
+              <p:spPr bwMode="auto">
+                <a:xfrm flipV="1">
+                  <a:off x="16348767" y="15083514"/>
+                  <a:ext cx="1" cy="1890206"/>
                 </a:xfrm>
-                <a:prstGeom prst="rect">
+                <a:prstGeom prst="straightConnector1">
                   <a:avLst/>
                 </a:prstGeom>
-                <a:blipFill rotWithShape="0">
-                  <a:blip r:embed="rId10"/>
-                  <a:stretch>
-                    <a:fillRect/>
-                  </a:stretch>
-                </a:blipFill>
-                <a:ln w="38100">
+                <a:grpFill/>
+                <a:ln w="57150" cap="flat" cmpd="sng" algn="ctr">
                   <a:solidFill>
                     <a:schemeClr val="tx1">
                       <a:lumMod val="50000"/>
                     </a:schemeClr>
                   </a:solidFill>
+                  <a:prstDash val="solid"/>
+                  <a:round/>
+                  <a:headEnd type="triangle" w="lg" len="lg"/>
+                  <a:tailEnd type="none" w="med" len="med"/>
                 </a:ln>
-                <a:effectLst>
-                  <a:outerShdw blurRad="190500" dist="228600" dir="2700000" algn="ctr">
-                    <a:srgbClr val="000000">
-                      <a:alpha val="30000"/>
-                    </a:srgbClr>
-                  </a:outerShdw>
-                </a:effectLst>
+                <a:effectLst/>
               </p:spPr>
-              <p:txBody>
-                <a:bodyPr/>
-                <a:lstStyle/>
-                <a:p>
-                  <a:r>
-                    <a:rPr lang="en-GB">
-                      <a:noFill/>
-                    </a:rPr>
-                    <a:t> </a:t>
-                  </a:r>
-                </a:p>
-              </p:txBody>
-            </p:sp>
-          </mc:Fallback>
-        </mc:AlternateContent>
-        <mc:AlternateContent xmlns:mc="http://schemas.openxmlformats.org/markup-compatibility/2006">
-          <mc:Choice xmlns:a14="http://schemas.microsoft.com/office/drawing/2010/main" Requires="a14">
-            <p:sp>
-              <p:nvSpPr>
-                <p:cNvPr id="12" name="Rectangle 11"/>
-                <p:cNvSpPr/>
+            </p:cxnSp>
+            <p:cxnSp>
+              <p:nvCxnSpPr>
+                <p:cNvPr id="62" name="Straight Arrow Connector 61"/>
+                <p:cNvCxnSpPr>
+                  <a:stCxn id="3" idx="6"/>
+                  <a:endCxn id="4" idx="2"/>
+                </p:cNvCxnSpPr>
                 <p:nvPr/>
-              </p:nvSpPr>
-              <p:spPr>
+              </p:nvCxnSpPr>
+              <p:spPr bwMode="auto">
                 <a:xfrm>
-                  <a:off x="8722141" y="13696182"/>
-                  <a:ext cx="3370546" cy="1387331"/>
+                  <a:off x="12410952" y="18881932"/>
+                  <a:ext cx="1921591" cy="0"/>
                 </a:xfrm>
-                <a:prstGeom prst="rect">
+                <a:prstGeom prst="straightConnector1">
                   <a:avLst/>
                 </a:prstGeom>
-                <a:solidFill>
-                  <a:schemeClr val="accent1">
-                    <a:lumMod val="75000"/>
-                  </a:schemeClr>
-                </a:solidFill>
-                <a:ln w="38100">
+                <a:grpFill/>
+                <a:ln w="57150" cap="flat" cmpd="sng" algn="ctr">
                   <a:solidFill>
                     <a:schemeClr val="tx1">
                       <a:lumMod val="50000"/>
                     </a:schemeClr>
                   </a:solidFill>
+                  <a:prstDash val="solid"/>
+                  <a:round/>
+                  <a:headEnd type="triangle" w="lg" len="lg"/>
+                  <a:tailEnd type="none" w="med" len="med"/>
                 </a:ln>
-                <a:effectLst>
-                  <a:outerShdw blurRad="190500" dist="228600" dir="2700000" algn="ctr">
-                    <a:srgbClr val="000000">
-                      <a:alpha val="30000"/>
-                    </a:srgbClr>
-                  </a:outerShdw>
-                </a:effectLst>
+                <a:effectLst/>
               </p:spPr>
-              <p:txBody>
-                <a:bodyPr lIns="288000" tIns="180000" rIns="252000" bIns="144000" spcCol="360000" rtlCol="0" anchor="ctr"/>
-                <a:lstStyle/>
-                <a:p>
-                  <a:pPr algn="ctr">
-                    <a:spcBef>
-                      <a:spcPts val="0"/>
-                    </a:spcBef>
-                  </a:pPr>
-                  <a14:m>
-                    <m:oMathPara xmlns:m="http://schemas.openxmlformats.org/officeDocument/2006/math">
-                      <m:oMathParaPr>
-                        <m:jc m:val="centerGroup"/>
-                      </m:oMathParaPr>
-                      <m:oMath xmlns:m="http://schemas.openxmlformats.org/officeDocument/2006/math">
-                        <m:sSub>
-                          <m:sSubPr>
-                            <m:ctrlPr>
-                              <a:rPr lang="en-GB" sz="4800" b="1" i="1" smtClean="0">
-                                <a:solidFill>
-                                  <a:schemeClr val="tx1">
-                                    <a:lumMod val="50000"/>
-                                  </a:schemeClr>
-                                </a:solidFill>
-                                <a:latin typeface="Cambria Math" panose="02040503050406030204" pitchFamily="18" charset="0"/>
-                                <a:ea typeface="Cambria Math" panose="02040503050406030204" pitchFamily="18" charset="0"/>
-                                <a:cs typeface="+mn-cs"/>
-                              </a:rPr>
-                            </m:ctrlPr>
-                          </m:sSubPr>
-                          <m:e>
-                            <m:r>
-                              <a:rPr lang="el-GR" sz="4800" b="1" i="1" smtClean="0">
-                                <a:solidFill>
-                                  <a:schemeClr val="tx1">
-                                    <a:lumMod val="50000"/>
-                                  </a:schemeClr>
-                                </a:solidFill>
-                                <a:latin typeface="Cambria Math" panose="02040503050406030204" pitchFamily="18" charset="0"/>
-                                <a:ea typeface="Cambria Math" panose="02040503050406030204" pitchFamily="18" charset="0"/>
-                                <a:cs typeface="+mn-cs"/>
-                              </a:rPr>
-                              <m:t>𝜮</m:t>
-                            </m:r>
-                          </m:e>
-                          <m:sub>
-                            <m:r>
-                              <a:rPr lang="en-GB" sz="4800" b="1" i="1" smtClean="0">
-                                <a:solidFill>
-                                  <a:schemeClr val="tx1">
-                                    <a:lumMod val="50000"/>
-                                  </a:schemeClr>
-                                </a:solidFill>
-                                <a:latin typeface="Cambria Math" panose="02040503050406030204" pitchFamily="18" charset="0"/>
-                                <a:ea typeface="Cambria Math" panose="02040503050406030204" pitchFamily="18" charset="0"/>
-                                <a:cs typeface="+mn-cs"/>
-                              </a:rPr>
-                              <m:t>𝑮𝑷𝑺</m:t>
-                            </m:r>
-                          </m:sub>
-                        </m:sSub>
-                      </m:oMath>
-                    </m:oMathPara>
-                  </a14:m>
-                  <a:endParaRPr lang="en-GB" sz="4800" b="1" dirty="0">
-                    <a:solidFill>
-                      <a:schemeClr val="tx1">
-                        <a:lumMod val="50000"/>
-                      </a:schemeClr>
-                    </a:solidFill>
-                    <a:latin typeface="Cambria Math" panose="02040503050406030204" pitchFamily="18" charset="0"/>
-                    <a:ea typeface="Cambria Math" panose="02040503050406030204" pitchFamily="18" charset="0"/>
-                    <a:cs typeface="+mn-cs"/>
-                  </a:endParaRPr>
-                </a:p>
-              </p:txBody>
-            </p:sp>
-          </mc:Choice>
-          <mc:Fallback>
-            <p:sp>
-              <p:nvSpPr>
-                <p:cNvPr id="12" name="Rectangle 11"/>
-                <p:cNvSpPr>
-                  <a:spLocks noRot="1" noChangeAspect="1" noMove="1" noResize="1" noEditPoints="1" noAdjustHandles="1" noChangeArrowheads="1" noChangeShapeType="1" noTextEdit="1"/>
-                </p:cNvSpPr>
+            </p:cxnSp>
+            <p:cxnSp>
+              <p:nvCxnSpPr>
+                <p:cNvPr id="65" name="Straight Arrow Connector 64"/>
+                <p:cNvCxnSpPr>
+                  <a:stCxn id="5" idx="6"/>
+                  <a:endCxn id="16" idx="2"/>
+                </p:cNvCxnSpPr>
                 <p:nvPr/>
-              </p:nvSpPr>
-              <p:spPr>
+              </p:nvCxnSpPr>
+              <p:spPr bwMode="auto">
                 <a:xfrm>
-                  <a:off x="8722141" y="13696182"/>
-                  <a:ext cx="3370546" cy="1387331"/>
+                  <a:off x="12400245" y="24135946"/>
+                  <a:ext cx="1932298" cy="0"/>
                 </a:xfrm>
-                <a:prstGeom prst="rect">
+                <a:prstGeom prst="straightConnector1">
                   <a:avLst/>
                 </a:prstGeom>
-                <a:blipFill rotWithShape="0">
-                  <a:blip r:embed="rId11"/>
-                  <a:stretch>
-                    <a:fillRect/>
-                  </a:stretch>
-                </a:blipFill>
-                <a:ln w="38100">
+                <a:grpFill/>
+                <a:ln w="57150" cap="flat" cmpd="sng" algn="ctr">
                   <a:solidFill>
                     <a:schemeClr val="tx1">
                       <a:lumMod val="50000"/>
                     </a:schemeClr>
                   </a:solidFill>
+                  <a:prstDash val="solid"/>
+                  <a:round/>
+                  <a:headEnd type="triangle" w="lg" len="lg"/>
+                  <a:tailEnd type="none" w="med" len="med"/>
                 </a:ln>
-                <a:effectLst>
-                  <a:outerShdw blurRad="190500" dist="228600" dir="2700000" algn="ctr">
-                    <a:srgbClr val="000000">
-                      <a:alpha val="30000"/>
-                    </a:srgbClr>
-                  </a:outerShdw>
-                </a:effectLst>
+                <a:effectLst/>
               </p:spPr>
-              <p:txBody>
-                <a:bodyPr/>
-                <a:lstStyle/>
-                <a:p>
-                  <a:r>
-                    <a:rPr lang="en-GB">
-                      <a:noFill/>
-                    </a:rPr>
-                    <a:t> </a:t>
-                  </a:r>
-                </a:p>
-              </p:txBody>
-            </p:sp>
-          </mc:Fallback>
-        </mc:AlternateContent>
-        <mc:AlternateContent xmlns:mc="http://schemas.openxmlformats.org/markup-compatibility/2006">
-          <mc:Choice xmlns:a14="http://schemas.microsoft.com/office/drawing/2010/main" Requires="a14">
-            <p:sp>
-              <p:nvSpPr>
-                <p:cNvPr id="13" name="Rectangle 12"/>
-                <p:cNvSpPr/>
+            </p:cxnSp>
+            <p:cxnSp>
+              <p:nvCxnSpPr>
+                <p:cNvPr id="67" name="Straight Arrow Connector 66"/>
+                <p:cNvCxnSpPr>
+                  <a:stCxn id="3" idx="0"/>
+                  <a:endCxn id="12" idx="2"/>
+                </p:cNvCxnSpPr>
                 <p:nvPr/>
-              </p:nvSpPr>
-              <p:spPr>
-                <a:xfrm>
-                  <a:off x="8709455" y="27730906"/>
-                  <a:ext cx="3370546" cy="1391517"/>
+              </p:nvCxnSpPr>
+              <p:spPr bwMode="auto">
+                <a:xfrm flipV="1">
+                  <a:off x="10394728" y="15083514"/>
+                  <a:ext cx="12686" cy="1890206"/>
                 </a:xfrm>
-                <a:prstGeom prst="rect">
+                <a:prstGeom prst="straightConnector1">
                   <a:avLst/>
                 </a:prstGeom>
-                <a:solidFill>
-                  <a:schemeClr val="accent1">
-                    <a:lumMod val="75000"/>
-                  </a:schemeClr>
-                </a:solidFill>
-                <a:ln w="38100">
+                <a:grpFill/>
+                <a:ln w="57150" cap="flat" cmpd="sng" algn="ctr">
                   <a:solidFill>
                     <a:schemeClr val="tx1">
                       <a:lumMod val="50000"/>
                     </a:schemeClr>
                   </a:solidFill>
+                  <a:prstDash val="solid"/>
+                  <a:round/>
+                  <a:headEnd type="triangle" w="lg" len="lg"/>
+                  <a:tailEnd type="none" w="med" len="med"/>
                 </a:ln>
-                <a:effectLst>
-                  <a:outerShdw blurRad="190500" dist="228600" dir="2700000" algn="ctr">
-                    <a:srgbClr val="000000">
-                      <a:alpha val="30000"/>
-                    </a:srgbClr>
-                  </a:outerShdw>
-                </a:effectLst>
+                <a:effectLst/>
               </p:spPr>
-              <p:txBody>
-                <a:bodyPr lIns="288000" tIns="180000" rIns="252000" bIns="144000" spcCol="360000" rtlCol="0" anchor="ctr"/>
-                <a:lstStyle/>
-                <a:p>
-                  <a:pPr algn="ctr">
-                    <a:spcBef>
-                      <a:spcPts val="0"/>
-                    </a:spcBef>
-                  </a:pPr>
-                  <a14:m>
-                    <m:oMathPara xmlns:m="http://schemas.openxmlformats.org/officeDocument/2006/math">
-                      <m:oMathParaPr>
-                        <m:jc m:val="centerGroup"/>
-                      </m:oMathParaPr>
-                      <m:oMath xmlns:m="http://schemas.openxmlformats.org/officeDocument/2006/math">
-                        <m:sSub>
-                          <m:sSubPr>
-                            <m:ctrlPr>
-                              <a:rPr lang="en-GB" sz="4800" b="1" i="1" smtClean="0">
-                                <a:solidFill>
-                                  <a:schemeClr val="tx1">
-                                    <a:lumMod val="50000"/>
-                                  </a:schemeClr>
-                                </a:solidFill>
-                                <a:latin typeface="Cambria Math" panose="02040503050406030204" pitchFamily="18" charset="0"/>
-                                <a:ea typeface="Cambria Math" panose="02040503050406030204" pitchFamily="18" charset="0"/>
-                              </a:rPr>
-                            </m:ctrlPr>
-                          </m:sSubPr>
-                          <m:e>
-                            <m:r>
-                              <a:rPr lang="el-GR" sz="4800" b="1" i="1">
-                                <a:solidFill>
-                                  <a:schemeClr val="tx1">
-                                    <a:lumMod val="50000"/>
-                                  </a:schemeClr>
-                                </a:solidFill>
-                                <a:latin typeface="Cambria Math" panose="02040503050406030204" pitchFamily="18" charset="0"/>
-                                <a:ea typeface="Cambria Math" panose="02040503050406030204" pitchFamily="18" charset="0"/>
-                              </a:rPr>
-                              <m:t>𝜮</m:t>
-                            </m:r>
-                          </m:e>
-                          <m:sub>
-                            <m:r>
-                              <a:rPr lang="en-GB" sz="4800" b="1" i="1" smtClean="0">
-                                <a:solidFill>
-                                  <a:schemeClr val="tx1">
-                                    <a:lumMod val="50000"/>
-                                  </a:schemeClr>
-                                </a:solidFill>
-                                <a:latin typeface="Cambria Math" panose="02040503050406030204" pitchFamily="18" charset="0"/>
-                                <a:ea typeface="Cambria Math" panose="02040503050406030204" pitchFamily="18" charset="0"/>
-                              </a:rPr>
-                              <m:t>𝑮𝑹𝑨𝑪𝑬</m:t>
-                            </m:r>
-                          </m:sub>
-                        </m:sSub>
-                      </m:oMath>
-                    </m:oMathPara>
-                  </a14:m>
-                  <a:endParaRPr lang="en-GB" sz="4800" b="1" dirty="0">
-                    <a:solidFill>
-                      <a:schemeClr val="tx1">
-                        <a:lumMod val="50000"/>
-                      </a:schemeClr>
-                    </a:solidFill>
-                    <a:latin typeface="Cambria Math" panose="02040503050406030204" pitchFamily="18" charset="0"/>
-                    <a:ea typeface="Cambria Math" panose="02040503050406030204" pitchFamily="18" charset="0"/>
-                    <a:cs typeface="+mn-cs"/>
-                  </a:endParaRPr>
-                </a:p>
-              </p:txBody>
-            </p:sp>
-          </mc:Choice>
-          <mc:Fallback>
-            <p:sp>
-              <p:nvSpPr>
-                <p:cNvPr id="13" name="Rectangle 12"/>
-                <p:cNvSpPr>
-                  <a:spLocks noRot="1" noChangeAspect="1" noMove="1" noResize="1" noEditPoints="1" noAdjustHandles="1" noChangeArrowheads="1" noChangeShapeType="1" noTextEdit="1"/>
-                </p:cNvSpPr>
+            </p:cxnSp>
+            <p:cxnSp>
+              <p:nvCxnSpPr>
+                <p:cNvPr id="71" name="Straight Arrow Connector 70"/>
+                <p:cNvCxnSpPr>
+                  <a:stCxn id="5" idx="4"/>
+                  <a:endCxn id="13" idx="0"/>
+                </p:cNvCxnSpPr>
                 <p:nvPr/>
-              </p:nvSpPr>
-              <p:spPr>
+              </p:nvCxnSpPr>
+              <p:spPr bwMode="auto">
                 <a:xfrm>
-                  <a:off x="8709455" y="27730906"/>
-                  <a:ext cx="3370546" cy="1391517"/>
+                  <a:off x="10384021" y="26044157"/>
+                  <a:ext cx="10707" cy="1686749"/>
                 </a:xfrm>
-                <a:prstGeom prst="rect">
+                <a:prstGeom prst="straightConnector1">
                   <a:avLst/>
                 </a:prstGeom>
-                <a:blipFill rotWithShape="0">
-                  <a:blip r:embed="rId12"/>
-                  <a:stretch>
-                    <a:fillRect/>
-                  </a:stretch>
-                </a:blipFill>
-                <a:ln w="38100">
+                <a:grpFill/>
+                <a:ln w="57150" cap="flat" cmpd="sng" algn="ctr">
                   <a:solidFill>
                     <a:schemeClr val="tx1">
                       <a:lumMod val="50000"/>
                     </a:schemeClr>
                   </a:solidFill>
+                  <a:prstDash val="solid"/>
+                  <a:round/>
+                  <a:headEnd type="triangle" w="lg" len="lg"/>
+                  <a:tailEnd type="none" w="med" len="med"/>
                 </a:ln>
-                <a:effectLst>
-                  <a:outerShdw blurRad="190500" dist="228600" dir="2700000" algn="ctr">
-                    <a:srgbClr val="000000">
-                      <a:alpha val="30000"/>
-                    </a:srgbClr>
-                  </a:outerShdw>
-                </a:effectLst>
+                <a:effectLst/>
               </p:spPr>
-              <p:txBody>
-                <a:bodyPr/>
-                <a:lstStyle/>
-                <a:p>
-                  <a:r>
-                    <a:rPr lang="en-GB">
-                      <a:noFill/>
-                    </a:rPr>
-                    <a:t> </a:t>
-                  </a:r>
-                </a:p>
-              </p:txBody>
-            </p:sp>
-          </mc:Fallback>
-        </mc:AlternateContent>
-        <mc:AlternateContent xmlns:mc="http://schemas.openxmlformats.org/markup-compatibility/2006">
-          <mc:Choice xmlns:a14="http://schemas.microsoft.com/office/drawing/2010/main" Requires="a14">
-            <p:sp>
-              <p:nvSpPr>
-                <p:cNvPr id="14" name="Rectangle 13"/>
-                <p:cNvSpPr/>
+            </p:cxnSp>
+            <p:cxnSp>
+              <p:nvCxnSpPr>
+                <p:cNvPr id="75" name="Straight Arrow Connector 74"/>
+                <p:cNvCxnSpPr>
+                  <a:stCxn id="16" idx="4"/>
+                  <a:endCxn id="15" idx="0"/>
+                </p:cNvCxnSpPr>
                 <p:nvPr/>
-              </p:nvSpPr>
-              <p:spPr>
+              </p:nvCxnSpPr>
+              <p:spPr bwMode="auto">
                 <a:xfrm>
-                  <a:off x="14660364" y="13696182"/>
-                  <a:ext cx="3376806" cy="1387331"/>
+                  <a:off x="16348767" y="26044157"/>
+                  <a:ext cx="43085" cy="1700406"/>
                 </a:xfrm>
-                <a:prstGeom prst="rect">
+                <a:prstGeom prst="straightConnector1">
                   <a:avLst/>
                 </a:prstGeom>
-                <a:solidFill>
-                  <a:schemeClr val="accent1">
-                    <a:lumMod val="75000"/>
-                  </a:schemeClr>
-                </a:solidFill>
-                <a:ln w="38100">
+                <a:grpFill/>
+                <a:ln w="57150" cap="flat" cmpd="sng" algn="ctr">
                   <a:solidFill>
                     <a:schemeClr val="tx1">
                       <a:lumMod val="50000"/>
                     </a:schemeClr>
                   </a:solidFill>
+                  <a:prstDash val="solid"/>
+                  <a:round/>
+                  <a:headEnd type="triangle" w="lg" len="lg"/>
+                  <a:tailEnd type="none" w="med" len="med"/>
                 </a:ln>
-                <a:effectLst>
-                  <a:outerShdw blurRad="190500" dist="228600" dir="2700000" algn="ctr">
-                    <a:srgbClr val="000000">
-                      <a:alpha val="30000"/>
-                    </a:srgbClr>
-                  </a:outerShdw>
-                </a:effectLst>
+                <a:effectLst/>
               </p:spPr>
-              <p:txBody>
-                <a:bodyPr lIns="288000" tIns="180000" rIns="252000" bIns="144000" spcCol="360000" rtlCol="0" anchor="ctr"/>
-                <a:lstStyle/>
-                <a:p>
-                  <a:pPr algn="ctr">
-                    <a:spcBef>
-                      <a:spcPts val="0"/>
-                    </a:spcBef>
-                  </a:pPr>
-                  <a14:m>
-                    <m:oMathPara xmlns:m="http://schemas.openxmlformats.org/officeDocument/2006/math">
-                      <m:oMathParaPr>
-                        <m:jc m:val="centerGroup"/>
-                      </m:oMathParaPr>
-                      <m:oMath xmlns:m="http://schemas.openxmlformats.org/officeDocument/2006/math">
-                        <m:sSub>
-                          <m:sSubPr>
-                            <m:ctrlPr>
-                              <a:rPr lang="en-GB" sz="4800" b="1" i="1" smtClean="0">
-                                <a:solidFill>
-                                  <a:schemeClr val="tx1">
-                                    <a:lumMod val="50000"/>
-                                  </a:schemeClr>
-                                </a:solidFill>
-                                <a:latin typeface="Cambria Math" panose="02040503050406030204" pitchFamily="18" charset="0"/>
-                                <a:ea typeface="Cambria Math" panose="02040503050406030204" pitchFamily="18" charset="0"/>
-                                <a:cs typeface="+mn-cs"/>
-                              </a:rPr>
-                            </m:ctrlPr>
-                          </m:sSubPr>
-                          <m:e>
-                            <m:r>
-                              <a:rPr lang="en-GB" sz="4800" b="1" i="1" smtClean="0">
-                                <a:solidFill>
-                                  <a:schemeClr val="tx1">
-                                    <a:lumMod val="50000"/>
-                                  </a:schemeClr>
-                                </a:solidFill>
-                                <a:latin typeface="Cambria Math" panose="02040503050406030204" pitchFamily="18" charset="0"/>
-                                <a:ea typeface="Cambria Math" panose="02040503050406030204" pitchFamily="18" charset="0"/>
-                                <a:cs typeface="+mn-cs"/>
-                              </a:rPr>
-                              <m:t>𝓐</m:t>
-                            </m:r>
-                          </m:e>
-                          <m:sub>
-                            <m:r>
-                              <a:rPr lang="en-GB" sz="4800" b="1" i="1" smtClean="0">
-                                <a:solidFill>
-                                  <a:schemeClr val="tx1">
-                                    <a:lumMod val="50000"/>
-                                  </a:schemeClr>
-                                </a:solidFill>
-                                <a:latin typeface="Cambria Math" panose="02040503050406030204" pitchFamily="18" charset="0"/>
-                                <a:ea typeface="Cambria Math" panose="02040503050406030204" pitchFamily="18" charset="0"/>
-                                <a:cs typeface="+mn-cs"/>
-                              </a:rPr>
-                              <m:t>𝑮𝑷𝑺</m:t>
-                            </m:r>
-                          </m:sub>
-                        </m:sSub>
-                      </m:oMath>
-                    </m:oMathPara>
-                  </a14:m>
-                  <a:endParaRPr lang="en-GB" sz="4800" b="1" dirty="0">
-                    <a:solidFill>
-                      <a:schemeClr val="tx1">
-                        <a:lumMod val="50000"/>
-                      </a:schemeClr>
-                    </a:solidFill>
-                    <a:latin typeface="Cambria Math" panose="02040503050406030204" pitchFamily="18" charset="0"/>
-                    <a:ea typeface="Cambria Math" panose="02040503050406030204" pitchFamily="18" charset="0"/>
-                    <a:cs typeface="+mn-cs"/>
-                  </a:endParaRPr>
-                </a:p>
-              </p:txBody>
-            </p:sp>
-          </mc:Choice>
-          <mc:Fallback>
-            <p:sp>
-              <p:nvSpPr>
-                <p:cNvPr id="14" name="Rectangle 13"/>
-                <p:cNvSpPr>
-                  <a:spLocks noRot="1" noChangeAspect="1" noMove="1" noResize="1" noEditPoints="1" noAdjustHandles="1" noChangeArrowheads="1" noChangeShapeType="1" noTextEdit="1"/>
-                </p:cNvSpPr>
+            </p:cxnSp>
+            <p:cxnSp>
+              <p:nvCxnSpPr>
+                <p:cNvPr id="80" name="Straight Arrow Connector 79"/>
+                <p:cNvCxnSpPr>
+                  <a:stCxn id="5" idx="2"/>
+                  <a:endCxn id="7" idx="6"/>
+                </p:cNvCxnSpPr>
                 <p:nvPr/>
-              </p:nvSpPr>
-              <p:spPr>
-                <a:xfrm>
-                  <a:off x="14660364" y="13696182"/>
-                  <a:ext cx="3376806" cy="1387331"/>
+              </p:nvCxnSpPr>
+              <p:spPr bwMode="auto">
+                <a:xfrm flipH="1">
+                  <a:off x="5826808" y="24135946"/>
+                  <a:ext cx="2540989" cy="1064892"/>
                 </a:xfrm>
-                <a:prstGeom prst="rect">
+                <a:prstGeom prst="straightConnector1">
                   <a:avLst/>
                 </a:prstGeom>
-                <a:blipFill rotWithShape="0">
-                  <a:blip r:embed="rId13"/>
-                  <a:stretch>
-                    <a:fillRect/>
-                  </a:stretch>
-                </a:blipFill>
-                <a:ln w="38100">
+                <a:grpFill/>
+                <a:ln w="57150" cap="flat" cmpd="sng" algn="ctr">
                   <a:solidFill>
                     <a:schemeClr val="tx1">
                       <a:lumMod val="50000"/>
                     </a:schemeClr>
                   </a:solidFill>
+                  <a:prstDash val="solid"/>
+                  <a:round/>
+                  <a:headEnd type="triangle" w="lg" len="lg"/>
+                  <a:tailEnd type="none" w="med" len="med"/>
                 </a:ln>
-                <a:effectLst>
-                  <a:outerShdw blurRad="190500" dist="228600" dir="2700000" algn="ctr">
-                    <a:srgbClr val="000000">
-                      <a:alpha val="30000"/>
-                    </a:srgbClr>
-                  </a:outerShdw>
-                </a:effectLst>
+                <a:effectLst/>
               </p:spPr>
-              <p:txBody>
-                <a:bodyPr/>
-                <a:lstStyle/>
-                <a:p>
-                  <a:r>
-                    <a:rPr lang="en-GB">
-                      <a:noFill/>
-                    </a:rPr>
-                    <a:t> </a:t>
-                  </a:r>
-                </a:p>
-              </p:txBody>
-            </p:sp>
-          </mc:Fallback>
-        </mc:AlternateContent>
-        <mc:AlternateContent xmlns:mc="http://schemas.openxmlformats.org/markup-compatibility/2006">
-          <mc:Choice xmlns:a14="http://schemas.microsoft.com/office/drawing/2010/main" Requires="a14">
-            <p:sp>
-              <p:nvSpPr>
-                <p:cNvPr id="15" name="Rectangle 14"/>
-                <p:cNvSpPr/>
+            </p:cxnSp>
+            <p:cxnSp>
+              <p:nvCxnSpPr>
+                <p:cNvPr id="84" name="Straight Arrow Connector 83"/>
+                <p:cNvCxnSpPr>
+                  <a:stCxn id="3" idx="2"/>
+                  <a:endCxn id="8" idx="6"/>
+                </p:cNvCxnSpPr>
                 <p:nvPr/>
-              </p:nvSpPr>
-              <p:spPr>
-                <a:xfrm>
-                  <a:off x="14703448" y="27744563"/>
-                  <a:ext cx="3376806" cy="1377861"/>
+              </p:nvCxnSpPr>
+              <p:spPr bwMode="auto">
+                <a:xfrm flipH="1" flipV="1">
+                  <a:off x="5759532" y="18056890"/>
+                  <a:ext cx="2618972" cy="825042"/>
                 </a:xfrm>
-                <a:prstGeom prst="rect">
+                <a:prstGeom prst="straightConnector1">
                   <a:avLst/>
                 </a:prstGeom>
-                <a:solidFill>
-                  <a:schemeClr val="accent1">
-                    <a:lumMod val="75000"/>
-                  </a:schemeClr>
-                </a:solidFill>
-                <a:ln w="38100">
+                <a:grpFill/>
+                <a:ln w="57150" cap="flat" cmpd="sng" algn="ctr">
                   <a:solidFill>
                     <a:schemeClr val="tx1">
                       <a:lumMod val="50000"/>
                     </a:schemeClr>
                   </a:solidFill>
+                  <a:prstDash val="solid"/>
+                  <a:round/>
+                  <a:headEnd type="triangle" w="lg" len="lg"/>
+                  <a:tailEnd type="none" w="lg" len="lg"/>
                 </a:ln>
-                <a:effectLst>
-                  <a:outerShdw blurRad="190500" dist="228600" dir="2700000" algn="ctr">
-                    <a:srgbClr val="000000">
-                      <a:alpha val="30000"/>
-                    </a:srgbClr>
-                  </a:outerShdw>
-                </a:effectLst>
+                <a:effectLst/>
               </p:spPr>
-              <p:txBody>
-                <a:bodyPr lIns="288000" tIns="180000" rIns="252000" bIns="144000" spcCol="360000" rtlCol="0" anchor="ctr"/>
-                <a:lstStyle/>
-                <a:p>
-                  <a:pPr algn="ctr">
-                    <a:spcBef>
-                      <a:spcPts val="0"/>
-                    </a:spcBef>
-                  </a:pPr>
-                  <a14:m>
-                    <m:oMathPara xmlns:m="http://schemas.openxmlformats.org/officeDocument/2006/math">
-                      <m:oMathParaPr>
-                        <m:jc m:val="centerGroup"/>
-                      </m:oMathParaPr>
-                      <m:oMath xmlns:m="http://schemas.openxmlformats.org/officeDocument/2006/math">
-                        <m:sSub>
-                          <m:sSubPr>
-                            <m:ctrlPr>
-                              <a:rPr lang="en-GB" sz="4800" b="1" i="1" smtClean="0">
-                                <a:solidFill>
-                                  <a:schemeClr val="tx1">
-                                    <a:lumMod val="50000"/>
-                                  </a:schemeClr>
-                                </a:solidFill>
-                                <a:latin typeface="Cambria Math" panose="02040503050406030204" pitchFamily="18" charset="0"/>
-                                <a:ea typeface="Cambria Math" panose="02040503050406030204" pitchFamily="18" charset="0"/>
-                              </a:rPr>
-                            </m:ctrlPr>
-                          </m:sSubPr>
-                          <m:e>
-                            <m:r>
-                              <a:rPr lang="en-GB" sz="4800" b="1" i="1">
-                                <a:solidFill>
-                                  <a:schemeClr val="tx1">
-                                    <a:lumMod val="50000"/>
-                                  </a:schemeClr>
-                                </a:solidFill>
-                                <a:latin typeface="Cambria Math" panose="02040503050406030204" pitchFamily="18" charset="0"/>
-                                <a:ea typeface="Cambria Math" panose="02040503050406030204" pitchFamily="18" charset="0"/>
-                              </a:rPr>
-                              <m:t>𝓐</m:t>
-                            </m:r>
-                          </m:e>
-                          <m:sub>
-                            <m:r>
-                              <a:rPr lang="en-GB" sz="4800" b="1" i="1">
-                                <a:solidFill>
-                                  <a:schemeClr val="tx1">
-                                    <a:lumMod val="50000"/>
-                                  </a:schemeClr>
-                                </a:solidFill>
-                                <a:latin typeface="Cambria Math" panose="02040503050406030204" pitchFamily="18" charset="0"/>
-                                <a:ea typeface="Cambria Math" panose="02040503050406030204" pitchFamily="18" charset="0"/>
-                              </a:rPr>
-                              <m:t>𝑮</m:t>
-                            </m:r>
-                            <m:r>
-                              <a:rPr lang="en-GB" sz="4800" b="1" i="1" smtClean="0">
-                                <a:solidFill>
-                                  <a:schemeClr val="tx1">
-                                    <a:lumMod val="50000"/>
-                                  </a:schemeClr>
-                                </a:solidFill>
-                                <a:latin typeface="Cambria Math" panose="02040503050406030204" pitchFamily="18" charset="0"/>
-                                <a:ea typeface="Cambria Math" panose="02040503050406030204" pitchFamily="18" charset="0"/>
-                              </a:rPr>
-                              <m:t>𝑹𝑨𝑪𝑬</m:t>
-                            </m:r>
-                          </m:sub>
-                        </m:sSub>
-                      </m:oMath>
-                    </m:oMathPara>
-                  </a14:m>
-                  <a:endParaRPr lang="en-GB" sz="4800" b="1" dirty="0">
-                    <a:solidFill>
-                      <a:schemeClr val="tx1">
-                        <a:lumMod val="50000"/>
-                      </a:schemeClr>
-                    </a:solidFill>
-                    <a:latin typeface="Cambria Math" panose="02040503050406030204" pitchFamily="18" charset="0"/>
-                    <a:ea typeface="Cambria Math" panose="02040503050406030204" pitchFamily="18" charset="0"/>
-                    <a:cs typeface="+mn-cs"/>
-                  </a:endParaRPr>
-                </a:p>
-              </p:txBody>
-            </p:sp>
-          </mc:Choice>
-          <mc:Fallback>
-            <p:sp>
-              <p:nvSpPr>
-                <p:cNvPr id="15" name="Rectangle 14"/>
-                <p:cNvSpPr>
-                  <a:spLocks noRot="1" noChangeAspect="1" noMove="1" noResize="1" noEditPoints="1" noAdjustHandles="1" noChangeArrowheads="1" noChangeShapeType="1" noTextEdit="1"/>
-                </p:cNvSpPr>
+            </p:cxnSp>
+            <p:cxnSp>
+              <p:nvCxnSpPr>
+                <p:cNvPr id="89" name="Straight Arrow Connector 88"/>
+                <p:cNvCxnSpPr>
+                  <a:stCxn id="8" idx="3"/>
+                  <a:endCxn id="10" idx="0"/>
+                </p:cNvCxnSpPr>
                 <p:nvPr/>
-              </p:nvSpPr>
-              <p:spPr>
-                <a:xfrm>
-                  <a:off x="14703448" y="27744563"/>
-                  <a:ext cx="3376806" cy="1377861"/>
+              </p:nvCxnSpPr>
+              <p:spPr bwMode="auto">
+                <a:xfrm flipH="1">
+                  <a:off x="2833385" y="18871797"/>
+                  <a:ext cx="792849" cy="1883671"/>
                 </a:xfrm>
-                <a:prstGeom prst="rect">
+                <a:prstGeom prst="straightConnector1">
                   <a:avLst/>
                 </a:prstGeom>
-                <a:blipFill rotWithShape="0">
-                  <a:blip r:embed="rId14"/>
-                  <a:stretch>
-                    <a:fillRect/>
-                  </a:stretch>
-                </a:blipFill>
-                <a:ln w="38100">
+                <a:grpFill/>
+                <a:ln w="57150" cap="flat" cmpd="sng" algn="ctr">
                   <a:solidFill>
                     <a:schemeClr val="tx1">
                       <a:lumMod val="50000"/>
                     </a:schemeClr>
                   </a:solidFill>
+                  <a:prstDash val="solid"/>
+                  <a:round/>
+                  <a:headEnd type="triangle" w="lg" len="lg"/>
+                  <a:tailEnd type="none" w="med" len="med"/>
                 </a:ln>
-                <a:effectLst>
-                  <a:outerShdw blurRad="190500" dist="228600" dir="2700000" algn="ctr">
-                    <a:srgbClr val="000000">
-                      <a:alpha val="30000"/>
-                    </a:srgbClr>
-                  </a:outerShdw>
-                </a:effectLst>
+                <a:effectLst/>
               </p:spPr>
-              <p:txBody>
-                <a:bodyPr/>
-                <a:lstStyle/>
-                <a:p>
-                  <a:r>
-                    <a:rPr lang="en-GB">
-                      <a:noFill/>
-                    </a:rPr>
-                    <a:t> </a:t>
-                  </a:r>
-                </a:p>
-              </p:txBody>
-            </p:sp>
-          </mc:Fallback>
-        </mc:AlternateContent>
-        <mc:AlternateContent xmlns:mc="http://schemas.openxmlformats.org/markup-compatibility/2006" xmlns:a14="http://schemas.microsoft.com/office/drawing/2010/main">
-          <mc:Choice Requires="a14">
-            <p:sp>
-              <p:nvSpPr>
-                <p:cNvPr id="16" name="Oval 15"/>
-                <p:cNvSpPr/>
+            </p:cxnSp>
+            <p:cxnSp>
+              <p:nvCxnSpPr>
+                <p:cNvPr id="92" name="Straight Arrow Connector 91"/>
+                <p:cNvCxnSpPr>
+                  <a:stCxn id="8" idx="5"/>
+                  <a:endCxn id="11" idx="0"/>
+                </p:cNvCxnSpPr>
                 <p:nvPr/>
-              </p:nvSpPr>
-              <p:spPr>
+              </p:nvCxnSpPr>
+              <p:spPr bwMode="auto">
                 <a:xfrm>
-                  <a:off x="14332543" y="22227733"/>
-                  <a:ext cx="4032448" cy="3816424"/>
+                  <a:off x="5393516" y="18871797"/>
+                  <a:ext cx="866584" cy="1969686"/>
                 </a:xfrm>
-                <a:prstGeom prst="ellipse">
+                <a:prstGeom prst="straightConnector1">
                   <a:avLst/>
                 </a:prstGeom>
-                <a:solidFill>
-                  <a:schemeClr val="accent1">
-                    <a:lumMod val="75000"/>
-                  </a:schemeClr>
-                </a:solidFill>
-                <a:ln w="38100">
+                <a:grpFill/>
+                <a:ln w="57150" cap="flat" cmpd="sng" algn="ctr">
                   <a:solidFill>
                     <a:schemeClr val="tx1">
                       <a:lumMod val="50000"/>
                     </a:schemeClr>
                   </a:solidFill>
+                  <a:prstDash val="solid"/>
+                  <a:round/>
+                  <a:headEnd type="triangle" w="lg" len="lg"/>
+                  <a:tailEnd type="none" w="med" len="med"/>
                 </a:ln>
-                <a:effectLst>
-                  <a:outerShdw blurRad="190500" dist="228600" dir="2700000" algn="ctr">
-                    <a:srgbClr val="000000">
-                      <a:alpha val="30000"/>
-                    </a:srgbClr>
-                  </a:outerShdw>
-                </a:effectLst>
+                <a:effectLst/>
               </p:spPr>
-              <p:txBody>
-                <a:bodyPr lIns="288000" tIns="180000" rIns="252000" bIns="144000" spcCol="360000" rtlCol="0" anchor="ctr"/>
-                <a:lstStyle/>
-                <a:p>
-                  <a:pPr algn="ctr">
-                    <a:spcBef>
-                      <a:spcPts val="0"/>
-                    </a:spcBef>
-                  </a:pPr>
-                  <a14:m>
-                    <m:oMathPara xmlns:m="http://schemas.openxmlformats.org/officeDocument/2006/math">
-                      <m:oMathParaPr>
-                        <m:jc m:val="centerGroup"/>
-                      </m:oMathParaPr>
-                      <m:oMath xmlns:m="http://schemas.openxmlformats.org/officeDocument/2006/math">
-                        <m:sSub>
-                          <m:sSubPr>
-                            <m:ctrlPr>
-                              <a:rPr lang="en-GB" sz="4800" b="1" i="1" dirty="0" smtClean="0">
-                                <a:solidFill>
-                                  <a:schemeClr val="tx1">
-                                    <a:lumMod val="50000"/>
-                                  </a:schemeClr>
-                                </a:solidFill>
-                                <a:latin typeface="Cambria Math" panose="02040503050406030204" pitchFamily="18" charset="0"/>
-                                <a:ea typeface="Cambria Math" panose="02040503050406030204" pitchFamily="18" charset="0"/>
-                              </a:rPr>
-                            </m:ctrlPr>
-                          </m:sSubPr>
-                          <m:e>
-                            <m:r>
-                              <a:rPr lang="en-GB" sz="4800" b="1" i="1" dirty="0" smtClean="0">
-                                <a:solidFill>
-                                  <a:schemeClr val="tx1">
-                                    <a:lumMod val="50000"/>
-                                  </a:schemeClr>
-                                </a:solidFill>
-                                <a:latin typeface="Cambria Math" panose="02040503050406030204" pitchFamily="18" charset="0"/>
-                                <a:ea typeface="Cambria Math" panose="02040503050406030204" pitchFamily="18" charset="0"/>
-                              </a:rPr>
-                              <m:t>𝒙</m:t>
-                            </m:r>
-                          </m:e>
-                          <m:sub>
-                            <m:r>
-                              <a:rPr lang="en-GB" sz="4800" b="1" i="1" dirty="0" smtClean="0">
-                                <a:solidFill>
-                                  <a:schemeClr val="tx1">
-                                    <a:lumMod val="50000"/>
-                                  </a:schemeClr>
-                                </a:solidFill>
-                                <a:latin typeface="Cambria Math" panose="02040503050406030204" pitchFamily="18" charset="0"/>
-                                <a:ea typeface="Cambria Math" panose="02040503050406030204" pitchFamily="18" charset="0"/>
-                              </a:rPr>
-                              <m:t>𝑮𝑰𝑨</m:t>
-                            </m:r>
-                            <m:r>
-                              <a:rPr lang="en-GB" sz="4800" b="1" i="1" dirty="0" smtClean="0">
-                                <a:solidFill>
-                                  <a:schemeClr val="tx1">
-                                    <a:lumMod val="50000"/>
-                                  </a:schemeClr>
-                                </a:solidFill>
-                                <a:latin typeface="Cambria Math" panose="02040503050406030204" pitchFamily="18" charset="0"/>
-                                <a:ea typeface="Cambria Math" panose="02040503050406030204" pitchFamily="18" charset="0"/>
-                              </a:rPr>
-                              <m:t>−</m:t>
-                            </m:r>
-                            <m:r>
-                              <a:rPr lang="en-GB" sz="4800" b="1" i="1" dirty="0" smtClean="0">
-                                <a:solidFill>
-                                  <a:schemeClr val="tx1">
-                                    <a:lumMod val="50000"/>
-                                  </a:schemeClr>
-                                </a:solidFill>
-                                <a:latin typeface="Cambria Math" panose="02040503050406030204" pitchFamily="18" charset="0"/>
-                                <a:ea typeface="Cambria Math" panose="02040503050406030204" pitchFamily="18" charset="0"/>
-                              </a:rPr>
-                              <m:t>𝑮𝑹𝑨𝑪𝑬</m:t>
-                            </m:r>
-                          </m:sub>
-                        </m:sSub>
-                      </m:oMath>
-                    </m:oMathPara>
-                  </a14:m>
-                  <a:endParaRPr lang="en-GB" sz="4800" b="1" dirty="0">
-                    <a:solidFill>
-                      <a:schemeClr val="tx1">
-                        <a:lumMod val="50000"/>
-                      </a:schemeClr>
-                    </a:solidFill>
-                    <a:latin typeface="Cambria Math" panose="02040503050406030204" pitchFamily="18" charset="0"/>
-                    <a:ea typeface="Cambria Math" panose="02040503050406030204" pitchFamily="18" charset="0"/>
-                    <a:cs typeface="+mn-cs"/>
-                  </a:endParaRPr>
-                </a:p>
-              </p:txBody>
-            </p:sp>
-          </mc:Choice>
-          <mc:Fallback xmlns="">
-            <p:sp>
-              <p:nvSpPr>
-                <p:cNvPr id="16" name="Oval 15"/>
-                <p:cNvSpPr>
-                  <a:spLocks noRot="1" noChangeAspect="1" noMove="1" noResize="1" noEditPoints="1" noAdjustHandles="1" noChangeArrowheads="1" noChangeShapeType="1" noTextEdit="1"/>
-                </p:cNvSpPr>
+            </p:cxnSp>
+            <p:cxnSp>
+              <p:nvCxnSpPr>
+                <p:cNvPr id="99" name="Straight Arrow Connector 98"/>
+                <p:cNvCxnSpPr>
+                  <a:stCxn id="7" idx="1"/>
+                  <a:endCxn id="10" idx="2"/>
+                </p:cNvCxnSpPr>
                 <p:nvPr/>
-              </p:nvSpPr>
-              <p:spPr>
-                <a:xfrm>
-                  <a:off x="14332543" y="22227733"/>
-                  <a:ext cx="4032448" cy="3816424"/>
+              </p:nvCxnSpPr>
+              <p:spPr bwMode="auto">
+                <a:xfrm flipH="1" flipV="1">
+                  <a:off x="2833385" y="22325535"/>
+                  <a:ext cx="860125" cy="2038151"/>
                 </a:xfrm>
-                <a:prstGeom prst="ellipse">
+                <a:prstGeom prst="straightConnector1">
                   <a:avLst/>
                 </a:prstGeom>
-                <a:blipFill rotWithShape="0">
-                  <a:blip r:embed="rId15"/>
-                  <a:stretch>
-                    <a:fillRect/>
-                  </a:stretch>
-                </a:blipFill>
-                <a:ln w="38100">
+                <a:grpFill/>
+                <a:ln w="57150" cap="flat" cmpd="sng" algn="ctr">
                   <a:solidFill>
                     <a:schemeClr val="tx1">
                       <a:lumMod val="50000"/>
                     </a:schemeClr>
                   </a:solidFill>
+                  <a:prstDash val="solid"/>
+                  <a:round/>
+                  <a:headEnd type="triangle" w="lg" len="lg"/>
+                  <a:tailEnd type="none" w="med" len="med"/>
                 </a:ln>
-                <a:effectLst>
-                  <a:outerShdw blurRad="190500" dist="228600" dir="2700000" algn="ctr">
-                    <a:srgbClr val="000000">
-                      <a:alpha val="30000"/>
-                    </a:srgbClr>
-                  </a:outerShdw>
-                </a:effectLst>
+                <a:effectLst/>
               </p:spPr>
-              <p:txBody>
-                <a:bodyPr/>
-                <a:lstStyle/>
-                <a:p>
-                  <a:r>
-                    <a:rPr lang="en-GB">
-                      <a:noFill/>
-                    </a:rPr>
-                    <a:t> </a:t>
-                  </a:r>
-                </a:p>
-              </p:txBody>
-            </p:sp>
-          </mc:Fallback>
-        </mc:AlternateContent>
-        <mc:AlternateContent xmlns:mc="http://schemas.openxmlformats.org/markup-compatibility/2006" xmlns:a14="http://schemas.microsoft.com/office/drawing/2010/main">
-          <mc:Choice Requires="a14">
-            <p:sp>
-              <p:nvSpPr>
-                <p:cNvPr id="17" name="Rectangle 16"/>
-                <p:cNvSpPr/>
+            </p:cxnSp>
+            <p:cxnSp>
+              <p:nvCxnSpPr>
+                <p:cNvPr id="103" name="Straight Arrow Connector 102"/>
+                <p:cNvCxnSpPr>
+                  <a:stCxn id="7" idx="7"/>
+                  <a:endCxn id="11" idx="2"/>
+                </p:cNvCxnSpPr>
                 <p:nvPr/>
-              </p:nvSpPr>
-              <p:spPr>
-                <a:xfrm>
-                  <a:off x="22700406" y="24538443"/>
-                  <a:ext cx="3052120" cy="1449536"/>
+              </p:nvCxnSpPr>
+              <p:spPr bwMode="auto">
+                <a:xfrm flipV="1">
+                  <a:off x="5460792" y="22381237"/>
+                  <a:ext cx="799308" cy="1982449"/>
                 </a:xfrm>
-                <a:prstGeom prst="rect">
+                <a:prstGeom prst="straightConnector1">
                   <a:avLst/>
                 </a:prstGeom>
-                <a:solidFill>
-                  <a:schemeClr val="accent1">
-                    <a:lumMod val="75000"/>
-                  </a:schemeClr>
-                </a:solidFill>
-                <a:ln w="38100">
+                <a:grpFill/>
+                <a:ln w="57150" cap="flat" cmpd="sng" algn="ctr">
                   <a:solidFill>
                     <a:schemeClr val="tx1">
                       <a:lumMod val="50000"/>
                     </a:schemeClr>
                   </a:solidFill>
+                  <a:prstDash val="solid"/>
+                  <a:round/>
+                  <a:headEnd type="triangle" w="lg" len="lg"/>
+                  <a:tailEnd type="none" w="med" len="med"/>
                 </a:ln>
-                <a:effectLst>
-                  <a:outerShdw blurRad="190500" dist="228600" dir="2700000" algn="ctr">
-                    <a:srgbClr val="000000">
-                      <a:alpha val="30000"/>
-                    </a:srgbClr>
-                  </a:outerShdw>
-                </a:effectLst>
+                <a:effectLst/>
               </p:spPr>
-              <p:txBody>
-                <a:bodyPr lIns="288000" tIns="180000" rIns="252000" bIns="144000" spcCol="360000" rtlCol="0" anchor="ctr"/>
-                <a:lstStyle/>
-                <a:p>
-                  <a:pPr algn="ctr">
-                    <a:spcBef>
-                      <a:spcPts val="0"/>
-                    </a:spcBef>
-                  </a:pPr>
-                  <a14:m>
-                    <m:oMathPara xmlns:m="http://schemas.openxmlformats.org/officeDocument/2006/math">
-                      <m:oMathParaPr>
-                        <m:jc m:val="centerGroup"/>
-                      </m:oMathParaPr>
-                      <m:oMath xmlns:m="http://schemas.openxmlformats.org/officeDocument/2006/math">
-                        <m:sSub>
-                          <m:sSubPr>
-                            <m:ctrlPr>
-                              <a:rPr lang="en-GB" sz="4800" b="1" i="1" smtClean="0">
-                                <a:solidFill>
-                                  <a:schemeClr val="tx1">
-                                    <a:lumMod val="50000"/>
-                                  </a:schemeClr>
-                                </a:solidFill>
-                                <a:latin typeface="Cambria Math" panose="02040503050406030204" pitchFamily="18" charset="0"/>
-                                <a:ea typeface="Cambria Math" panose="02040503050406030204" pitchFamily="18" charset="0"/>
-                              </a:rPr>
-                            </m:ctrlPr>
-                          </m:sSubPr>
-                          <m:e>
-                            <m:r>
-                              <a:rPr lang="en-GB" sz="4800" b="1" i="1">
-                                <a:solidFill>
-                                  <a:schemeClr val="tx1">
-                                    <a:lumMod val="50000"/>
-                                  </a:schemeClr>
-                                </a:solidFill>
-                                <a:latin typeface="Cambria Math" panose="02040503050406030204" pitchFamily="18" charset="0"/>
-                                <a:ea typeface="Cambria Math" panose="02040503050406030204" pitchFamily="18" charset="0"/>
-                              </a:rPr>
-                              <m:t>𝝁</m:t>
-                            </m:r>
-                          </m:e>
-                          <m:sub>
-                            <m:r>
-                              <a:rPr lang="en-GB" sz="4800" b="1" i="1" smtClean="0">
-                                <a:solidFill>
-                                  <a:schemeClr val="tx1">
-                                    <a:lumMod val="50000"/>
-                                  </a:schemeClr>
-                                </a:solidFill>
-                                <a:latin typeface="Cambria Math" panose="02040503050406030204" pitchFamily="18" charset="0"/>
-                                <a:ea typeface="Cambria Math" panose="02040503050406030204" pitchFamily="18" charset="0"/>
-                              </a:rPr>
-                              <m:t>𝑮𝑰𝑨</m:t>
-                            </m:r>
-                          </m:sub>
-                        </m:sSub>
-                      </m:oMath>
-                    </m:oMathPara>
-                  </a14:m>
-                  <a:endParaRPr lang="en-GB" sz="4800" b="1" dirty="0">
-                    <a:solidFill>
-                      <a:schemeClr val="tx1">
-                        <a:lumMod val="50000"/>
-                      </a:schemeClr>
-                    </a:solidFill>
-                    <a:latin typeface="Cambria Math" panose="02040503050406030204" pitchFamily="18" charset="0"/>
-                    <a:ea typeface="Cambria Math" panose="02040503050406030204" pitchFamily="18" charset="0"/>
-                    <a:cs typeface="+mn-cs"/>
-                  </a:endParaRPr>
-                </a:p>
-              </p:txBody>
-            </p:sp>
-          </mc:Choice>
-          <mc:Fallback xmlns="">
-            <p:sp>
-              <p:nvSpPr>
-                <p:cNvPr id="17" name="Rectangle 16"/>
-                <p:cNvSpPr>
-                  <a:spLocks noRot="1" noChangeAspect="1" noMove="1" noResize="1" noEditPoints="1" noAdjustHandles="1" noChangeArrowheads="1" noChangeShapeType="1" noTextEdit="1"/>
-                </p:cNvSpPr>
-                <p:nvPr/>
-              </p:nvSpPr>
-              <p:spPr>
-                <a:xfrm>
-                  <a:off x="22700406" y="24538443"/>
-                  <a:ext cx="3052120" cy="1449536"/>
-                </a:xfrm>
-                <a:prstGeom prst="rect">
-                  <a:avLst/>
-                </a:prstGeom>
-                <a:blipFill rotWithShape="0">
-                  <a:blip r:embed="rId16"/>
-                  <a:stretch>
-                    <a:fillRect/>
-                  </a:stretch>
-                </a:blipFill>
-                <a:ln w="38100">
-                  <a:solidFill>
-                    <a:schemeClr val="tx1">
-                      <a:lumMod val="50000"/>
-                    </a:schemeClr>
-                  </a:solidFill>
-                </a:ln>
-                <a:effectLst>
-                  <a:outerShdw blurRad="190500" dist="228600" dir="2700000" algn="ctr">
-                    <a:srgbClr val="000000">
-                      <a:alpha val="30000"/>
-                    </a:srgbClr>
-                  </a:outerShdw>
-                </a:effectLst>
-              </p:spPr>
-              <p:txBody>
-                <a:bodyPr/>
-                <a:lstStyle/>
-                <a:p>
-                  <a:r>
-                    <a:rPr lang="en-GB">
-                      <a:noFill/>
-                    </a:rPr>
-                    <a:t> </a:t>
-                  </a:r>
-                </a:p>
-              </p:txBody>
-            </p:sp>
-          </mc:Fallback>
-        </mc:AlternateContent>
-        <mc:AlternateContent xmlns:mc="http://schemas.openxmlformats.org/markup-compatibility/2006" xmlns:a14="http://schemas.microsoft.com/office/drawing/2010/main">
-          <mc:Choice Requires="a14">
-            <p:sp>
-              <p:nvSpPr>
-                <p:cNvPr id="18" name="Rectangle 17"/>
-                <p:cNvSpPr/>
-                <p:nvPr/>
-              </p:nvSpPr>
-              <p:spPr>
-                <a:xfrm>
-                  <a:off x="20159645" y="12594308"/>
-                  <a:ext cx="3052120" cy="1447424"/>
-                </a:xfrm>
-                <a:prstGeom prst="rect">
-                  <a:avLst/>
-                </a:prstGeom>
-                <a:solidFill>
-                  <a:schemeClr val="accent1">
-                    <a:lumMod val="75000"/>
-                  </a:schemeClr>
-                </a:solidFill>
-                <a:ln w="38100">
-                  <a:solidFill>
-                    <a:schemeClr val="tx1">
-                      <a:lumMod val="50000"/>
-                    </a:schemeClr>
-                  </a:solidFill>
-                </a:ln>
-                <a:effectLst>
-                  <a:outerShdw blurRad="190500" dist="228600" dir="2700000" algn="ctr">
-                    <a:srgbClr val="000000">
-                      <a:alpha val="30000"/>
-                    </a:srgbClr>
-                  </a:outerShdw>
-                </a:effectLst>
-              </p:spPr>
-              <p:txBody>
-                <a:bodyPr lIns="288000" tIns="180000" rIns="252000" bIns="144000" spcCol="360000" rtlCol="0" anchor="ctr"/>
-                <a:lstStyle/>
-                <a:p>
-                  <a:pPr algn="ctr">
-                    <a:spcBef>
-                      <a:spcPts val="0"/>
-                    </a:spcBef>
-                  </a:pPr>
-                  <a14:m>
-                    <m:oMathPara xmlns:m="http://schemas.openxmlformats.org/officeDocument/2006/math">
-                      <m:oMathParaPr>
-                        <m:jc m:val="centerGroup"/>
-                      </m:oMathParaPr>
-                      <m:oMath xmlns:m="http://schemas.openxmlformats.org/officeDocument/2006/math">
-                        <m:sSub>
-                          <m:sSubPr>
-                            <m:ctrlPr>
-                              <a:rPr lang="en-GB" sz="4800" b="1" i="1" smtClean="0">
-                                <a:solidFill>
-                                  <a:schemeClr val="tx1">
-                                    <a:lumMod val="50000"/>
-                                  </a:schemeClr>
-                                </a:solidFill>
-                                <a:latin typeface="Cambria Math" panose="02040503050406030204" pitchFamily="18" charset="0"/>
-                                <a:ea typeface="Cambria Math" panose="02040503050406030204" pitchFamily="18" charset="0"/>
-                              </a:rPr>
-                            </m:ctrlPr>
-                          </m:sSubPr>
-                          <m:e>
-                            <m:r>
-                              <a:rPr lang="en-GB" sz="4800" b="1" i="1">
-                                <a:solidFill>
-                                  <a:schemeClr val="tx1">
-                                    <a:lumMod val="50000"/>
-                                  </a:schemeClr>
-                                </a:solidFill>
-                                <a:latin typeface="Cambria Math" panose="02040503050406030204" pitchFamily="18" charset="0"/>
-                                <a:ea typeface="Cambria Math" panose="02040503050406030204" pitchFamily="18" charset="0"/>
-                              </a:rPr>
-                              <m:t>𝝁</m:t>
-                            </m:r>
-                          </m:e>
-                          <m:sub>
-                            <m:r>
-                              <a:rPr lang="en-GB" sz="4800" b="1" i="1" smtClean="0">
-                                <a:solidFill>
-                                  <a:schemeClr val="tx1">
-                                    <a:lumMod val="50000"/>
-                                  </a:schemeClr>
-                                </a:solidFill>
-                                <a:latin typeface="Cambria Math" panose="02040503050406030204" pitchFamily="18" charset="0"/>
-                                <a:ea typeface="Cambria Math" panose="02040503050406030204" pitchFamily="18" charset="0"/>
-                              </a:rPr>
-                              <m:t>𝜽</m:t>
-                            </m:r>
-                          </m:sub>
-                        </m:sSub>
-                      </m:oMath>
-                    </m:oMathPara>
-                  </a14:m>
-                  <a:endParaRPr lang="en-GB" sz="4800" b="1" dirty="0">
-                    <a:solidFill>
-                      <a:schemeClr val="tx1">
-                        <a:lumMod val="50000"/>
-                      </a:schemeClr>
-                    </a:solidFill>
-                    <a:latin typeface="Cambria Math" panose="02040503050406030204" pitchFamily="18" charset="0"/>
-                    <a:ea typeface="Cambria Math" panose="02040503050406030204" pitchFamily="18" charset="0"/>
-                    <a:cs typeface="+mn-cs"/>
-                  </a:endParaRPr>
-                </a:p>
-              </p:txBody>
-            </p:sp>
-          </mc:Choice>
-          <mc:Fallback xmlns="">
-            <p:sp>
-              <p:nvSpPr>
-                <p:cNvPr id="18" name="Rectangle 17"/>
-                <p:cNvSpPr>
-                  <a:spLocks noRot="1" noChangeAspect="1" noMove="1" noResize="1" noEditPoints="1" noAdjustHandles="1" noChangeArrowheads="1" noChangeShapeType="1" noTextEdit="1"/>
-                </p:cNvSpPr>
-                <p:nvPr/>
-              </p:nvSpPr>
-              <p:spPr>
-                <a:xfrm>
-                  <a:off x="20159645" y="12594308"/>
-                  <a:ext cx="3052120" cy="1447424"/>
-                </a:xfrm>
-                <a:prstGeom prst="rect">
-                  <a:avLst/>
-                </a:prstGeom>
-                <a:blipFill rotWithShape="0">
-                  <a:blip r:embed="rId17"/>
-                  <a:stretch>
-                    <a:fillRect/>
-                  </a:stretch>
-                </a:blipFill>
-                <a:ln w="38100">
-                  <a:solidFill>
-                    <a:schemeClr val="tx1">
-                      <a:lumMod val="50000"/>
-                    </a:schemeClr>
-                  </a:solidFill>
-                </a:ln>
-                <a:effectLst>
-                  <a:outerShdw blurRad="190500" dist="228600" dir="2700000" algn="ctr">
-                    <a:srgbClr val="000000">
-                      <a:alpha val="30000"/>
-                    </a:srgbClr>
-                  </a:outerShdw>
-                </a:effectLst>
-              </p:spPr>
-              <p:txBody>
-                <a:bodyPr/>
-                <a:lstStyle/>
-                <a:p>
-                  <a:r>
-                    <a:rPr lang="en-GB">
-                      <a:noFill/>
-                    </a:rPr>
-                    <a:t> </a:t>
-                  </a:r>
-                </a:p>
-              </p:txBody>
-            </p:sp>
-          </mc:Fallback>
-        </mc:AlternateContent>
-        <mc:AlternateContent xmlns:mc="http://schemas.openxmlformats.org/markup-compatibility/2006" xmlns:a14="http://schemas.microsoft.com/office/drawing/2010/main">
-          <mc:Choice Requires="a14">
-            <p:sp>
-              <p:nvSpPr>
-                <p:cNvPr id="19" name="Rectangle 18"/>
-                <p:cNvSpPr/>
-                <p:nvPr/>
-              </p:nvSpPr>
-              <p:spPr>
-                <a:xfrm>
-                  <a:off x="24739810" y="16136272"/>
-                  <a:ext cx="2881653" cy="1417822"/>
-                </a:xfrm>
-                <a:prstGeom prst="rect">
-                  <a:avLst/>
-                </a:prstGeom>
-                <a:solidFill>
-                  <a:schemeClr val="accent1">
-                    <a:lumMod val="75000"/>
-                  </a:schemeClr>
-                </a:solidFill>
-                <a:ln w="38100">
-                  <a:solidFill>
-                    <a:schemeClr val="tx1">
-                      <a:lumMod val="50000"/>
-                    </a:schemeClr>
-                  </a:solidFill>
-                </a:ln>
-                <a:effectLst>
-                  <a:outerShdw blurRad="190500" dist="228600" dir="2700000" algn="ctr">
-                    <a:srgbClr val="000000">
-                      <a:alpha val="30000"/>
-                    </a:srgbClr>
-                  </a:outerShdw>
-                </a:effectLst>
-              </p:spPr>
-              <p:txBody>
-                <a:bodyPr lIns="288000" tIns="180000" rIns="252000" bIns="144000" spcCol="360000" rtlCol="0" anchor="ctr"/>
-                <a:lstStyle/>
-                <a:p>
-                  <a:pPr algn="ctr">
-                    <a:spcBef>
-                      <a:spcPts val="0"/>
-                    </a:spcBef>
-                  </a:pPr>
-                  <a14:m>
-                    <m:oMathPara xmlns:m="http://schemas.openxmlformats.org/officeDocument/2006/math">
-                      <m:oMathParaPr>
-                        <m:jc m:val="centerGroup"/>
-                      </m:oMathParaPr>
-                      <m:oMath xmlns:m="http://schemas.openxmlformats.org/officeDocument/2006/math">
-                        <m:sSubSup>
-                          <m:sSubSupPr>
-                            <m:ctrlPr>
-                              <a:rPr lang="en-GB" sz="4800" b="1" i="1" smtClean="0">
-                                <a:solidFill>
-                                  <a:schemeClr val="tx1">
-                                    <a:lumMod val="50000"/>
-                                  </a:schemeClr>
-                                </a:solidFill>
-                                <a:latin typeface="Cambria Math" panose="02040503050406030204" pitchFamily="18" charset="0"/>
-                                <a:ea typeface="Cambria Math" panose="02040503050406030204" pitchFamily="18" charset="0"/>
-                              </a:rPr>
-                            </m:ctrlPr>
-                          </m:sSubSupPr>
-                          <m:e>
-                            <m:r>
-                              <a:rPr lang="en-GB" sz="4800" b="1" i="1">
-                                <a:solidFill>
-                                  <a:schemeClr val="tx1">
-                                    <a:lumMod val="50000"/>
-                                  </a:schemeClr>
-                                </a:solidFill>
-                                <a:latin typeface="Cambria Math" panose="02040503050406030204" pitchFamily="18" charset="0"/>
-                                <a:ea typeface="Cambria Math" panose="02040503050406030204" pitchFamily="18" charset="0"/>
-                              </a:rPr>
-                              <m:t>𝝈</m:t>
-                            </m:r>
-                          </m:e>
-                          <m:sub>
-                            <m:r>
-                              <a:rPr lang="en-GB" sz="4800" b="1" i="1" smtClean="0">
-                                <a:solidFill>
-                                  <a:schemeClr val="tx1">
-                                    <a:lumMod val="50000"/>
-                                  </a:schemeClr>
-                                </a:solidFill>
-                                <a:latin typeface="Cambria Math" panose="02040503050406030204" pitchFamily="18" charset="0"/>
-                                <a:ea typeface="Cambria Math" panose="02040503050406030204" pitchFamily="18" charset="0"/>
-                              </a:rPr>
-                              <m:t>𝜽</m:t>
-                            </m:r>
-                          </m:sub>
-                          <m:sup>
-                            <m:r>
-                              <a:rPr lang="en-GB" sz="4800" b="1" i="1">
-                                <a:solidFill>
-                                  <a:schemeClr val="tx1">
-                                    <a:lumMod val="50000"/>
-                                  </a:schemeClr>
-                                </a:solidFill>
-                                <a:latin typeface="Cambria Math" panose="02040503050406030204" pitchFamily="18" charset="0"/>
-                                <a:ea typeface="Cambria Math" panose="02040503050406030204" pitchFamily="18" charset="0"/>
-                              </a:rPr>
-                              <m:t>𝟐</m:t>
-                            </m:r>
-                          </m:sup>
-                        </m:sSubSup>
-                      </m:oMath>
-                    </m:oMathPara>
-                  </a14:m>
-                  <a:endParaRPr lang="en-GB" sz="4800" b="1" dirty="0">
-                    <a:solidFill>
-                      <a:schemeClr val="tx1">
-                        <a:lumMod val="50000"/>
-                      </a:schemeClr>
-                    </a:solidFill>
-                    <a:latin typeface="Cambria Math" panose="02040503050406030204" pitchFamily="18" charset="0"/>
-                    <a:ea typeface="Cambria Math" panose="02040503050406030204" pitchFamily="18" charset="0"/>
-                    <a:cs typeface="+mn-cs"/>
-                  </a:endParaRPr>
-                </a:p>
-              </p:txBody>
-            </p:sp>
-          </mc:Choice>
-          <mc:Fallback xmlns="">
-            <p:sp>
-              <p:nvSpPr>
-                <p:cNvPr id="19" name="Rectangle 18"/>
-                <p:cNvSpPr>
-                  <a:spLocks noRot="1" noChangeAspect="1" noMove="1" noResize="1" noEditPoints="1" noAdjustHandles="1" noChangeArrowheads="1" noChangeShapeType="1" noTextEdit="1"/>
-                </p:cNvSpPr>
-                <p:nvPr/>
-              </p:nvSpPr>
-              <p:spPr>
-                <a:xfrm>
-                  <a:off x="24739810" y="16136272"/>
-                  <a:ext cx="2881653" cy="1417822"/>
-                </a:xfrm>
-                <a:prstGeom prst="rect">
-                  <a:avLst/>
-                </a:prstGeom>
-                <a:blipFill rotWithShape="0">
-                  <a:blip r:embed="rId18"/>
-                  <a:stretch>
-                    <a:fillRect/>
-                  </a:stretch>
-                </a:blipFill>
-                <a:ln w="38100">
-                  <a:solidFill>
-                    <a:schemeClr val="tx1">
-                      <a:lumMod val="50000"/>
-                    </a:schemeClr>
-                  </a:solidFill>
-                </a:ln>
-                <a:effectLst>
-                  <a:outerShdw blurRad="190500" dist="228600" dir="2700000" algn="ctr">
-                    <a:srgbClr val="000000">
-                      <a:alpha val="30000"/>
-                    </a:srgbClr>
-                  </a:outerShdw>
-                </a:effectLst>
-              </p:spPr>
-              <p:txBody>
-                <a:bodyPr/>
-                <a:lstStyle/>
-                <a:p>
-                  <a:r>
-                    <a:rPr lang="en-GB">
-                      <a:noFill/>
-                    </a:rPr>
-                    <a:t> </a:t>
-                  </a:r>
-                </a:p>
-              </p:txBody>
-            </p:sp>
-          </mc:Fallback>
-        </mc:AlternateContent>
-        <p:cxnSp>
-          <p:nvCxnSpPr>
-            <p:cNvPr id="22" name="Straight Arrow Connector 21"/>
-            <p:cNvCxnSpPr>
-              <a:stCxn id="9" idx="6"/>
-              <a:endCxn id="19" idx="1"/>
-            </p:cNvCxnSpPr>
+            </p:cxnSp>
+          </p:grpSp>
+        </p:grpSp>
+        <p:sp>
+          <p:nvSpPr>
+            <p:cNvPr id="20" name="TextBox 19"/>
+            <p:cNvSpPr txBox="1"/>
             <p:nvPr/>
-          </p:nvCxnSpPr>
-          <p:spPr bwMode="auto">
-            <a:xfrm flipV="1">
-              <a:off x="23154013" y="16845183"/>
-              <a:ext cx="1585797" cy="1"/>
+          </p:nvSpPr>
+          <p:spPr>
+            <a:xfrm>
+              <a:off x="3049362" y="9702784"/>
+              <a:ext cx="11263743" cy="707886"/>
             </a:xfrm>
-            <a:prstGeom prst="straightConnector1">
+            <a:prstGeom prst="rect">
               <a:avLst/>
             </a:prstGeom>
             <a:noFill/>
-            <a:ln w="57150" cap="flat" cmpd="sng" algn="ctr">
-              <a:solidFill>
-                <a:schemeClr val="tx1">
-                  <a:lumMod val="50000"/>
-                </a:schemeClr>
-              </a:solidFill>
-              <a:prstDash val="solid"/>
-              <a:round/>
-              <a:headEnd type="triangle" w="lg" len="lg"/>
-              <a:tailEnd type="none" w="med" len="med"/>
-            </a:ln>
-            <a:effectLst/>
           </p:spPr>
-        </p:cxnSp>
-        <p:cxnSp>
-          <p:nvCxnSpPr>
-            <p:cNvPr id="28" name="Straight Arrow Connector 27"/>
-            <p:cNvCxnSpPr>
-              <a:stCxn id="18" idx="2"/>
-              <a:endCxn id="9" idx="0"/>
-            </p:cNvCxnSpPr>
+          <p:txBody>
+            <a:bodyPr wrap="square" rtlCol="0">
+              <a:spAutoFit/>
+            </a:bodyPr>
+            <a:lstStyle/>
+            <a:p>
+              <a:r>
+                <a:rPr lang="en-GB" sz="4000" b="1" dirty="0" smtClean="0">
+                  <a:solidFill>
+                    <a:srgbClr val="FF0000"/>
+                  </a:solidFill>
+                </a:rPr>
+                <a:t>Global GPS Data – point observations</a:t>
+              </a:r>
+              <a:endParaRPr lang="en-GB" sz="4000" b="1" dirty="0">
+                <a:solidFill>
+                  <a:srgbClr val="FF0000"/>
+                </a:solidFill>
+              </a:endParaRPr>
+            </a:p>
+          </p:txBody>
+        </p:sp>
+        <p:sp>
+          <p:nvSpPr>
+            <p:cNvPr id="45" name="TextBox 44"/>
+            <p:cNvSpPr txBox="1"/>
             <p:nvPr/>
-          </p:nvCxnSpPr>
-          <p:spPr bwMode="auto">
+          </p:nvSpPr>
+          <p:spPr>
             <a:xfrm>
-              <a:off x="21685705" y="14041732"/>
-              <a:ext cx="0" cy="1450709"/>
+              <a:off x="762754" y="19433850"/>
+              <a:ext cx="9771091" cy="1200329"/>
             </a:xfrm>
-            <a:prstGeom prst="straightConnector1">
+            <a:prstGeom prst="rect">
               <a:avLst/>
             </a:prstGeom>
             <a:noFill/>
-            <a:ln w="57150" cap="flat" cmpd="sng" algn="ctr">
-              <a:solidFill>
-                <a:schemeClr val="tx1">
-                  <a:lumMod val="50000"/>
-                </a:schemeClr>
-              </a:solidFill>
-              <a:prstDash val="solid"/>
-              <a:round/>
-              <a:headEnd type="none" w="lg" len="lg"/>
-              <a:tailEnd type="triangle" w="lg" len="lg"/>
-            </a:ln>
-            <a:effectLst/>
           </p:spPr>
-        </p:cxnSp>
-        <p:cxnSp>
-          <p:nvCxnSpPr>
-            <p:cNvPr id="33" name="Straight Arrow Connector 32"/>
-            <p:cNvCxnSpPr>
-              <a:stCxn id="6" idx="5"/>
-              <a:endCxn id="17" idx="0"/>
-            </p:cNvCxnSpPr>
+          <p:txBody>
+            <a:bodyPr wrap="square" rtlCol="0">
+              <a:spAutoFit/>
+            </a:bodyPr>
+            <a:lstStyle/>
+            <a:p>
+              <a:r>
+                <a:rPr lang="en-GB" b="1" dirty="0">
+                  <a:solidFill>
+                    <a:srgbClr val="FF0000"/>
+                  </a:solidFill>
+                </a:rPr>
+                <a:t>Spatial resolution of Gravity Recovery And Climate </a:t>
+              </a:r>
+              <a:r>
+                <a:rPr lang="en-GB" b="1" dirty="0" smtClean="0">
+                  <a:solidFill>
+                    <a:srgbClr val="FF0000"/>
+                  </a:solidFill>
+                </a:rPr>
+                <a:t>Experiment (GRACE) </a:t>
+              </a:r>
+              <a:endParaRPr lang="en-GB" sz="4400" b="1" dirty="0">
+                <a:solidFill>
+                  <a:srgbClr val="FF0000"/>
+                </a:solidFill>
+              </a:endParaRPr>
+            </a:p>
+          </p:txBody>
+        </p:sp>
+        <p:sp>
+          <p:nvSpPr>
+            <p:cNvPr id="46" name="TextBox 45"/>
+            <p:cNvSpPr txBox="1"/>
             <p:nvPr/>
-          </p:nvCxnSpPr>
-          <p:spPr bwMode="auto">
+          </p:nvSpPr>
+          <p:spPr>
             <a:xfrm>
-              <a:off x="23111391" y="22808190"/>
-              <a:ext cx="1115075" cy="1730253"/>
+              <a:off x="23316012" y="9754576"/>
+              <a:ext cx="8581749" cy="707886"/>
             </a:xfrm>
-            <a:prstGeom prst="straightConnector1">
+            <a:prstGeom prst="rect">
               <a:avLst/>
             </a:prstGeom>
             <a:noFill/>
-            <a:ln w="57150" cap="flat" cmpd="sng" algn="ctr">
-              <a:solidFill>
-                <a:schemeClr val="tx1">
-                  <a:lumMod val="50000"/>
-                </a:schemeClr>
-              </a:solidFill>
-              <a:prstDash val="solid"/>
-              <a:round/>
-              <a:headEnd type="triangle" w="lg" len="lg"/>
-              <a:tailEnd type="none" w="med" len="med"/>
-            </a:ln>
-            <a:effectLst/>
           </p:spPr>
-        </p:cxnSp>
-        <p:cxnSp>
-          <p:nvCxnSpPr>
-            <p:cNvPr id="37" name="Straight Arrow Connector 36"/>
-            <p:cNvCxnSpPr>
-              <a:stCxn id="6" idx="0"/>
-              <a:endCxn id="9" idx="4"/>
-            </p:cNvCxnSpPr>
+          <p:txBody>
+            <a:bodyPr wrap="square" rtlCol="0">
+              <a:spAutoFit/>
+            </a:bodyPr>
+            <a:lstStyle/>
+            <a:p>
+              <a:r>
+                <a:rPr lang="en-GB" sz="4000" b="1" dirty="0" smtClean="0">
+                  <a:solidFill>
+                    <a:srgbClr val="FF0000"/>
+                  </a:solidFill>
+                </a:rPr>
+                <a:t>A semi-regular mesh for GIA </a:t>
+              </a:r>
+              <a:endParaRPr lang="en-GB" sz="4000" b="1" dirty="0">
+                <a:solidFill>
+                  <a:srgbClr val="FF0000"/>
+                </a:solidFill>
+              </a:endParaRPr>
+            </a:p>
+          </p:txBody>
+        </p:sp>
+        <p:sp>
+          <p:nvSpPr>
+            <p:cNvPr id="47" name="TextBox 46"/>
+            <p:cNvSpPr txBox="1"/>
             <p:nvPr/>
-          </p:nvCxnSpPr>
-          <p:spPr bwMode="auto">
-            <a:xfrm flipV="1">
-              <a:off x="21685705" y="18197926"/>
-              <a:ext cx="0" cy="1352742"/>
+          </p:nvSpPr>
+          <p:spPr>
+            <a:xfrm>
+              <a:off x="23423440" y="27060403"/>
+              <a:ext cx="7794581" cy="707886"/>
             </a:xfrm>
-            <a:prstGeom prst="straightConnector1">
+            <a:prstGeom prst="rect">
               <a:avLst/>
             </a:prstGeom>
             <a:noFill/>
-            <a:ln w="57150" cap="flat" cmpd="sng" algn="ctr">
+          </p:spPr>
+          <p:txBody>
+            <a:bodyPr wrap="square" rtlCol="0">
+              <a:spAutoFit/>
+            </a:bodyPr>
+            <a:lstStyle/>
+            <a:p>
+              <a:r>
+                <a:rPr lang="en-GB" sz="4000" b="1" dirty="0" smtClean="0">
+                  <a:solidFill>
+                    <a:srgbClr val="FF0000"/>
+                  </a:solidFill>
+                </a:rPr>
+                <a:t>An adaptive mesh for GIA</a:t>
+              </a:r>
+              <a:endParaRPr lang="en-GB" sz="4000" b="1" dirty="0">
+                <a:solidFill>
+                  <a:srgbClr val="FF0000"/>
+                </a:solidFill>
+              </a:endParaRPr>
+            </a:p>
+          </p:txBody>
+        </p:sp>
+      </p:grpSp>
+      <p:sp>
+        <p:nvSpPr>
+          <p:cNvPr id="30" name="TextBox 29"/>
+          <p:cNvSpPr txBox="1"/>
+          <p:nvPr/>
+        </p:nvSpPr>
+        <p:spPr>
+          <a:xfrm>
+            <a:off x="360973" y="27277621"/>
+            <a:ext cx="13114378" cy="1200329"/>
+          </a:xfrm>
+          <a:prstGeom prst="rect">
+            <a:avLst/>
+          </a:prstGeom>
+          <a:noFill/>
+        </p:spPr>
+        <p:txBody>
+          <a:bodyPr wrap="square" rtlCol="0">
+            <a:spAutoFit/>
+          </a:bodyPr>
+          <a:lstStyle/>
+          <a:p>
+            <a:r>
+              <a:rPr lang="en-GB" b="1" dirty="0" smtClean="0">
+                <a:solidFill>
+                  <a:srgbClr val="FF0000"/>
+                </a:solidFill>
+              </a:rPr>
+              <a:t>The data are aggregated </a:t>
+            </a:r>
+            <a:r>
+              <a:rPr lang="en-GB" b="1" dirty="0">
+                <a:solidFill>
+                  <a:srgbClr val="FF0000"/>
+                </a:solidFill>
+              </a:rPr>
+              <a:t>over approx. 3°x3° grid cells with long range error correlation.</a:t>
+            </a:r>
+            <a:endParaRPr lang="en-GB" b="1" dirty="0">
               <a:solidFill>
-                <a:schemeClr val="tx1">
-                  <a:lumMod val="50000"/>
-                </a:schemeClr>
+                <a:srgbClr val="FF0000"/>
               </a:solidFill>
-              <a:prstDash val="solid"/>
-              <a:round/>
-              <a:headEnd type="triangle" w="lg" len="lg"/>
-              <a:tailEnd type="none" w="med" len="med"/>
-            </a:ln>
-            <a:effectLst/>
-          </p:spPr>
-        </p:cxnSp>
-        <p:cxnSp>
-          <p:nvCxnSpPr>
-            <p:cNvPr id="51" name="Straight Arrow Connector 50"/>
-            <p:cNvCxnSpPr>
-              <a:stCxn id="4" idx="6"/>
-              <a:endCxn id="6" idx="1"/>
-            </p:cNvCxnSpPr>
-            <p:nvPr/>
-          </p:nvCxnSpPr>
-          <p:spPr bwMode="auto">
-            <a:xfrm>
-              <a:off x="18364991" y="18881933"/>
-              <a:ext cx="1895029" cy="1227637"/>
-            </a:xfrm>
-            <a:prstGeom prst="straightConnector1">
-              <a:avLst/>
-            </a:prstGeom>
-            <a:noFill/>
-            <a:ln w="57150" cap="flat" cmpd="sng" algn="ctr">
-              <a:solidFill>
-                <a:schemeClr val="tx1">
-                  <a:lumMod val="50000"/>
-                </a:schemeClr>
-              </a:solidFill>
-              <a:prstDash val="solid"/>
-              <a:round/>
-              <a:headEnd type="triangle" w="lg" len="lg"/>
-              <a:tailEnd type="none" w="med" len="med"/>
-            </a:ln>
-            <a:effectLst/>
-          </p:spPr>
-        </p:cxnSp>
-        <p:cxnSp>
-          <p:nvCxnSpPr>
-            <p:cNvPr id="54" name="Straight Arrow Connector 53"/>
-            <p:cNvCxnSpPr>
-              <a:stCxn id="16" idx="6"/>
-            </p:cNvCxnSpPr>
-            <p:nvPr/>
-          </p:nvCxnSpPr>
-          <p:spPr bwMode="auto">
-            <a:xfrm flipV="1">
-              <a:off x="18364991" y="22815055"/>
-              <a:ext cx="1930792" cy="1320890"/>
-            </a:xfrm>
-            <a:prstGeom prst="straightConnector1">
-              <a:avLst/>
-            </a:prstGeom>
-            <a:noFill/>
-            <a:ln w="57150" cap="flat" cmpd="sng" algn="ctr">
-              <a:solidFill>
-                <a:schemeClr val="tx1">
-                  <a:lumMod val="50000"/>
-                </a:schemeClr>
-              </a:solidFill>
-              <a:prstDash val="solid"/>
-              <a:round/>
-              <a:headEnd type="triangle" w="lg" len="lg"/>
-              <a:tailEnd type="none" w="med" len="med"/>
-            </a:ln>
-            <a:effectLst/>
-          </p:spPr>
-        </p:cxnSp>
-        <p:cxnSp>
-          <p:nvCxnSpPr>
-            <p:cNvPr id="57" name="Straight Arrow Connector 56"/>
-            <p:cNvCxnSpPr>
-              <a:stCxn id="4" idx="0"/>
-              <a:endCxn id="14" idx="2"/>
-            </p:cNvCxnSpPr>
-            <p:nvPr/>
-          </p:nvCxnSpPr>
-          <p:spPr bwMode="auto">
-            <a:xfrm flipV="1">
-              <a:off x="16348767" y="15083514"/>
-              <a:ext cx="1" cy="1890206"/>
-            </a:xfrm>
-            <a:prstGeom prst="straightConnector1">
-              <a:avLst/>
-            </a:prstGeom>
-            <a:noFill/>
-            <a:ln w="57150" cap="flat" cmpd="sng" algn="ctr">
-              <a:solidFill>
-                <a:schemeClr val="tx1">
-                  <a:lumMod val="50000"/>
-                </a:schemeClr>
-              </a:solidFill>
-              <a:prstDash val="solid"/>
-              <a:round/>
-              <a:headEnd type="triangle" w="lg" len="lg"/>
-              <a:tailEnd type="none" w="med" len="med"/>
-            </a:ln>
-            <a:effectLst/>
-          </p:spPr>
-        </p:cxnSp>
-        <p:cxnSp>
-          <p:nvCxnSpPr>
-            <p:cNvPr id="62" name="Straight Arrow Connector 61"/>
-            <p:cNvCxnSpPr>
-              <a:stCxn id="3" idx="6"/>
-              <a:endCxn id="4" idx="2"/>
-            </p:cNvCxnSpPr>
-            <p:nvPr/>
-          </p:nvCxnSpPr>
-          <p:spPr bwMode="auto">
-            <a:xfrm>
-              <a:off x="12410952" y="18881932"/>
-              <a:ext cx="1921591" cy="0"/>
-            </a:xfrm>
-            <a:prstGeom prst="straightConnector1">
-              <a:avLst/>
-            </a:prstGeom>
-            <a:noFill/>
-            <a:ln w="57150" cap="flat" cmpd="sng" algn="ctr">
-              <a:solidFill>
-                <a:schemeClr val="tx1">
-                  <a:lumMod val="50000"/>
-                </a:schemeClr>
-              </a:solidFill>
-              <a:prstDash val="solid"/>
-              <a:round/>
-              <a:headEnd type="triangle" w="lg" len="lg"/>
-              <a:tailEnd type="none" w="med" len="med"/>
-            </a:ln>
-            <a:effectLst/>
-          </p:spPr>
-        </p:cxnSp>
-        <p:cxnSp>
-          <p:nvCxnSpPr>
-            <p:cNvPr id="65" name="Straight Arrow Connector 64"/>
-            <p:cNvCxnSpPr>
-              <a:stCxn id="5" idx="6"/>
-              <a:endCxn id="16" idx="2"/>
-            </p:cNvCxnSpPr>
-            <p:nvPr/>
-          </p:nvCxnSpPr>
-          <p:spPr bwMode="auto">
-            <a:xfrm>
-              <a:off x="12400245" y="24135946"/>
-              <a:ext cx="1932298" cy="0"/>
-            </a:xfrm>
-            <a:prstGeom prst="straightConnector1">
-              <a:avLst/>
-            </a:prstGeom>
-            <a:noFill/>
-            <a:ln w="57150" cap="flat" cmpd="sng" algn="ctr">
-              <a:solidFill>
-                <a:schemeClr val="tx1">
-                  <a:lumMod val="50000"/>
-                </a:schemeClr>
-              </a:solidFill>
-              <a:prstDash val="solid"/>
-              <a:round/>
-              <a:headEnd type="triangle" w="lg" len="lg"/>
-              <a:tailEnd type="none" w="med" len="med"/>
-            </a:ln>
-            <a:effectLst/>
-          </p:spPr>
-        </p:cxnSp>
-        <p:cxnSp>
-          <p:nvCxnSpPr>
-            <p:cNvPr id="67" name="Straight Arrow Connector 66"/>
-            <p:cNvCxnSpPr>
-              <a:stCxn id="3" idx="0"/>
-              <a:endCxn id="12" idx="2"/>
-            </p:cNvCxnSpPr>
-            <p:nvPr/>
-          </p:nvCxnSpPr>
-          <p:spPr bwMode="auto">
-            <a:xfrm flipV="1">
-              <a:off x="10394728" y="15083514"/>
-              <a:ext cx="12686" cy="1890206"/>
-            </a:xfrm>
-            <a:prstGeom prst="straightConnector1">
-              <a:avLst/>
-            </a:prstGeom>
-            <a:noFill/>
-            <a:ln w="57150" cap="flat" cmpd="sng" algn="ctr">
-              <a:solidFill>
-                <a:schemeClr val="tx1">
-                  <a:lumMod val="50000"/>
-                </a:schemeClr>
-              </a:solidFill>
-              <a:prstDash val="solid"/>
-              <a:round/>
-              <a:headEnd type="triangle" w="lg" len="lg"/>
-              <a:tailEnd type="none" w="med" len="med"/>
-            </a:ln>
-            <a:effectLst/>
-          </p:spPr>
-        </p:cxnSp>
-        <p:cxnSp>
-          <p:nvCxnSpPr>
-            <p:cNvPr id="71" name="Straight Arrow Connector 70"/>
-            <p:cNvCxnSpPr>
-              <a:stCxn id="5" idx="4"/>
-              <a:endCxn id="13" idx="0"/>
-            </p:cNvCxnSpPr>
-            <p:nvPr/>
-          </p:nvCxnSpPr>
-          <p:spPr bwMode="auto">
-            <a:xfrm>
-              <a:off x="10384021" y="26044157"/>
-              <a:ext cx="10707" cy="1686749"/>
-            </a:xfrm>
-            <a:prstGeom prst="straightConnector1">
-              <a:avLst/>
-            </a:prstGeom>
-            <a:noFill/>
-            <a:ln w="57150" cap="flat" cmpd="sng" algn="ctr">
-              <a:solidFill>
-                <a:schemeClr val="tx1">
-                  <a:lumMod val="50000"/>
-                </a:schemeClr>
-              </a:solidFill>
-              <a:prstDash val="solid"/>
-              <a:round/>
-              <a:headEnd type="triangle" w="lg" len="lg"/>
-              <a:tailEnd type="none" w="med" len="med"/>
-            </a:ln>
-            <a:effectLst/>
-          </p:spPr>
-        </p:cxnSp>
-        <p:cxnSp>
-          <p:nvCxnSpPr>
-            <p:cNvPr id="75" name="Straight Arrow Connector 74"/>
-            <p:cNvCxnSpPr>
-              <a:stCxn id="16" idx="4"/>
-              <a:endCxn id="15" idx="0"/>
-            </p:cNvCxnSpPr>
-            <p:nvPr/>
-          </p:nvCxnSpPr>
-          <p:spPr bwMode="auto">
-            <a:xfrm>
-              <a:off x="16348767" y="26044157"/>
-              <a:ext cx="43085" cy="1700406"/>
-            </a:xfrm>
-            <a:prstGeom prst="straightConnector1">
-              <a:avLst/>
-            </a:prstGeom>
-            <a:noFill/>
-            <a:ln w="57150" cap="flat" cmpd="sng" algn="ctr">
-              <a:solidFill>
-                <a:schemeClr val="tx1">
-                  <a:lumMod val="50000"/>
-                </a:schemeClr>
-              </a:solidFill>
-              <a:prstDash val="solid"/>
-              <a:round/>
-              <a:headEnd type="triangle" w="lg" len="lg"/>
-              <a:tailEnd type="none" w="med" len="med"/>
-            </a:ln>
-            <a:effectLst/>
-          </p:spPr>
-        </p:cxnSp>
-        <p:cxnSp>
-          <p:nvCxnSpPr>
-            <p:cNvPr id="80" name="Straight Arrow Connector 79"/>
-            <p:cNvCxnSpPr>
-              <a:stCxn id="5" idx="2"/>
-              <a:endCxn id="7" idx="6"/>
-            </p:cNvCxnSpPr>
-            <p:nvPr/>
-          </p:nvCxnSpPr>
-          <p:spPr bwMode="auto">
-            <a:xfrm flipH="1">
-              <a:off x="5826808" y="24135946"/>
-              <a:ext cx="2540989" cy="1064892"/>
-            </a:xfrm>
-            <a:prstGeom prst="straightConnector1">
-              <a:avLst/>
-            </a:prstGeom>
-            <a:noFill/>
-            <a:ln w="57150" cap="flat" cmpd="sng" algn="ctr">
-              <a:solidFill>
-                <a:schemeClr val="tx1">
-                  <a:lumMod val="50000"/>
-                </a:schemeClr>
-              </a:solidFill>
-              <a:prstDash val="solid"/>
-              <a:round/>
-              <a:headEnd type="triangle" w="lg" len="lg"/>
-              <a:tailEnd type="none" w="med" len="med"/>
-            </a:ln>
-            <a:effectLst/>
-          </p:spPr>
-        </p:cxnSp>
-        <p:cxnSp>
-          <p:nvCxnSpPr>
-            <p:cNvPr id="84" name="Straight Arrow Connector 83"/>
-            <p:cNvCxnSpPr>
-              <a:stCxn id="3" idx="2"/>
-              <a:endCxn id="8" idx="6"/>
-            </p:cNvCxnSpPr>
-            <p:nvPr/>
-          </p:nvCxnSpPr>
-          <p:spPr bwMode="auto">
-            <a:xfrm flipH="1" flipV="1">
-              <a:off x="5759532" y="18056890"/>
-              <a:ext cx="2618972" cy="825042"/>
-            </a:xfrm>
-            <a:prstGeom prst="straightConnector1">
-              <a:avLst/>
-            </a:prstGeom>
-            <a:noFill/>
-            <a:ln w="57150" cap="flat" cmpd="sng" algn="ctr">
-              <a:solidFill>
-                <a:schemeClr val="tx1">
-                  <a:lumMod val="50000"/>
-                </a:schemeClr>
-              </a:solidFill>
-              <a:prstDash val="solid"/>
-              <a:round/>
-              <a:headEnd type="triangle" w="lg" len="lg"/>
-              <a:tailEnd type="none" w="lg" len="lg"/>
-            </a:ln>
-            <a:effectLst/>
-          </p:spPr>
-        </p:cxnSp>
-        <p:cxnSp>
-          <p:nvCxnSpPr>
-            <p:cNvPr id="89" name="Straight Arrow Connector 88"/>
-            <p:cNvCxnSpPr>
-              <a:stCxn id="8" idx="3"/>
-              <a:endCxn id="10" idx="0"/>
-            </p:cNvCxnSpPr>
-            <p:nvPr/>
-          </p:nvCxnSpPr>
-          <p:spPr bwMode="auto">
-            <a:xfrm flipH="1">
-              <a:off x="2833385" y="18871797"/>
-              <a:ext cx="792849" cy="1883671"/>
-            </a:xfrm>
-            <a:prstGeom prst="straightConnector1">
-              <a:avLst/>
-            </a:prstGeom>
-            <a:noFill/>
-            <a:ln w="57150" cap="flat" cmpd="sng" algn="ctr">
-              <a:solidFill>
-                <a:schemeClr val="tx1">
-                  <a:lumMod val="50000"/>
-                </a:schemeClr>
-              </a:solidFill>
-              <a:prstDash val="solid"/>
-              <a:round/>
-              <a:headEnd type="triangle" w="lg" len="lg"/>
-              <a:tailEnd type="none" w="med" len="med"/>
-            </a:ln>
-            <a:effectLst/>
-          </p:spPr>
-        </p:cxnSp>
-        <p:cxnSp>
-          <p:nvCxnSpPr>
-            <p:cNvPr id="92" name="Straight Arrow Connector 91"/>
-            <p:cNvCxnSpPr>
-              <a:stCxn id="8" idx="5"/>
-              <a:endCxn id="11" idx="0"/>
-            </p:cNvCxnSpPr>
-            <p:nvPr/>
-          </p:nvCxnSpPr>
-          <p:spPr bwMode="auto">
-            <a:xfrm>
-              <a:off x="5393516" y="18871797"/>
-              <a:ext cx="866584" cy="1969686"/>
-            </a:xfrm>
-            <a:prstGeom prst="straightConnector1">
-              <a:avLst/>
-            </a:prstGeom>
-            <a:noFill/>
-            <a:ln w="57150" cap="flat" cmpd="sng" algn="ctr">
-              <a:solidFill>
-                <a:schemeClr val="tx1">
-                  <a:lumMod val="50000"/>
-                </a:schemeClr>
-              </a:solidFill>
-              <a:prstDash val="solid"/>
-              <a:round/>
-              <a:headEnd type="triangle" w="lg" len="lg"/>
-              <a:tailEnd type="none" w="med" len="med"/>
-            </a:ln>
-            <a:effectLst/>
-          </p:spPr>
-        </p:cxnSp>
-        <p:cxnSp>
-          <p:nvCxnSpPr>
-            <p:cNvPr id="99" name="Straight Arrow Connector 98"/>
-            <p:cNvCxnSpPr>
-              <a:stCxn id="7" idx="1"/>
-              <a:endCxn id="10" idx="2"/>
-            </p:cNvCxnSpPr>
-            <p:nvPr/>
-          </p:nvCxnSpPr>
-          <p:spPr bwMode="auto">
-            <a:xfrm flipH="1" flipV="1">
-              <a:off x="2833385" y="22325535"/>
-              <a:ext cx="860125" cy="2038151"/>
-            </a:xfrm>
-            <a:prstGeom prst="straightConnector1">
-              <a:avLst/>
-            </a:prstGeom>
-            <a:noFill/>
-            <a:ln w="57150" cap="flat" cmpd="sng" algn="ctr">
-              <a:solidFill>
-                <a:schemeClr val="tx1">
-                  <a:lumMod val="50000"/>
-                </a:schemeClr>
-              </a:solidFill>
-              <a:prstDash val="solid"/>
-              <a:round/>
-              <a:headEnd type="triangle" w="lg" len="lg"/>
-              <a:tailEnd type="none" w="med" len="med"/>
-            </a:ln>
-            <a:effectLst/>
-          </p:spPr>
-        </p:cxnSp>
-        <p:cxnSp>
-          <p:nvCxnSpPr>
-            <p:cNvPr id="103" name="Straight Arrow Connector 102"/>
-            <p:cNvCxnSpPr>
-              <a:stCxn id="7" idx="7"/>
-              <a:endCxn id="11" idx="2"/>
-            </p:cNvCxnSpPr>
-            <p:nvPr/>
-          </p:nvCxnSpPr>
-          <p:spPr bwMode="auto">
-            <a:xfrm flipV="1">
-              <a:off x="5460792" y="22381237"/>
-              <a:ext cx="799308" cy="1982449"/>
-            </a:xfrm>
-            <a:prstGeom prst="straightConnector1">
-              <a:avLst/>
-            </a:prstGeom>
-            <a:noFill/>
-            <a:ln w="57150" cap="flat" cmpd="sng" algn="ctr">
-              <a:solidFill>
-                <a:schemeClr val="tx1">
-                  <a:lumMod val="50000"/>
-                </a:schemeClr>
-              </a:solidFill>
-              <a:prstDash val="solid"/>
-              <a:round/>
-              <a:headEnd type="triangle" w="lg" len="lg"/>
-              <a:tailEnd type="none" w="med" len="med"/>
-            </a:ln>
-            <a:effectLst/>
-          </p:spPr>
-        </p:cxnSp>
-      </p:grpSp>
+            </a:endParaRPr>
+          </a:p>
+        </p:txBody>
+      </p:sp>
     </p:spTree>
     <p:extLst>
       <p:ext uri="{BB962C8B-B14F-4D97-AF65-F5344CB8AC3E}">
